--- a/Course/Greedy Summary.pptx
+++ b/Course/Greedy Summary.pptx
@@ -6,12 +6,13 @@
   </p:sldMasterIdLst>
   <p:sldIdLst>
     <p:sldId id="256" r:id="rId2"/>
-    <p:sldId id="257" r:id="rId3"/>
-    <p:sldId id="259" r:id="rId4"/>
-    <p:sldId id="260" r:id="rId5"/>
-    <p:sldId id="258" r:id="rId6"/>
-    <p:sldId id="261" r:id="rId7"/>
-    <p:sldId id="262" r:id="rId8"/>
+    <p:sldId id="264" r:id="rId3"/>
+    <p:sldId id="257" r:id="rId4"/>
+    <p:sldId id="259" r:id="rId5"/>
+    <p:sldId id="260" r:id="rId6"/>
+    <p:sldId id="258" r:id="rId7"/>
+    <p:sldId id="261" r:id="rId8"/>
+    <p:sldId id="262" r:id="rId9"/>
   </p:sldIdLst>
   <p:sldSz cx="12192000" cy="6858000"/>
   <p:notesSz cx="6858000" cy="9144000"/>
@@ -265,7 +266,7 @@
           <a:p>
             <a:fld id="{9755B053-99DC-9940-AC95-0DF55D86069D}" type="datetimeFigureOut">
               <a:rPr lang="en-US" smtClean="0"/>
-              <a:t>4/18/25</a:t>
+              <a:t>4/20/25</a:t>
             </a:fld>
             <a:endParaRPr lang="en-US"/>
           </a:p>
@@ -463,7 +464,7 @@
           <a:p>
             <a:fld id="{9755B053-99DC-9940-AC95-0DF55D86069D}" type="datetimeFigureOut">
               <a:rPr lang="en-US" smtClean="0"/>
-              <a:t>4/18/25</a:t>
+              <a:t>4/20/25</a:t>
             </a:fld>
             <a:endParaRPr lang="en-US"/>
           </a:p>
@@ -671,7 +672,7 @@
           <a:p>
             <a:fld id="{9755B053-99DC-9940-AC95-0DF55D86069D}" type="datetimeFigureOut">
               <a:rPr lang="en-US" smtClean="0"/>
-              <a:t>4/18/25</a:t>
+              <a:t>4/20/25</a:t>
             </a:fld>
             <a:endParaRPr lang="en-US"/>
           </a:p>
@@ -869,7 +870,7 @@
           <a:p>
             <a:fld id="{9755B053-99DC-9940-AC95-0DF55D86069D}" type="datetimeFigureOut">
               <a:rPr lang="en-US" smtClean="0"/>
-              <a:t>4/18/25</a:t>
+              <a:t>4/20/25</a:t>
             </a:fld>
             <a:endParaRPr lang="en-US"/>
           </a:p>
@@ -1144,7 +1145,7 @@
           <a:p>
             <a:fld id="{9755B053-99DC-9940-AC95-0DF55D86069D}" type="datetimeFigureOut">
               <a:rPr lang="en-US" smtClean="0"/>
-              <a:t>4/18/25</a:t>
+              <a:t>4/20/25</a:t>
             </a:fld>
             <a:endParaRPr lang="en-US"/>
           </a:p>
@@ -1409,7 +1410,7 @@
           <a:p>
             <a:fld id="{9755B053-99DC-9940-AC95-0DF55D86069D}" type="datetimeFigureOut">
               <a:rPr lang="en-US" smtClean="0"/>
-              <a:t>4/18/25</a:t>
+              <a:t>4/20/25</a:t>
             </a:fld>
             <a:endParaRPr lang="en-US"/>
           </a:p>
@@ -1821,7 +1822,7 @@
           <a:p>
             <a:fld id="{9755B053-99DC-9940-AC95-0DF55D86069D}" type="datetimeFigureOut">
               <a:rPr lang="en-US" smtClean="0"/>
-              <a:t>4/18/25</a:t>
+              <a:t>4/20/25</a:t>
             </a:fld>
             <a:endParaRPr lang="en-US"/>
           </a:p>
@@ -1962,7 +1963,7 @@
           <a:p>
             <a:fld id="{9755B053-99DC-9940-AC95-0DF55D86069D}" type="datetimeFigureOut">
               <a:rPr lang="en-US" smtClean="0"/>
-              <a:t>4/18/25</a:t>
+              <a:t>4/20/25</a:t>
             </a:fld>
             <a:endParaRPr lang="en-US"/>
           </a:p>
@@ -2075,7 +2076,7 @@
           <a:p>
             <a:fld id="{9755B053-99DC-9940-AC95-0DF55D86069D}" type="datetimeFigureOut">
               <a:rPr lang="en-US" smtClean="0"/>
-              <a:t>4/18/25</a:t>
+              <a:t>4/20/25</a:t>
             </a:fld>
             <a:endParaRPr lang="en-US"/>
           </a:p>
@@ -2386,7 +2387,7 @@
           <a:p>
             <a:fld id="{9755B053-99DC-9940-AC95-0DF55D86069D}" type="datetimeFigureOut">
               <a:rPr lang="en-US" smtClean="0"/>
-              <a:t>4/18/25</a:t>
+              <a:t>4/20/25</a:t>
             </a:fld>
             <a:endParaRPr lang="en-US"/>
           </a:p>
@@ -2674,7 +2675,7 @@
           <a:p>
             <a:fld id="{9755B053-99DC-9940-AC95-0DF55D86069D}" type="datetimeFigureOut">
               <a:rPr lang="en-US" smtClean="0"/>
-              <a:t>4/18/25</a:t>
+              <a:t>4/20/25</a:t>
             </a:fld>
             <a:endParaRPr lang="en-US"/>
           </a:p>
@@ -2915,7 +2916,7 @@
           <a:p>
             <a:fld id="{9755B053-99DC-9940-AC95-0DF55D86069D}" type="datetimeFigureOut">
               <a:rPr lang="en-US" smtClean="0"/>
-              <a:t>4/18/25</a:t>
+              <a:t>4/20/25</a:t>
             </a:fld>
             <a:endParaRPr lang="en-US"/>
           </a:p>
@@ -3334,10 +3335,10 @@
       </p:grpSpPr>
       <p:graphicFrame>
         <p:nvGraphicFramePr>
-          <p:cNvPr id="4" name="Table 3">
+          <p:cNvPr id="23" name="Table 22">
             <a:extLst>
               <a:ext uri="{FF2B5EF4-FFF2-40B4-BE49-F238E27FC236}">
-                <a16:creationId xmlns:a16="http://schemas.microsoft.com/office/drawing/2014/main" id="{02A0F996-9979-4C8C-F56B-CAFE4B0924B3}"/>
+                <a16:creationId xmlns:a16="http://schemas.microsoft.com/office/drawing/2014/main" id="{71C74484-2181-5B54-01FF-80E23CD97C14}"/>
               </a:ext>
             </a:extLst>
           </p:cNvPr>
@@ -3347,53 +3348,124 @@
           <p:nvPr>
             <p:extLst>
               <p:ext uri="{D42A27DB-BD31-4B8C-83A1-F6EECF244321}">
-                <p14:modId xmlns:p14="http://schemas.microsoft.com/office/powerpoint/2010/main" val="3555896169"/>
+                <p14:modId xmlns:p14="http://schemas.microsoft.com/office/powerpoint/2010/main" val="4273770391"/>
               </p:ext>
             </p:extLst>
           </p:nvPr>
         </p:nvGraphicFramePr>
         <p:xfrm>
-          <a:off x="405080" y="575956"/>
-          <a:ext cx="11208989" cy="5945212"/>
+          <a:off x="56123" y="411202"/>
+          <a:ext cx="8620322" cy="2941320"/>
         </p:xfrm>
         <a:graphic>
           <a:graphicData uri="http://schemas.openxmlformats.org/drawingml/2006/table">
             <a:tbl>
-              <a:tblPr firstRow="1" bandRow="1">
-                <a:tableStyleId>{5C22544A-7EE6-4342-B048-85BDC9FD1C3A}</a:tableStyleId>
-              </a:tblPr>
+              <a:tblPr/>
               <a:tblGrid>
-                <a:gridCol w="891789">
+                <a:gridCol w="1400516">
                   <a:extLst>
                     <a:ext uri="{9D8B030D-6E8A-4147-A177-3AD203B41FA5}">
-                      <a16:colId xmlns:a16="http://schemas.microsoft.com/office/drawing/2014/main" val="4181765314"/>
+                      <a16:colId xmlns:a16="http://schemas.microsoft.com/office/drawing/2014/main" val="2224835562"/>
                     </a:ext>
                   </a:extLst>
                 </a:gridCol>
-                <a:gridCol w="2681166">
+                <a:gridCol w="1112559">
                   <a:extLst>
                     <a:ext uri="{9D8B030D-6E8A-4147-A177-3AD203B41FA5}">
-                      <a16:colId xmlns:a16="http://schemas.microsoft.com/office/drawing/2014/main" val="2346464745"/>
+                      <a16:colId xmlns:a16="http://schemas.microsoft.com/office/drawing/2014/main" val="1451484446"/>
                     </a:ext>
                   </a:extLst>
                 </a:gridCol>
-                <a:gridCol w="1021477">
+                <a:gridCol w="505805">
                   <a:extLst>
                     <a:ext uri="{9D8B030D-6E8A-4147-A177-3AD203B41FA5}">
-                      <a16:colId xmlns:a16="http://schemas.microsoft.com/office/drawing/2014/main" val="232183348"/>
+                      <a16:colId xmlns:a16="http://schemas.microsoft.com/office/drawing/2014/main" val="4091405548"/>
                     </a:ext>
                   </a:extLst>
                 </a:gridCol>
-                <a:gridCol w="6614557">
+                <a:gridCol w="840809">
                   <a:extLst>
                     <a:ext uri="{9D8B030D-6E8A-4147-A177-3AD203B41FA5}">
-                      <a16:colId xmlns:a16="http://schemas.microsoft.com/office/drawing/2014/main" val="539540021"/>
+                      <a16:colId xmlns:a16="http://schemas.microsoft.com/office/drawing/2014/main" val="209063649"/>
+                    </a:ext>
+                  </a:extLst>
+                </a:gridCol>
+                <a:gridCol w="4760633">
+                  <a:extLst>
+                    <a:ext uri="{9D8B030D-6E8A-4147-A177-3AD203B41FA5}">
+                      <a16:colId xmlns:a16="http://schemas.microsoft.com/office/drawing/2014/main" val="2928891449"/>
                     </a:ext>
                   </a:extLst>
                 </a:gridCol>
               </a:tblGrid>
-              <a:tr h="458812">
-                <a:tc>
+              <a:tr h="231006">
+                <a:tc gridSpan="2">
+                  <a:txBody>
+                    <a:bodyPr/>
+                    <a:lstStyle/>
+                    <a:p>
+                      <a:pPr algn="l" fontAlgn="base"/>
+                      <a:r>
+                        <a:rPr lang="en-US" sz="1100" b="1" i="0">
+                          <a:solidFill>
+                            <a:srgbClr val="FFFFFF"/>
+                          </a:solidFill>
+                          <a:effectLst/>
+                          <a:latin typeface="Aptos" panose="020B0004020202020204" pitchFamily="34" charset="0"/>
+                        </a:rPr>
+                        <a:t>Item​</a:t>
+                      </a:r>
+                      <a:endParaRPr lang="en-US" sz="1100" b="1" i="0">
+                        <a:solidFill>
+                          <a:srgbClr val="FFFFFF"/>
+                        </a:solidFill>
+                        <a:effectLst/>
+                      </a:endParaRPr>
+                    </a:p>
+                  </a:txBody>
+                  <a:tcPr marL="57752" marR="57752" marT="28876" marB="28876">
+                    <a:lnL w="9916" cap="flat" cmpd="sng" algn="ctr">
+                      <a:solidFill>
+                        <a:srgbClr val="FFFFFF"/>
+                      </a:solidFill>
+                      <a:prstDash val="solid"/>
+                      <a:round/>
+                      <a:headEnd type="none" w="med" len="med"/>
+                      <a:tailEnd type="none" w="med" len="med"/>
+                    </a:lnL>
+                    <a:lnR w="9916" cap="flat" cmpd="sng" algn="ctr">
+                      <a:solidFill>
+                        <a:srgbClr val="FFFFFF"/>
+                      </a:solidFill>
+                      <a:prstDash val="solid"/>
+                      <a:round/>
+                      <a:headEnd type="none" w="med" len="med"/>
+                      <a:tailEnd type="none" w="med" len="med"/>
+                    </a:lnR>
+                    <a:lnT w="9916" cap="flat" cmpd="sng" algn="ctr">
+                      <a:solidFill>
+                        <a:srgbClr val="FFFFFF"/>
+                      </a:solidFill>
+                      <a:prstDash val="solid"/>
+                      <a:round/>
+                      <a:headEnd type="none" w="med" len="med"/>
+                      <a:tailEnd type="none" w="med" len="med"/>
+                    </a:lnT>
+                    <a:lnB w="29766" cap="flat" cmpd="sng" algn="ctr">
+                      <a:solidFill>
+                        <a:srgbClr val="FFFFFF"/>
+                      </a:solidFill>
+                      <a:prstDash val="solid"/>
+                      <a:round/>
+                      <a:headEnd type="none" w="med" len="med"/>
+                      <a:tailEnd type="none" w="med" len="med"/>
+                    </a:lnB>
+                    <a:solidFill>
+                      <a:srgbClr val="156082"/>
+                    </a:solidFill>
+                  </a:tcPr>
+                </a:tc>
+                <a:tc hMerge="1">
                   <a:txBody>
                     <a:bodyPr/>
                     <a:lstStyle/>
@@ -3408,11 +3480,292 @@
                     <a:bodyPr/>
                     <a:lstStyle/>
                     <a:p>
-                      <a:r>
-                        <a:rPr lang="en-US" altLang="zh-CN" dirty="0"/>
-                        <a:t>Item</a:t>
-                      </a:r>
-                      <a:endParaRPr lang="en-US" dirty="0"/>
+                      <a:pPr algn="l" fontAlgn="base"/>
+                      <a:r>
+                        <a:rPr lang="en-US" sz="1100" b="1" i="0">
+                          <a:solidFill>
+                            <a:srgbClr val="FFFFFF"/>
+                          </a:solidFill>
+                          <a:effectLst/>
+                          <a:latin typeface="Aptos" panose="020B0004020202020204" pitchFamily="34" charset="0"/>
+                        </a:rPr>
+                        <a:t>PQ​</a:t>
+                      </a:r>
+                      <a:endParaRPr lang="en-US" sz="1100" b="1" i="0">
+                        <a:solidFill>
+                          <a:srgbClr val="FFFFFF"/>
+                        </a:solidFill>
+                        <a:effectLst/>
+                      </a:endParaRPr>
+                    </a:p>
+                  </a:txBody>
+                  <a:tcPr marL="57752" marR="57752" marT="28876" marB="28876">
+                    <a:lnL w="9916" cap="flat" cmpd="sng" algn="ctr">
+                      <a:solidFill>
+                        <a:srgbClr val="FFFFFF"/>
+                      </a:solidFill>
+                      <a:prstDash val="solid"/>
+                      <a:round/>
+                      <a:headEnd type="none" w="med" len="med"/>
+                      <a:tailEnd type="none" w="med" len="med"/>
+                    </a:lnL>
+                    <a:lnR w="9916" cap="flat" cmpd="sng" algn="ctr">
+                      <a:solidFill>
+                        <a:srgbClr val="FFFFFF"/>
+                      </a:solidFill>
+                      <a:prstDash val="solid"/>
+                      <a:round/>
+                      <a:headEnd type="none" w="med" len="med"/>
+                      <a:tailEnd type="none" w="med" len="med"/>
+                    </a:lnR>
+                    <a:lnT w="9916" cap="flat" cmpd="sng" algn="ctr">
+                      <a:solidFill>
+                        <a:srgbClr val="FFFFFF"/>
+                      </a:solidFill>
+                      <a:prstDash val="solid"/>
+                      <a:round/>
+                      <a:headEnd type="none" w="med" len="med"/>
+                      <a:tailEnd type="none" w="med" len="med"/>
+                    </a:lnT>
+                    <a:lnB w="29766" cap="flat" cmpd="sng" algn="ctr">
+                      <a:solidFill>
+                        <a:srgbClr val="FFFFFF"/>
+                      </a:solidFill>
+                      <a:prstDash val="solid"/>
+                      <a:round/>
+                      <a:headEnd type="none" w="med" len="med"/>
+                      <a:tailEnd type="none" w="med" len="med"/>
+                    </a:lnB>
+                    <a:solidFill>
+                      <a:srgbClr val="156082"/>
+                    </a:solidFill>
+                  </a:tcPr>
+                </a:tc>
+                <a:tc>
+                  <a:txBody>
+                    <a:bodyPr/>
+                    <a:lstStyle/>
+                    <a:p>
+                      <a:pPr algn="l" fontAlgn="base"/>
+                      <a:r>
+                        <a:rPr lang="en-US" sz="1100" b="1" i="0">
+                          <a:solidFill>
+                            <a:srgbClr val="FFFFFF"/>
+                          </a:solidFill>
+                          <a:effectLst/>
+                          <a:latin typeface="Aptos" panose="020B0004020202020204" pitchFamily="34" charset="0"/>
+                        </a:rPr>
+                        <a:t>Running time​</a:t>
+                      </a:r>
+                      <a:endParaRPr lang="en-US" sz="1100" b="1" i="0">
+                        <a:solidFill>
+                          <a:srgbClr val="FFFFFF"/>
+                        </a:solidFill>
+                        <a:effectLst/>
+                      </a:endParaRPr>
+                    </a:p>
+                  </a:txBody>
+                  <a:tcPr marL="57752" marR="57752" marT="28876" marB="28876">
+                    <a:lnL w="9916" cap="flat" cmpd="sng" algn="ctr">
+                      <a:solidFill>
+                        <a:srgbClr val="FFFFFF"/>
+                      </a:solidFill>
+                      <a:prstDash val="solid"/>
+                      <a:round/>
+                      <a:headEnd type="none" w="med" len="med"/>
+                      <a:tailEnd type="none" w="med" len="med"/>
+                    </a:lnL>
+                    <a:lnR w="9916" cap="flat" cmpd="sng" algn="ctr">
+                      <a:solidFill>
+                        <a:srgbClr val="FFFFFF"/>
+                      </a:solidFill>
+                      <a:prstDash val="solid"/>
+                      <a:round/>
+                      <a:headEnd type="none" w="med" len="med"/>
+                      <a:tailEnd type="none" w="med" len="med"/>
+                    </a:lnR>
+                    <a:lnT w="9916" cap="flat" cmpd="sng" algn="ctr">
+                      <a:solidFill>
+                        <a:srgbClr val="FFFFFF"/>
+                      </a:solidFill>
+                      <a:prstDash val="solid"/>
+                      <a:round/>
+                      <a:headEnd type="none" w="med" len="med"/>
+                      <a:tailEnd type="none" w="med" len="med"/>
+                    </a:lnT>
+                    <a:lnB w="29766" cap="flat" cmpd="sng" algn="ctr">
+                      <a:solidFill>
+                        <a:srgbClr val="FFFFFF"/>
+                      </a:solidFill>
+                      <a:prstDash val="solid"/>
+                      <a:round/>
+                      <a:headEnd type="none" w="med" len="med"/>
+                      <a:tailEnd type="none" w="med" len="med"/>
+                    </a:lnB>
+                    <a:solidFill>
+                      <a:srgbClr val="156082"/>
+                    </a:solidFill>
+                  </a:tcPr>
+                </a:tc>
+                <a:tc>
+                  <a:txBody>
+                    <a:bodyPr/>
+                    <a:lstStyle/>
+                    <a:p>
+                      <a:pPr algn="l" fontAlgn="auto"/>
+                      <a:r>
+                        <a:rPr lang="en-US" sz="1100" b="1" i="0">
+                          <a:solidFill>
+                            <a:srgbClr val="FFFFFF"/>
+                          </a:solidFill>
+                          <a:effectLst/>
+                          <a:latin typeface="Aptos" panose="020B0004020202020204" pitchFamily="34" charset="0"/>
+                        </a:rPr>
+                        <a:t>​</a:t>
+                      </a:r>
+                    </a:p>
+                  </a:txBody>
+                  <a:tcPr marL="57752" marR="57752" marT="28876" marB="28876">
+                    <a:lnL w="9916" cap="flat" cmpd="sng" algn="ctr">
+                      <a:solidFill>
+                        <a:srgbClr val="FFFFFF"/>
+                      </a:solidFill>
+                      <a:prstDash val="solid"/>
+                      <a:round/>
+                      <a:headEnd type="none" w="med" len="med"/>
+                      <a:tailEnd type="none" w="med" len="med"/>
+                    </a:lnL>
+                    <a:lnR w="9916" cap="flat" cmpd="sng" algn="ctr">
+                      <a:solidFill>
+                        <a:srgbClr val="FFFFFF"/>
+                      </a:solidFill>
+                      <a:prstDash val="solid"/>
+                      <a:round/>
+                      <a:headEnd type="none" w="med" len="med"/>
+                      <a:tailEnd type="none" w="med" len="med"/>
+                    </a:lnR>
+                    <a:lnT w="9916" cap="flat" cmpd="sng" algn="ctr">
+                      <a:solidFill>
+                        <a:srgbClr val="FFFFFF"/>
+                      </a:solidFill>
+                      <a:prstDash val="solid"/>
+                      <a:round/>
+                      <a:headEnd type="none" w="med" len="med"/>
+                      <a:tailEnd type="none" w="med" len="med"/>
+                    </a:lnT>
+                    <a:lnB w="29766" cap="flat" cmpd="sng" algn="ctr">
+                      <a:solidFill>
+                        <a:srgbClr val="FFFFFF"/>
+                      </a:solidFill>
+                      <a:prstDash val="solid"/>
+                      <a:round/>
+                      <a:headEnd type="none" w="med" len="med"/>
+                      <a:tailEnd type="none" w="med" len="med"/>
+                    </a:lnB>
+                    <a:solidFill>
+                      <a:srgbClr val="156082"/>
+                    </a:solidFill>
+                  </a:tcPr>
+                </a:tc>
+                <a:extLst>
+                  <a:ext uri="{0D108BD9-81ED-4DB2-BD59-A6C34878D82A}">
+                    <a16:rowId xmlns:a16="http://schemas.microsoft.com/office/drawing/2014/main" val="4194408128"/>
+                  </a:ext>
+                </a:extLst>
+              </a:tr>
+              <a:tr h="211756">
+                <a:tc gridSpan="2">
+                  <a:txBody>
+                    <a:bodyPr/>
+                    <a:lstStyle/>
+                    <a:p>
+                      <a:pPr algn="l" fontAlgn="base"/>
+                      <a:r>
+                        <a:rPr lang="en-US" sz="1000" b="1" i="0">
+                          <a:solidFill>
+                            <a:srgbClr val="000000"/>
+                          </a:solidFill>
+                          <a:effectLst/>
+                          <a:latin typeface="Times New Roman" panose="02020603050405020304" pitchFamily="18" charset="0"/>
+                        </a:rPr>
+                        <a:t>Dijkstra </a:t>
+                      </a:r>
+                      <a:r>
+                        <a:rPr lang="ja-JP" altLang="en-US" sz="1000" b="0" i="0">
+                          <a:solidFill>
+                            <a:srgbClr val="000000"/>
+                          </a:solidFill>
+                          <a:effectLst/>
+                          <a:ea typeface="Times New Roman" panose="02020603050405020304" pitchFamily="18" charset="0"/>
+                        </a:rPr>
+                        <a:t>求源点到所有点的最短距离</a:t>
+                      </a:r>
+                      <a:r>
+                        <a:rPr lang="ja-JP" altLang="en-US" sz="1000" b="0" i="0">
+                          <a:solidFill>
+                            <a:srgbClr val="000000"/>
+                          </a:solidFill>
+                          <a:effectLst/>
+                          <a:latin typeface="Times New Roman" panose="02020603050405020304" pitchFamily="18" charset="0"/>
+                        </a:rPr>
+                        <a:t>​</a:t>
+                      </a:r>
+                      <a:endParaRPr lang="ja-JP" altLang="en-US" sz="1100" b="0" i="0">
+                        <a:solidFill>
+                          <a:srgbClr val="000000"/>
+                        </a:solidFill>
+                        <a:effectLst/>
+                      </a:endParaRPr>
+                    </a:p>
+                  </a:txBody>
+                  <a:tcPr marL="57752" marR="57752" marT="28876" marB="28876">
+                    <a:lnL w="9916" cap="flat" cmpd="sng" algn="ctr">
+                      <a:solidFill>
+                        <a:srgbClr val="FFFFFF"/>
+                      </a:solidFill>
+                      <a:prstDash val="solid"/>
+                      <a:round/>
+                      <a:headEnd type="none" w="med" len="med"/>
+                      <a:tailEnd type="none" w="med" len="med"/>
+                    </a:lnL>
+                    <a:lnR w="9916" cap="flat" cmpd="sng" algn="ctr">
+                      <a:solidFill>
+                        <a:srgbClr val="FFFFFF"/>
+                      </a:solidFill>
+                      <a:prstDash val="solid"/>
+                      <a:round/>
+                      <a:headEnd type="none" w="med" len="med"/>
+                      <a:tailEnd type="none" w="med" len="med"/>
+                    </a:lnR>
+                    <a:lnT w="29766" cap="flat" cmpd="sng" algn="ctr">
+                      <a:solidFill>
+                        <a:srgbClr val="FFFFFF"/>
+                      </a:solidFill>
+                      <a:prstDash val="solid"/>
+                      <a:round/>
+                      <a:headEnd type="none" w="med" len="med"/>
+                      <a:tailEnd type="none" w="med" len="med"/>
+                    </a:lnT>
+                    <a:lnB w="9916" cap="flat" cmpd="sng" algn="ctr">
+                      <a:solidFill>
+                        <a:srgbClr val="FFFFFF"/>
+                      </a:solidFill>
+                      <a:prstDash val="solid"/>
+                      <a:round/>
+                      <a:headEnd type="none" w="med" len="med"/>
+                      <a:tailEnd type="none" w="med" len="med"/>
+                    </a:lnB>
+                    <a:solidFill>
+                      <a:srgbClr val="CCD2D8"/>
+                    </a:solidFill>
+                  </a:tcPr>
+                </a:tc>
+                <a:tc hMerge="1">
+                  <a:txBody>
+                    <a:bodyPr/>
+                    <a:lstStyle/>
+                    <a:p>
+                      <a:endParaRPr lang="en-US"/>
                     </a:p>
                   </a:txBody>
                   <a:tcPr/>
@@ -3422,11 +3775,487 @@
                     <a:bodyPr/>
                     <a:lstStyle/>
                     <a:p>
-                      <a:r>
-                        <a:rPr lang="en-US" altLang="zh-CN" dirty="0"/>
-                        <a:t>PQ</a:t>
-                      </a:r>
-                      <a:endParaRPr lang="en-US" dirty="0"/>
+                      <a:pPr algn="l" fontAlgn="base"/>
+                      <a:r>
+                        <a:rPr lang="en-US" sz="1000" b="0" i="0">
+                          <a:solidFill>
+                            <a:srgbClr val="000000"/>
+                          </a:solidFill>
+                          <a:effectLst/>
+                          <a:latin typeface="Times New Roman" panose="02020603050405020304" pitchFamily="18" charset="0"/>
+                        </a:rPr>
+                        <a:t>Yes​</a:t>
+                      </a:r>
+                      <a:endParaRPr lang="en-US" sz="1100" b="0" i="0">
+                        <a:solidFill>
+                          <a:srgbClr val="000000"/>
+                        </a:solidFill>
+                        <a:effectLst/>
+                      </a:endParaRPr>
+                    </a:p>
+                  </a:txBody>
+                  <a:tcPr marL="57752" marR="57752" marT="28876" marB="28876">
+                    <a:lnL w="9916" cap="flat" cmpd="sng" algn="ctr">
+                      <a:solidFill>
+                        <a:srgbClr val="FFFFFF"/>
+                      </a:solidFill>
+                      <a:prstDash val="solid"/>
+                      <a:round/>
+                      <a:headEnd type="none" w="med" len="med"/>
+                      <a:tailEnd type="none" w="med" len="med"/>
+                    </a:lnL>
+                    <a:lnR w="9916" cap="flat" cmpd="sng" algn="ctr">
+                      <a:solidFill>
+                        <a:srgbClr val="FFFFFF"/>
+                      </a:solidFill>
+                      <a:prstDash val="solid"/>
+                      <a:round/>
+                      <a:headEnd type="none" w="med" len="med"/>
+                      <a:tailEnd type="none" w="med" len="med"/>
+                    </a:lnR>
+                    <a:lnT w="29766" cap="flat" cmpd="sng" algn="ctr">
+                      <a:solidFill>
+                        <a:srgbClr val="FFFFFF"/>
+                      </a:solidFill>
+                      <a:prstDash val="solid"/>
+                      <a:round/>
+                      <a:headEnd type="none" w="med" len="med"/>
+                      <a:tailEnd type="none" w="med" len="med"/>
+                    </a:lnT>
+                    <a:lnB w="9916" cap="flat" cmpd="sng" algn="ctr">
+                      <a:solidFill>
+                        <a:srgbClr val="FFFFFF"/>
+                      </a:solidFill>
+                      <a:prstDash val="solid"/>
+                      <a:round/>
+                      <a:headEnd type="none" w="med" len="med"/>
+                      <a:tailEnd type="none" w="med" len="med"/>
+                    </a:lnB>
+                    <a:solidFill>
+                      <a:srgbClr val="CCD2D8"/>
+                    </a:solidFill>
+                  </a:tcPr>
+                </a:tc>
+                <a:tc>
+                  <a:txBody>
+                    <a:bodyPr/>
+                    <a:lstStyle/>
+                    <a:p>
+                      <a:pPr algn="l" fontAlgn="base"/>
+                      <a:r>
+                        <a:rPr lang="en-US" sz="1000" b="1" i="0" u="none" strike="noStrike">
+                          <a:solidFill>
+                            <a:srgbClr val="000000"/>
+                          </a:solidFill>
+                          <a:effectLst/>
+                          <a:latin typeface="Times New Roman" panose="02020603050405020304" pitchFamily="18" charset="0"/>
+                        </a:rPr>
+                        <a:t>(V+E)·logV</a:t>
+                      </a:r>
+                      <a:r>
+                        <a:rPr lang="en-US" sz="1000" b="0" i="0">
+                          <a:solidFill>
+                            <a:srgbClr val="000000"/>
+                          </a:solidFill>
+                          <a:effectLst/>
+                          <a:latin typeface="Times New Roman" panose="02020603050405020304" pitchFamily="18" charset="0"/>
+                        </a:rPr>
+                        <a:t>​</a:t>
+                      </a:r>
+                      <a:endParaRPr lang="en-US" sz="1100" b="0" i="0">
+                        <a:solidFill>
+                          <a:srgbClr val="000000"/>
+                        </a:solidFill>
+                        <a:effectLst/>
+                      </a:endParaRPr>
+                    </a:p>
+                  </a:txBody>
+                  <a:tcPr marL="57752" marR="57752" marT="28876" marB="28876">
+                    <a:lnL w="9916" cap="flat" cmpd="sng" algn="ctr">
+                      <a:solidFill>
+                        <a:srgbClr val="FFFFFF"/>
+                      </a:solidFill>
+                      <a:prstDash val="solid"/>
+                      <a:round/>
+                      <a:headEnd type="none" w="med" len="med"/>
+                      <a:tailEnd type="none" w="med" len="med"/>
+                    </a:lnL>
+                    <a:lnR w="9916" cap="flat" cmpd="sng" algn="ctr">
+                      <a:solidFill>
+                        <a:srgbClr val="FFFFFF"/>
+                      </a:solidFill>
+                      <a:prstDash val="solid"/>
+                      <a:round/>
+                      <a:headEnd type="none" w="med" len="med"/>
+                      <a:tailEnd type="none" w="med" len="med"/>
+                    </a:lnR>
+                    <a:lnT w="29766" cap="flat" cmpd="sng" algn="ctr">
+                      <a:solidFill>
+                        <a:srgbClr val="FFFFFF"/>
+                      </a:solidFill>
+                      <a:prstDash val="solid"/>
+                      <a:round/>
+                      <a:headEnd type="none" w="med" len="med"/>
+                      <a:tailEnd type="none" w="med" len="med"/>
+                    </a:lnT>
+                    <a:lnB w="9916" cap="flat" cmpd="sng" algn="ctr">
+                      <a:solidFill>
+                        <a:srgbClr val="FFFFFF"/>
+                      </a:solidFill>
+                      <a:prstDash val="solid"/>
+                      <a:round/>
+                      <a:headEnd type="none" w="med" len="med"/>
+                      <a:tailEnd type="none" w="med" len="med"/>
+                    </a:lnB>
+                    <a:solidFill>
+                      <a:srgbClr val="CCD2D8"/>
+                    </a:solidFill>
+                  </a:tcPr>
+                </a:tc>
+                <a:tc>
+                  <a:txBody>
+                    <a:bodyPr/>
+                    <a:lstStyle/>
+                    <a:p>
+                      <a:pPr algn="l" fontAlgn="base"/>
+                      <a:r>
+                        <a:rPr lang="en-US" sz="1000" b="0" i="0">
+                          <a:solidFill>
+                            <a:srgbClr val="000000"/>
+                          </a:solidFill>
+                          <a:effectLst/>
+                          <a:latin typeface="Times New Roman" panose="02020603050405020304" pitchFamily="18" charset="0"/>
+                        </a:rPr>
+                        <a:t>start</a:t>
+                      </a:r>
+                      <a:r>
+                        <a:rPr lang="en-US" altLang="zh-CN" sz="1000" b="0" i="0">
+                          <a:solidFill>
+                            <a:srgbClr val="000000"/>
+                          </a:solidFill>
+                          <a:effectLst/>
+                          <a:ea typeface="Times New Roman" panose="02020603050405020304" pitchFamily="18" charset="0"/>
+                        </a:rPr>
+                        <a:t> </a:t>
+                      </a:r>
+                      <a:r>
+                        <a:rPr lang="en-US" sz="1000" b="0" i="0">
+                          <a:solidFill>
+                            <a:srgbClr val="000000"/>
+                          </a:solidFill>
+                          <a:effectLst/>
+                          <a:latin typeface="Times New Roman" panose="02020603050405020304" pitchFamily="18" charset="0"/>
+                        </a:rPr>
+                        <a:t>to</a:t>
+                      </a:r>
+                      <a:r>
+                        <a:rPr lang="en-US" altLang="zh-CN" sz="1000" b="0" i="0">
+                          <a:solidFill>
+                            <a:srgbClr val="000000"/>
+                          </a:solidFill>
+                          <a:effectLst/>
+                          <a:ea typeface="Times New Roman" panose="02020603050405020304" pitchFamily="18" charset="0"/>
+                        </a:rPr>
+                        <a:t> </a:t>
+                      </a:r>
+                      <a:r>
+                        <a:rPr lang="en-US" sz="1000" b="0" i="0">
+                          <a:solidFill>
+                            <a:srgbClr val="000000"/>
+                          </a:solidFill>
+                          <a:effectLst/>
+                          <a:latin typeface="Times New Roman" panose="02020603050405020304" pitchFamily="18" charset="0"/>
+                        </a:rPr>
+                        <a:t>all</a:t>
+                      </a:r>
+                      <a:r>
+                        <a:rPr lang="en-US" altLang="zh-CN" sz="1000" b="0" i="0">
+                          <a:solidFill>
+                            <a:srgbClr val="000000"/>
+                          </a:solidFill>
+                          <a:effectLst/>
+                          <a:ea typeface="Times New Roman" panose="02020603050405020304" pitchFamily="18" charset="0"/>
+                        </a:rPr>
+                        <a:t> </a:t>
+                      </a:r>
+                      <a:r>
+                        <a:rPr lang="en-US" sz="1000" b="0" i="0">
+                          <a:solidFill>
+                            <a:srgbClr val="000000"/>
+                          </a:solidFill>
+                          <a:effectLst/>
+                          <a:latin typeface="Times New Roman" panose="02020603050405020304" pitchFamily="18" charset="0"/>
+                        </a:rPr>
+                        <a:t>calculate</a:t>
+                      </a:r>
+                      <a:r>
+                        <a:rPr lang="en-US" altLang="zh-CN" sz="1000" b="0" i="0">
+                          <a:solidFill>
+                            <a:srgbClr val="000000"/>
+                          </a:solidFill>
+                          <a:effectLst/>
+                          <a:ea typeface="Times New Roman" panose="02020603050405020304" pitchFamily="18" charset="0"/>
+                        </a:rPr>
+                        <a:t> </a:t>
+                      </a:r>
+                      <a:r>
+                        <a:rPr lang="en-US" sz="1000" b="0" i="0">
+                          <a:solidFill>
+                            <a:srgbClr val="000000"/>
+                          </a:solidFill>
+                          <a:effectLst/>
+                          <a:latin typeface="Times New Roman" panose="02020603050405020304" pitchFamily="18" charset="0"/>
+                        </a:rPr>
+                        <a:t>the</a:t>
+                      </a:r>
+                      <a:r>
+                        <a:rPr lang="en-US" altLang="zh-CN" sz="1000" b="0" i="0">
+                          <a:solidFill>
+                            <a:srgbClr val="000000"/>
+                          </a:solidFill>
+                          <a:effectLst/>
+                          <a:ea typeface="Times New Roman" panose="02020603050405020304" pitchFamily="18" charset="0"/>
+                        </a:rPr>
+                        <a:t> </a:t>
+                      </a:r>
+                      <a:r>
+                        <a:rPr lang="en-US" sz="1000" b="0" i="0">
+                          <a:solidFill>
+                            <a:srgbClr val="000000"/>
+                          </a:solidFill>
+                          <a:effectLst/>
+                          <a:latin typeface="Times New Roman" panose="02020603050405020304" pitchFamily="18" charset="0"/>
+                        </a:rPr>
+                        <a:t>shortest</a:t>
+                      </a:r>
+                      <a:r>
+                        <a:rPr lang="en-US" altLang="zh-CN" sz="1000" b="0" i="0">
+                          <a:solidFill>
+                            <a:srgbClr val="000000"/>
+                          </a:solidFill>
+                          <a:effectLst/>
+                          <a:ea typeface="Times New Roman" panose="02020603050405020304" pitchFamily="18" charset="0"/>
+                        </a:rPr>
+                        <a:t> </a:t>
+                      </a:r>
+                      <a:r>
+                        <a:rPr lang="en-US" sz="1000" b="0" i="0">
+                          <a:solidFill>
+                            <a:srgbClr val="000000"/>
+                          </a:solidFill>
+                          <a:effectLst/>
+                          <a:latin typeface="Times New Roman" panose="02020603050405020304" pitchFamily="18" charset="0"/>
+                        </a:rPr>
+                        <a:t>path​</a:t>
+                      </a:r>
+                      <a:endParaRPr lang="en-US" sz="1100" b="0" i="0">
+                        <a:solidFill>
+                          <a:srgbClr val="000000"/>
+                        </a:solidFill>
+                        <a:effectLst/>
+                      </a:endParaRPr>
+                    </a:p>
+                  </a:txBody>
+                  <a:tcPr marL="57752" marR="57752" marT="28876" marB="28876">
+                    <a:lnL w="9916" cap="flat" cmpd="sng" algn="ctr">
+                      <a:solidFill>
+                        <a:srgbClr val="FFFFFF"/>
+                      </a:solidFill>
+                      <a:prstDash val="solid"/>
+                      <a:round/>
+                      <a:headEnd type="none" w="med" len="med"/>
+                      <a:tailEnd type="none" w="med" len="med"/>
+                    </a:lnL>
+                    <a:lnR w="9916" cap="flat" cmpd="sng" algn="ctr">
+                      <a:solidFill>
+                        <a:srgbClr val="FFFFFF"/>
+                      </a:solidFill>
+                      <a:prstDash val="solid"/>
+                      <a:round/>
+                      <a:headEnd type="none" w="med" len="med"/>
+                      <a:tailEnd type="none" w="med" len="med"/>
+                    </a:lnR>
+                    <a:lnT w="29766" cap="flat" cmpd="sng" algn="ctr">
+                      <a:solidFill>
+                        <a:srgbClr val="FFFFFF"/>
+                      </a:solidFill>
+                      <a:prstDash val="solid"/>
+                      <a:round/>
+                      <a:headEnd type="none" w="med" len="med"/>
+                      <a:tailEnd type="none" w="med" len="med"/>
+                    </a:lnT>
+                    <a:lnB w="9916" cap="flat" cmpd="sng" algn="ctr">
+                      <a:solidFill>
+                        <a:srgbClr val="FFFFFF"/>
+                      </a:solidFill>
+                      <a:prstDash val="solid"/>
+                      <a:round/>
+                      <a:headEnd type="none" w="med" len="med"/>
+                      <a:tailEnd type="none" w="med" len="med"/>
+                    </a:lnB>
+                    <a:solidFill>
+                      <a:srgbClr val="CCD2D8"/>
+                    </a:solidFill>
+                  </a:tcPr>
+                </a:tc>
+                <a:extLst>
+                  <a:ext uri="{0D108BD9-81ED-4DB2-BD59-A6C34878D82A}">
+                    <a16:rowId xmlns:a16="http://schemas.microsoft.com/office/drawing/2014/main" val="795744570"/>
+                  </a:ext>
+                </a:extLst>
+              </a:tr>
+              <a:tr h="685800">
+                <a:tc gridSpan="2">
+                  <a:txBody>
+                    <a:bodyPr/>
+                    <a:lstStyle/>
+                    <a:p>
+                      <a:pPr algn="l" fontAlgn="base"/>
+                      <a:r>
+                        <a:rPr lang="en-US" sz="1000" b="1" i="0" dirty="0">
+                          <a:solidFill>
+                            <a:srgbClr val="000000"/>
+                          </a:solidFill>
+                          <a:effectLst/>
+                          <a:latin typeface="Times New Roman" panose="02020603050405020304" pitchFamily="18" charset="0"/>
+                        </a:rPr>
+                        <a:t>Huffman</a:t>
+                      </a:r>
+                      <a:r>
+                        <a:rPr lang="en-US" altLang="zh-CN" sz="1000" b="1" i="0" dirty="0">
+                          <a:solidFill>
+                            <a:srgbClr val="000000"/>
+                          </a:solidFill>
+                          <a:effectLst/>
+                          <a:ea typeface="Times New Roman" panose="02020603050405020304" pitchFamily="18" charset="0"/>
+                        </a:rPr>
+                        <a:t> </a:t>
+                      </a:r>
+                      <a:r>
+                        <a:rPr lang="en-US" sz="1000" b="1" i="0" dirty="0">
+                          <a:solidFill>
+                            <a:srgbClr val="000000"/>
+                          </a:solidFill>
+                          <a:effectLst/>
+                          <a:latin typeface="Times New Roman" panose="02020603050405020304" pitchFamily="18" charset="0"/>
+                        </a:rPr>
+                        <a:t>prefix</a:t>
+                      </a:r>
+                      <a:r>
+                        <a:rPr lang="en-US" altLang="zh-CN" sz="1000" b="1" i="0" dirty="0">
+                          <a:solidFill>
+                            <a:srgbClr val="000000"/>
+                          </a:solidFill>
+                          <a:effectLst/>
+                          <a:ea typeface="Times New Roman" panose="02020603050405020304" pitchFamily="18" charset="0"/>
+                        </a:rPr>
+                        <a:t> </a:t>
+                      </a:r>
+                      <a:r>
+                        <a:rPr lang="en-US" sz="1000" b="1" i="0" dirty="0">
+                          <a:solidFill>
+                            <a:srgbClr val="000000"/>
+                          </a:solidFill>
+                          <a:effectLst/>
+                          <a:latin typeface="Times New Roman" panose="02020603050405020304" pitchFamily="18" charset="0"/>
+                        </a:rPr>
+                        <a:t>tree</a:t>
+                      </a:r>
+                      <a:r>
+                        <a:rPr lang="en-US" sz="1000" b="0" i="0" dirty="0">
+                          <a:solidFill>
+                            <a:srgbClr val="000000"/>
+                          </a:solidFill>
+                          <a:effectLst/>
+                          <a:latin typeface="Times New Roman" panose="02020603050405020304" pitchFamily="18" charset="0"/>
+                        </a:rPr>
+                        <a:t>​</a:t>
+                      </a:r>
+                      <a:endParaRPr lang="en-US" sz="1100" b="0" i="0" dirty="0">
+                        <a:solidFill>
+                          <a:srgbClr val="000000"/>
+                        </a:solidFill>
+                        <a:effectLst/>
+                      </a:endParaRPr>
+                    </a:p>
+                    <a:p>
+                      <a:pPr algn="l" fontAlgn="base"/>
+                      <a:r>
+                        <a:rPr lang="ja-JP" altLang="en-US" sz="1000" b="0" i="0">
+                          <a:solidFill>
+                            <a:srgbClr val="000000"/>
+                          </a:solidFill>
+                          <a:effectLst/>
+                          <a:ea typeface="Times New Roman" panose="02020603050405020304" pitchFamily="18" charset="0"/>
+                        </a:rPr>
+                        <a:t>二进制编码字母频次</a:t>
+                      </a:r>
+                      <a:r>
+                        <a:rPr lang="ja-JP" altLang="en-US" sz="1000" b="0" i="0">
+                          <a:solidFill>
+                            <a:srgbClr val="000000"/>
+                          </a:solidFill>
+                          <a:effectLst/>
+                          <a:latin typeface="Times New Roman" panose="02020603050405020304" pitchFamily="18" charset="0"/>
+                        </a:rPr>
+                        <a:t>​</a:t>
+                      </a:r>
+                      <a:endParaRPr lang="ja-JP" altLang="en-US" sz="1100" b="0" i="0">
+                        <a:solidFill>
+                          <a:srgbClr val="000000"/>
+                        </a:solidFill>
+                        <a:effectLst/>
+                      </a:endParaRPr>
+                    </a:p>
+                  </a:txBody>
+                  <a:tcPr marL="57752" marR="57752" marT="28876" marB="28876">
+                    <a:lnL w="9916" cap="flat" cmpd="sng" algn="ctr">
+                      <a:solidFill>
+                        <a:srgbClr val="FFFFFF"/>
+                      </a:solidFill>
+                      <a:prstDash val="solid"/>
+                      <a:round/>
+                      <a:headEnd type="none" w="med" len="med"/>
+                      <a:tailEnd type="none" w="med" len="med"/>
+                    </a:lnL>
+                    <a:lnR w="9916" cap="flat" cmpd="sng" algn="ctr">
+                      <a:solidFill>
+                        <a:srgbClr val="FFFFFF"/>
+                      </a:solidFill>
+                      <a:prstDash val="solid"/>
+                      <a:round/>
+                      <a:headEnd type="none" w="med" len="med"/>
+                      <a:tailEnd type="none" w="med" len="med"/>
+                    </a:lnR>
+                    <a:lnT w="9916" cap="flat" cmpd="sng" algn="ctr">
+                      <a:solidFill>
+                        <a:srgbClr val="FFFFFF"/>
+                      </a:solidFill>
+                      <a:prstDash val="solid"/>
+                      <a:round/>
+                      <a:headEnd type="none" w="med" len="med"/>
+                      <a:tailEnd type="none" w="med" len="med"/>
+                    </a:lnT>
+                    <a:lnB w="9916" cap="flat" cmpd="sng" algn="ctr">
+                      <a:solidFill>
+                        <a:srgbClr val="FFFFFF"/>
+                      </a:solidFill>
+                      <a:prstDash val="solid"/>
+                      <a:round/>
+                      <a:headEnd type="none" w="med" len="med"/>
+                      <a:tailEnd type="none" w="med" len="med"/>
+                    </a:lnB>
+                    <a:solidFill>
+                      <a:srgbClr val="E7EAED"/>
+                    </a:solidFill>
+                  </a:tcPr>
+                </a:tc>
+                <a:tc hMerge="1">
+                  <a:txBody>
+                    <a:bodyPr/>
+                    <a:lstStyle/>
+                    <a:p>
+                      <a:endParaRPr lang="en-US"/>
                     </a:p>
                   </a:txBody>
                   <a:tcPr/>
@@ -3436,24 +4265,1512 @@
                     <a:bodyPr/>
                     <a:lstStyle/>
                     <a:p>
-                      <a:endParaRPr lang="en-US" dirty="0"/>
+                      <a:pPr algn="l" fontAlgn="base"/>
+                      <a:r>
+                        <a:rPr lang="en-US" sz="1000" b="0" i="0">
+                          <a:solidFill>
+                            <a:srgbClr val="000000"/>
+                          </a:solidFill>
+                          <a:effectLst/>
+                          <a:latin typeface="Times New Roman" panose="02020603050405020304" pitchFamily="18" charset="0"/>
+                        </a:rPr>
+                        <a:t>Yes​</a:t>
+                      </a:r>
+                      <a:endParaRPr lang="en-US" sz="1100" b="0" i="0">
+                        <a:solidFill>
+                          <a:srgbClr val="000000"/>
+                        </a:solidFill>
+                        <a:effectLst/>
+                      </a:endParaRPr>
                     </a:p>
                   </a:txBody>
-                  <a:tcPr/>
+                  <a:tcPr marL="57752" marR="57752" marT="28876" marB="28876">
+                    <a:lnL w="9916" cap="flat" cmpd="sng" algn="ctr">
+                      <a:solidFill>
+                        <a:srgbClr val="FFFFFF"/>
+                      </a:solidFill>
+                      <a:prstDash val="solid"/>
+                      <a:round/>
+                      <a:headEnd type="none" w="med" len="med"/>
+                      <a:tailEnd type="none" w="med" len="med"/>
+                    </a:lnL>
+                    <a:lnR w="9916" cap="flat" cmpd="sng" algn="ctr">
+                      <a:solidFill>
+                        <a:srgbClr val="FFFFFF"/>
+                      </a:solidFill>
+                      <a:prstDash val="solid"/>
+                      <a:round/>
+                      <a:headEnd type="none" w="med" len="med"/>
+                      <a:tailEnd type="none" w="med" len="med"/>
+                    </a:lnR>
+                    <a:lnT w="9916" cap="flat" cmpd="sng" algn="ctr">
+                      <a:solidFill>
+                        <a:srgbClr val="FFFFFF"/>
+                      </a:solidFill>
+                      <a:prstDash val="solid"/>
+                      <a:round/>
+                      <a:headEnd type="none" w="med" len="med"/>
+                      <a:tailEnd type="none" w="med" len="med"/>
+                    </a:lnT>
+                    <a:lnB w="9916" cap="flat" cmpd="sng" algn="ctr">
+                      <a:solidFill>
+                        <a:srgbClr val="FFFFFF"/>
+                      </a:solidFill>
+                      <a:prstDash val="solid"/>
+                      <a:round/>
+                      <a:headEnd type="none" w="med" len="med"/>
+                      <a:tailEnd type="none" w="med" len="med"/>
+                    </a:lnB>
+                    <a:solidFill>
+                      <a:srgbClr val="E7EAED"/>
+                    </a:solidFill>
+                  </a:tcPr>
                 </a:tc>
-                <a:extLst>
-                  <a:ext uri="{0D108BD9-81ED-4DB2-BD59-A6C34878D82A}">
-                    <a16:rowId xmlns:a16="http://schemas.microsoft.com/office/drawing/2014/main" val="4189068504"/>
-                  </a:ext>
-                </a:extLst>
-              </a:tr>
-              <a:tr h="592151">
                 <a:tc>
                   <a:txBody>
                     <a:bodyPr/>
                     <a:lstStyle/>
                     <a:p>
-                      <a:endParaRPr lang="en-US" dirty="0"/>
+                      <a:pPr algn="l" fontAlgn="base"/>
+                      <a:r>
+                        <a:rPr lang="en-US" sz="1000" b="1" i="0" u="none" strike="noStrike">
+                          <a:solidFill>
+                            <a:srgbClr val="000000"/>
+                          </a:solidFill>
+                          <a:effectLst/>
+                          <a:latin typeface="Times New Roman" panose="02020603050405020304" pitchFamily="18" charset="0"/>
+                        </a:rPr>
+                        <a:t>n·logn</a:t>
+                      </a:r>
+                      <a:r>
+                        <a:rPr lang="en-US" sz="1000" b="0" i="0">
+                          <a:solidFill>
+                            <a:srgbClr val="000000"/>
+                          </a:solidFill>
+                          <a:effectLst/>
+                          <a:latin typeface="Times New Roman" panose="02020603050405020304" pitchFamily="18" charset="0"/>
+                        </a:rPr>
+                        <a:t>​</a:t>
+                      </a:r>
+                      <a:endParaRPr lang="en-US" sz="1100" b="0" i="0">
+                        <a:solidFill>
+                          <a:srgbClr val="000000"/>
+                        </a:solidFill>
+                        <a:effectLst/>
+                      </a:endParaRPr>
+                    </a:p>
+                  </a:txBody>
+                  <a:tcPr marL="57752" marR="57752" marT="28876" marB="28876">
+                    <a:lnL w="9916" cap="flat" cmpd="sng" algn="ctr">
+                      <a:solidFill>
+                        <a:srgbClr val="FFFFFF"/>
+                      </a:solidFill>
+                      <a:prstDash val="solid"/>
+                      <a:round/>
+                      <a:headEnd type="none" w="med" len="med"/>
+                      <a:tailEnd type="none" w="med" len="med"/>
+                    </a:lnL>
+                    <a:lnR w="9916" cap="flat" cmpd="sng" algn="ctr">
+                      <a:solidFill>
+                        <a:srgbClr val="FFFFFF"/>
+                      </a:solidFill>
+                      <a:prstDash val="solid"/>
+                      <a:round/>
+                      <a:headEnd type="none" w="med" len="med"/>
+                      <a:tailEnd type="none" w="med" len="med"/>
+                    </a:lnR>
+                    <a:lnT w="9916" cap="flat" cmpd="sng" algn="ctr">
+                      <a:solidFill>
+                        <a:srgbClr val="FFFFFF"/>
+                      </a:solidFill>
+                      <a:prstDash val="solid"/>
+                      <a:round/>
+                      <a:headEnd type="none" w="med" len="med"/>
+                      <a:tailEnd type="none" w="med" len="med"/>
+                    </a:lnT>
+                    <a:lnB w="9916" cap="flat" cmpd="sng" algn="ctr">
+                      <a:solidFill>
+                        <a:srgbClr val="FFFFFF"/>
+                      </a:solidFill>
+                      <a:prstDash val="solid"/>
+                      <a:round/>
+                      <a:headEnd type="none" w="med" len="med"/>
+                      <a:tailEnd type="none" w="med" len="med"/>
+                    </a:lnB>
+                    <a:solidFill>
+                      <a:srgbClr val="E7EAED"/>
+                    </a:solidFill>
+                  </a:tcPr>
+                </a:tc>
+                <a:tc>
+                  <a:txBody>
+                    <a:bodyPr/>
+                    <a:lstStyle/>
+                    <a:p>
+                      <a:pPr algn="l" fontAlgn="base"/>
+                      <a:r>
+                        <a:rPr lang="en-US" sz="1000" b="0" i="0" dirty="0">
+                          <a:solidFill>
+                            <a:srgbClr val="000000"/>
+                          </a:solidFill>
+                          <a:effectLst/>
+                          <a:latin typeface="Times New Roman" panose="02020603050405020304" pitchFamily="18" charset="0"/>
+                        </a:rPr>
+                        <a:t>Sort</a:t>
+                      </a:r>
+                      <a:r>
+                        <a:rPr lang="en-US" altLang="zh-CN" sz="1000" b="0" i="0" dirty="0">
+                          <a:solidFill>
+                            <a:srgbClr val="000000"/>
+                          </a:solidFill>
+                          <a:effectLst/>
+                          <a:ea typeface="Times New Roman" panose="02020603050405020304" pitchFamily="18" charset="0"/>
+                        </a:rPr>
+                        <a:t> </a:t>
+                      </a:r>
+                      <a:r>
+                        <a:rPr lang="en-US" sz="1000" b="0" i="0" dirty="0">
+                          <a:solidFill>
+                            <a:srgbClr val="000000"/>
+                          </a:solidFill>
+                          <a:effectLst/>
+                          <a:latin typeface="Times New Roman" panose="02020603050405020304" pitchFamily="18" charset="0"/>
+                        </a:rPr>
+                        <a:t>by</a:t>
+                      </a:r>
+                      <a:r>
+                        <a:rPr lang="en-US" altLang="zh-CN" sz="1000" b="0" i="0" dirty="0">
+                          <a:solidFill>
+                            <a:srgbClr val="000000"/>
+                          </a:solidFill>
+                          <a:effectLst/>
+                          <a:ea typeface="Times New Roman" panose="02020603050405020304" pitchFamily="18" charset="0"/>
+                        </a:rPr>
+                        <a:t> </a:t>
+                      </a:r>
+                      <a:r>
+                        <a:rPr lang="en-US" sz="1000" b="0" i="0" dirty="0">
+                          <a:solidFill>
+                            <a:srgbClr val="000000"/>
+                          </a:solidFill>
+                          <a:effectLst/>
+                          <a:latin typeface="Times New Roman" panose="02020603050405020304" pitchFamily="18" charset="0"/>
+                        </a:rPr>
+                        <a:t>frequency</a:t>
+                      </a:r>
+                      <a:r>
+                        <a:rPr lang="en-US" altLang="zh-CN" sz="1000" b="0" i="0" dirty="0">
+                          <a:solidFill>
+                            <a:srgbClr val="000000"/>
+                          </a:solidFill>
+                          <a:effectLst/>
+                          <a:ea typeface="Times New Roman" panose="02020603050405020304" pitchFamily="18" charset="0"/>
+                        </a:rPr>
+                        <a:t> </a:t>
+                      </a:r>
+                      <a:r>
+                        <a:rPr lang="en-US" sz="1000" b="0" i="0" dirty="0">
+                          <a:solidFill>
+                            <a:srgbClr val="000000"/>
+                          </a:solidFill>
+                          <a:effectLst/>
+                          <a:latin typeface="Times New Roman" panose="02020603050405020304" pitchFamily="18" charset="0"/>
+                        </a:rPr>
+                        <a:t>in</a:t>
+                      </a:r>
+                      <a:r>
+                        <a:rPr lang="en-US" altLang="zh-CN" sz="1000" b="0" i="0" dirty="0">
+                          <a:solidFill>
+                            <a:srgbClr val="000000"/>
+                          </a:solidFill>
+                          <a:effectLst/>
+                          <a:ea typeface="Times New Roman" panose="02020603050405020304" pitchFamily="18" charset="0"/>
+                        </a:rPr>
+                        <a:t> </a:t>
+                      </a:r>
+                      <a:r>
+                        <a:rPr lang="en-US" sz="1000" b="0" i="0" dirty="0">
+                          <a:solidFill>
+                            <a:srgbClr val="000000"/>
+                          </a:solidFill>
+                          <a:effectLst/>
+                          <a:latin typeface="Times New Roman" panose="02020603050405020304" pitchFamily="18" charset="0"/>
+                        </a:rPr>
+                        <a:t>increasing</a:t>
+                      </a:r>
+                      <a:r>
+                        <a:rPr lang="en-US" altLang="zh-CN" sz="1000" b="0" i="0" dirty="0">
+                          <a:solidFill>
+                            <a:srgbClr val="000000"/>
+                          </a:solidFill>
+                          <a:effectLst/>
+                          <a:ea typeface="Times New Roman" panose="02020603050405020304" pitchFamily="18" charset="0"/>
+                        </a:rPr>
+                        <a:t> </a:t>
+                      </a:r>
+                      <a:r>
+                        <a:rPr lang="en-US" sz="1000" b="0" i="0" dirty="0">
+                          <a:solidFill>
+                            <a:srgbClr val="000000"/>
+                          </a:solidFill>
+                          <a:effectLst/>
+                          <a:latin typeface="Times New Roman" panose="02020603050405020304" pitchFamily="18" charset="0"/>
+                        </a:rPr>
+                        <a:t>order​</a:t>
+                      </a:r>
+                      <a:endParaRPr lang="en-US" sz="1100" b="0" i="0" dirty="0">
+                        <a:solidFill>
+                          <a:srgbClr val="000000"/>
+                        </a:solidFill>
+                        <a:effectLst/>
+                      </a:endParaRPr>
+                    </a:p>
+                    <a:p>
+                      <a:pPr algn="l" fontAlgn="base"/>
+                      <a:r>
+                        <a:rPr lang="en-US" sz="1000" b="0" i="0" dirty="0">
+                          <a:solidFill>
+                            <a:srgbClr val="000000"/>
+                          </a:solidFill>
+                          <a:effectLst/>
+                          <a:latin typeface="Times New Roman" panose="02020603050405020304" pitchFamily="18" charset="0"/>
+                        </a:rPr>
+                        <a:t>Full</a:t>
+                      </a:r>
+                      <a:r>
+                        <a:rPr lang="en-US" altLang="zh-CN" sz="1000" b="0" i="0" dirty="0">
+                          <a:solidFill>
+                            <a:srgbClr val="000000"/>
+                          </a:solidFill>
+                          <a:effectLst/>
+                          <a:ea typeface="Times New Roman" panose="02020603050405020304" pitchFamily="18" charset="0"/>
+                        </a:rPr>
+                        <a:t> </a:t>
+                      </a:r>
+                      <a:r>
+                        <a:rPr lang="en-US" sz="1000" b="0" i="0" dirty="0">
+                          <a:solidFill>
+                            <a:srgbClr val="000000"/>
+                          </a:solidFill>
+                          <a:effectLst/>
+                          <a:latin typeface="Times New Roman" panose="02020603050405020304" pitchFamily="18" charset="0"/>
+                        </a:rPr>
+                        <a:t>tree</a:t>
+                      </a:r>
+                      <a:r>
+                        <a:rPr lang="en-US" altLang="zh-CN" sz="1000" b="0" i="0" dirty="0">
+                          <a:solidFill>
+                            <a:srgbClr val="000000"/>
+                          </a:solidFill>
+                          <a:effectLst/>
+                          <a:ea typeface="Times New Roman" panose="02020603050405020304" pitchFamily="18" charset="0"/>
+                        </a:rPr>
+                        <a:t> </a:t>
+                      </a:r>
+                      <a:r>
+                        <a:rPr lang="en-US" sz="1000" b="0" i="0" dirty="0">
+                          <a:solidFill>
+                            <a:srgbClr val="000000"/>
+                          </a:solidFill>
+                          <a:effectLst/>
+                          <a:latin typeface="Times New Roman" panose="02020603050405020304" pitchFamily="18" charset="0"/>
+                        </a:rPr>
+                        <a:t>+</a:t>
+                      </a:r>
+                      <a:r>
+                        <a:rPr lang="en-US" altLang="zh-CN" sz="1000" b="0" i="0" dirty="0">
+                          <a:solidFill>
+                            <a:srgbClr val="000000"/>
+                          </a:solidFill>
+                          <a:effectLst/>
+                          <a:ea typeface="Times New Roman" panose="02020603050405020304" pitchFamily="18" charset="0"/>
+                        </a:rPr>
+                        <a:t> </a:t>
+                      </a:r>
+                      <a:r>
+                        <a:rPr lang="en-US" sz="1000" b="0" i="0" dirty="0">
+                          <a:solidFill>
+                            <a:srgbClr val="000000"/>
+                          </a:solidFill>
+                          <a:effectLst/>
+                          <a:latin typeface="Times New Roman" panose="02020603050405020304" pitchFamily="18" charset="0"/>
+                        </a:rPr>
+                        <a:t>left</a:t>
+                      </a:r>
+                      <a:r>
+                        <a:rPr lang="en-US" altLang="zh-CN" sz="1000" b="0" i="0" dirty="0">
+                          <a:solidFill>
+                            <a:srgbClr val="000000"/>
+                          </a:solidFill>
+                          <a:effectLst/>
+                          <a:ea typeface="Times New Roman" panose="02020603050405020304" pitchFamily="18" charset="0"/>
+                        </a:rPr>
+                        <a:t> </a:t>
+                      </a:r>
+                      <a:r>
+                        <a:rPr lang="en-US" sz="1000" b="0" i="0" dirty="0">
+                          <a:solidFill>
+                            <a:srgbClr val="000000"/>
+                          </a:solidFill>
+                          <a:effectLst/>
+                          <a:latin typeface="Times New Roman" panose="02020603050405020304" pitchFamily="18" charset="0"/>
+                        </a:rPr>
+                        <a:t>branch</a:t>
+                      </a:r>
+                      <a:r>
+                        <a:rPr lang="en-US" altLang="zh-CN" sz="1000" b="0" i="0" dirty="0">
+                          <a:solidFill>
+                            <a:srgbClr val="000000"/>
+                          </a:solidFill>
+                          <a:effectLst/>
+                          <a:ea typeface="Times New Roman" panose="02020603050405020304" pitchFamily="18" charset="0"/>
+                        </a:rPr>
+                        <a:t> </a:t>
+                      </a:r>
+                      <a:r>
+                        <a:rPr lang="en-US" sz="1000" b="0" i="0" dirty="0">
+                          <a:solidFill>
+                            <a:srgbClr val="000000"/>
+                          </a:solidFill>
+                          <a:effectLst/>
+                          <a:latin typeface="Times New Roman" panose="02020603050405020304" pitchFamily="18" charset="0"/>
+                        </a:rPr>
+                        <a:t>is</a:t>
+                      </a:r>
+                      <a:r>
+                        <a:rPr lang="en-US" altLang="zh-CN" sz="1000" b="0" i="0" dirty="0">
+                          <a:solidFill>
+                            <a:srgbClr val="000000"/>
+                          </a:solidFill>
+                          <a:effectLst/>
+                          <a:ea typeface="Times New Roman" panose="02020603050405020304" pitchFamily="18" charset="0"/>
+                        </a:rPr>
+                        <a:t> </a:t>
+                      </a:r>
+                      <a:r>
+                        <a:rPr lang="en-US" sz="1000" b="0" i="0" dirty="0">
+                          <a:solidFill>
+                            <a:srgbClr val="000000"/>
+                          </a:solidFill>
+                          <a:effectLst/>
+                          <a:latin typeface="Times New Roman" panose="02020603050405020304" pitchFamily="18" charset="0"/>
+                        </a:rPr>
+                        <a:t>0</a:t>
+                      </a:r>
+                      <a:r>
+                        <a:rPr lang="en-US" altLang="zh-CN" sz="1000" b="0" i="0" dirty="0">
+                          <a:solidFill>
+                            <a:srgbClr val="000000"/>
+                          </a:solidFill>
+                          <a:effectLst/>
+                          <a:ea typeface="Times New Roman" panose="02020603050405020304" pitchFamily="18" charset="0"/>
+                        </a:rPr>
+                        <a:t> </a:t>
+                      </a:r>
+                      <a:r>
+                        <a:rPr lang="en-US" sz="1000" b="0" i="0" dirty="0">
+                          <a:solidFill>
+                            <a:srgbClr val="000000"/>
+                          </a:solidFill>
+                          <a:effectLst/>
+                          <a:latin typeface="Times New Roman" panose="02020603050405020304" pitchFamily="18" charset="0"/>
+                        </a:rPr>
+                        <a:t>+</a:t>
+                      </a:r>
+                      <a:r>
+                        <a:rPr lang="en-US" altLang="zh-CN" sz="1000" b="0" i="0" dirty="0">
+                          <a:solidFill>
+                            <a:srgbClr val="000000"/>
+                          </a:solidFill>
+                          <a:effectLst/>
+                          <a:ea typeface="Times New Roman" panose="02020603050405020304" pitchFamily="18" charset="0"/>
+                        </a:rPr>
+                        <a:t> </a:t>
+                      </a:r>
+                      <a:r>
+                        <a:rPr lang="en-US" sz="1000" b="0" i="0" dirty="0">
+                          <a:solidFill>
+                            <a:srgbClr val="000000"/>
+                          </a:solidFill>
+                          <a:effectLst/>
+                          <a:latin typeface="Times New Roman" panose="02020603050405020304" pitchFamily="18" charset="0"/>
+                        </a:rPr>
+                        <a:t>right</a:t>
+                      </a:r>
+                      <a:r>
+                        <a:rPr lang="en-US" altLang="zh-CN" sz="1000" b="0" i="0" dirty="0">
+                          <a:solidFill>
+                            <a:srgbClr val="000000"/>
+                          </a:solidFill>
+                          <a:effectLst/>
+                          <a:ea typeface="Times New Roman" panose="02020603050405020304" pitchFamily="18" charset="0"/>
+                        </a:rPr>
+                        <a:t> </a:t>
+                      </a:r>
+                      <a:r>
+                        <a:rPr lang="en-US" sz="1000" b="0" i="0" dirty="0">
+                          <a:solidFill>
+                            <a:srgbClr val="000000"/>
+                          </a:solidFill>
+                          <a:effectLst/>
+                          <a:latin typeface="Times New Roman" panose="02020603050405020304" pitchFamily="18" charset="0"/>
+                        </a:rPr>
+                        <a:t>branch</a:t>
+                      </a:r>
+                      <a:r>
+                        <a:rPr lang="en-US" altLang="zh-CN" sz="1000" b="0" i="0" dirty="0">
+                          <a:solidFill>
+                            <a:srgbClr val="000000"/>
+                          </a:solidFill>
+                          <a:effectLst/>
+                          <a:ea typeface="Times New Roman" panose="02020603050405020304" pitchFamily="18" charset="0"/>
+                        </a:rPr>
+                        <a:t> </a:t>
+                      </a:r>
+                      <a:r>
+                        <a:rPr lang="en-US" sz="1000" b="0" i="0" dirty="0">
+                          <a:solidFill>
+                            <a:srgbClr val="000000"/>
+                          </a:solidFill>
+                          <a:effectLst/>
+                          <a:latin typeface="Times New Roman" panose="02020603050405020304" pitchFamily="18" charset="0"/>
+                        </a:rPr>
+                        <a:t>is</a:t>
+                      </a:r>
+                      <a:r>
+                        <a:rPr lang="en-US" altLang="zh-CN" sz="1000" b="0" i="0" dirty="0">
+                          <a:solidFill>
+                            <a:srgbClr val="000000"/>
+                          </a:solidFill>
+                          <a:effectLst/>
+                          <a:ea typeface="Times New Roman" panose="02020603050405020304" pitchFamily="18" charset="0"/>
+                        </a:rPr>
+                        <a:t> </a:t>
+                      </a:r>
+                      <a:r>
+                        <a:rPr lang="en-US" sz="1000" b="0" i="0" dirty="0">
+                          <a:solidFill>
+                            <a:srgbClr val="000000"/>
+                          </a:solidFill>
+                          <a:effectLst/>
+                          <a:latin typeface="Times New Roman" panose="02020603050405020304" pitchFamily="18" charset="0"/>
+                        </a:rPr>
+                        <a:t>1​</a:t>
+                      </a:r>
+                      <a:endParaRPr lang="en-US" sz="1100" b="0" i="0" dirty="0">
+                        <a:solidFill>
+                          <a:srgbClr val="000000"/>
+                        </a:solidFill>
+                        <a:effectLst/>
+                      </a:endParaRPr>
+                    </a:p>
+                    <a:p>
+                      <a:pPr algn="l" fontAlgn="base"/>
+                      <a:r>
+                        <a:rPr lang="en-US" sz="1000" b="0" i="0" dirty="0">
+                          <a:solidFill>
+                            <a:srgbClr val="000000"/>
+                          </a:solidFill>
+                          <a:effectLst/>
+                          <a:latin typeface="Times New Roman" panose="02020603050405020304" pitchFamily="18" charset="0"/>
+                        </a:rPr>
+                        <a:t>Sort</a:t>
+                      </a:r>
+                      <a:r>
+                        <a:rPr lang="en-US" altLang="zh-CN" sz="1000" b="0" i="0" dirty="0">
+                          <a:solidFill>
+                            <a:srgbClr val="000000"/>
+                          </a:solidFill>
+                          <a:effectLst/>
+                          <a:ea typeface="Times New Roman" panose="02020603050405020304" pitchFamily="18" charset="0"/>
+                        </a:rPr>
+                        <a:t> </a:t>
+                      </a:r>
+                      <a:r>
+                        <a:rPr lang="en-US" sz="1000" b="0" i="0" dirty="0">
+                          <a:solidFill>
+                            <a:srgbClr val="000000"/>
+                          </a:solidFill>
+                          <a:effectLst/>
+                          <a:latin typeface="Times New Roman" panose="02020603050405020304" pitchFamily="18" charset="0"/>
+                        </a:rPr>
+                        <a:t>again</a:t>
+                      </a:r>
+                      <a:r>
+                        <a:rPr lang="en-US" altLang="zh-CN" sz="1000" b="0" i="0" dirty="0">
+                          <a:solidFill>
+                            <a:srgbClr val="000000"/>
+                          </a:solidFill>
+                          <a:effectLst/>
+                          <a:ea typeface="Times New Roman" panose="02020603050405020304" pitchFamily="18" charset="0"/>
+                        </a:rPr>
+                        <a:t> </a:t>
+                      </a:r>
+                      <a:r>
+                        <a:rPr lang="en-US" sz="1000" b="0" i="0" dirty="0">
+                          <a:solidFill>
+                            <a:srgbClr val="000000"/>
+                          </a:solidFill>
+                          <a:effectLst/>
+                          <a:latin typeface="Times New Roman" panose="02020603050405020304" pitchFamily="18" charset="0"/>
+                        </a:rPr>
+                        <a:t>because</a:t>
+                      </a:r>
+                      <a:r>
+                        <a:rPr lang="en-US" altLang="zh-CN" sz="1000" b="0" i="0" dirty="0">
+                          <a:solidFill>
+                            <a:srgbClr val="000000"/>
+                          </a:solidFill>
+                          <a:effectLst/>
+                          <a:ea typeface="Times New Roman" panose="02020603050405020304" pitchFamily="18" charset="0"/>
+                        </a:rPr>
+                        <a:t> </a:t>
+                      </a:r>
+                      <a:r>
+                        <a:rPr lang="en-US" sz="1000" b="0" i="0" dirty="0">
+                          <a:solidFill>
+                            <a:srgbClr val="000000"/>
+                          </a:solidFill>
+                          <a:effectLst/>
+                          <a:latin typeface="Times New Roman" panose="02020603050405020304" pitchFamily="18" charset="0"/>
+                        </a:rPr>
+                        <a:t>new</a:t>
+                      </a:r>
+                      <a:r>
+                        <a:rPr lang="en-US" altLang="zh-CN" sz="1000" b="0" i="0" dirty="0">
+                          <a:solidFill>
+                            <a:srgbClr val="000000"/>
+                          </a:solidFill>
+                          <a:effectLst/>
+                          <a:ea typeface="Times New Roman" panose="02020603050405020304" pitchFamily="18" charset="0"/>
+                        </a:rPr>
+                        <a:t> </a:t>
+                      </a:r>
+                      <a:r>
+                        <a:rPr lang="en-US" sz="1000" b="0" i="0" dirty="0">
+                          <a:solidFill>
+                            <a:srgbClr val="000000"/>
+                          </a:solidFill>
+                          <a:effectLst/>
+                          <a:latin typeface="Times New Roman" panose="02020603050405020304" pitchFamily="18" charset="0"/>
+                        </a:rPr>
+                        <a:t>node</a:t>
+                      </a:r>
+                      <a:r>
+                        <a:rPr lang="en-US" altLang="zh-CN" sz="1000" b="0" i="0" dirty="0">
+                          <a:solidFill>
+                            <a:srgbClr val="000000"/>
+                          </a:solidFill>
+                          <a:effectLst/>
+                          <a:ea typeface="Times New Roman" panose="02020603050405020304" pitchFamily="18" charset="0"/>
+                        </a:rPr>
+                        <a:t> </a:t>
+                      </a:r>
+                      <a:r>
+                        <a:rPr lang="en-US" sz="1000" b="0" i="0" dirty="0">
+                          <a:solidFill>
+                            <a:srgbClr val="000000"/>
+                          </a:solidFill>
+                          <a:effectLst/>
+                          <a:latin typeface="Times New Roman" panose="02020603050405020304" pitchFamily="18" charset="0"/>
+                        </a:rPr>
+                        <a:t>is</a:t>
+                      </a:r>
+                      <a:r>
+                        <a:rPr lang="en-US" altLang="zh-CN" sz="1000" b="0" i="0" dirty="0">
+                          <a:solidFill>
+                            <a:srgbClr val="000000"/>
+                          </a:solidFill>
+                          <a:effectLst/>
+                          <a:ea typeface="Times New Roman" panose="02020603050405020304" pitchFamily="18" charset="0"/>
+                        </a:rPr>
+                        <a:t> </a:t>
+                      </a:r>
+                      <a:r>
+                        <a:rPr lang="en-US" sz="1000" b="0" i="0" dirty="0">
+                          <a:solidFill>
+                            <a:srgbClr val="000000"/>
+                          </a:solidFill>
+                          <a:effectLst/>
+                          <a:latin typeface="Times New Roman" panose="02020603050405020304" pitchFamily="18" charset="0"/>
+                        </a:rPr>
+                        <a:t>added.​</a:t>
+                      </a:r>
+                      <a:endParaRPr lang="en-US" sz="1100" b="0" i="0" dirty="0">
+                        <a:solidFill>
+                          <a:srgbClr val="000000"/>
+                        </a:solidFill>
+                        <a:effectLst/>
+                      </a:endParaRPr>
+                    </a:p>
+                    <a:p>
+                      <a:pPr algn="l" fontAlgn="base"/>
+                      <a:r>
+                        <a:rPr lang="en-US" sz="1000" b="0" i="0" dirty="0">
+                          <a:solidFill>
+                            <a:srgbClr val="000000"/>
+                          </a:solidFill>
+                          <a:effectLst/>
+                          <a:latin typeface="Times New Roman" panose="02020603050405020304" pitchFamily="18" charset="0"/>
+                        </a:rPr>
+                        <a:t>Alphabet</a:t>
+                      </a:r>
+                      <a:r>
+                        <a:rPr lang="en-US" altLang="zh-CN" sz="1000" b="0" i="0" dirty="0">
+                          <a:solidFill>
+                            <a:srgbClr val="000000"/>
+                          </a:solidFill>
+                          <a:effectLst/>
+                          <a:ea typeface="Times New Roman" panose="02020603050405020304" pitchFamily="18" charset="0"/>
+                        </a:rPr>
+                        <a:t> </a:t>
+                      </a:r>
+                      <a:r>
+                        <a:rPr lang="en-US" sz="1000" b="0" i="0" dirty="0">
+                          <a:solidFill>
+                            <a:srgbClr val="000000"/>
+                          </a:solidFill>
+                          <a:effectLst/>
+                          <a:latin typeface="Times New Roman" panose="02020603050405020304" pitchFamily="18" charset="0"/>
+                        </a:rPr>
+                        <a:t>has</a:t>
+                      </a:r>
+                      <a:r>
+                        <a:rPr lang="en-US" altLang="zh-CN" sz="1000" b="0" i="0" dirty="0">
+                          <a:solidFill>
+                            <a:srgbClr val="000000"/>
+                          </a:solidFill>
+                          <a:effectLst/>
+                          <a:ea typeface="Times New Roman" panose="02020603050405020304" pitchFamily="18" charset="0"/>
+                        </a:rPr>
+                        <a:t> </a:t>
+                      </a:r>
+                      <a:r>
+                        <a:rPr lang="en-US" sz="1000" b="0" i="0" dirty="0">
+                          <a:solidFill>
+                            <a:srgbClr val="000000"/>
+                          </a:solidFill>
+                          <a:effectLst/>
+                          <a:latin typeface="Times New Roman" panose="02020603050405020304" pitchFamily="18" charset="0"/>
+                        </a:rPr>
+                        <a:t>27</a:t>
+                      </a:r>
+                      <a:r>
+                        <a:rPr lang="en-US" altLang="zh-CN" sz="1000" b="0" i="0" dirty="0">
+                          <a:solidFill>
+                            <a:srgbClr val="000000"/>
+                          </a:solidFill>
+                          <a:effectLst/>
+                          <a:ea typeface="Times New Roman" panose="02020603050405020304" pitchFamily="18" charset="0"/>
+                        </a:rPr>
+                        <a:t> </a:t>
+                      </a:r>
+                      <a:r>
+                        <a:rPr lang="en-US" sz="1000" b="0" i="0" dirty="0">
+                          <a:solidFill>
+                            <a:srgbClr val="000000"/>
+                          </a:solidFill>
+                          <a:effectLst/>
+                          <a:latin typeface="Times New Roman" panose="02020603050405020304" pitchFamily="18" charset="0"/>
+                        </a:rPr>
+                        <a:t>characters(26</a:t>
+                      </a:r>
+                      <a:r>
+                        <a:rPr lang="en-US" altLang="zh-CN" sz="1000" b="0" i="0" dirty="0">
+                          <a:solidFill>
+                            <a:srgbClr val="000000"/>
+                          </a:solidFill>
+                          <a:effectLst/>
+                          <a:ea typeface="Times New Roman" panose="02020603050405020304" pitchFamily="18" charset="0"/>
+                        </a:rPr>
+                        <a:t> </a:t>
+                      </a:r>
+                      <a:r>
+                        <a:rPr lang="en-US" sz="1000" b="0" i="0" dirty="0">
+                          <a:solidFill>
+                            <a:srgbClr val="000000"/>
+                          </a:solidFill>
+                          <a:effectLst/>
+                          <a:latin typeface="Times New Roman" panose="02020603050405020304" pitchFamily="18" charset="0"/>
+                        </a:rPr>
+                        <a:t>letters</a:t>
+                      </a:r>
+                      <a:r>
+                        <a:rPr lang="en-US" altLang="zh-CN" sz="1000" b="0" i="0" dirty="0">
+                          <a:solidFill>
+                            <a:srgbClr val="000000"/>
+                          </a:solidFill>
+                          <a:effectLst/>
+                          <a:ea typeface="Times New Roman" panose="02020603050405020304" pitchFamily="18" charset="0"/>
+                        </a:rPr>
+                        <a:t> </a:t>
+                      </a:r>
+                      <a:r>
+                        <a:rPr lang="en-US" sz="1000" b="0" i="0" dirty="0">
+                          <a:solidFill>
+                            <a:srgbClr val="000000"/>
+                          </a:solidFill>
+                          <a:effectLst/>
+                          <a:latin typeface="Times New Roman" panose="02020603050405020304" pitchFamily="18" charset="0"/>
+                        </a:rPr>
+                        <a:t>and</a:t>
+                      </a:r>
+                      <a:r>
+                        <a:rPr lang="en-US" altLang="zh-CN" sz="1000" b="0" i="0" dirty="0">
+                          <a:solidFill>
+                            <a:srgbClr val="000000"/>
+                          </a:solidFill>
+                          <a:effectLst/>
+                          <a:ea typeface="Times New Roman" panose="02020603050405020304" pitchFamily="18" charset="0"/>
+                        </a:rPr>
+                        <a:t> </a:t>
+                      </a:r>
+                      <a:r>
+                        <a:rPr lang="en-US" sz="1000" b="0" i="0" dirty="0">
+                          <a:solidFill>
+                            <a:srgbClr val="000000"/>
+                          </a:solidFill>
+                          <a:effectLst/>
+                          <a:latin typeface="Times New Roman" panose="02020603050405020304" pitchFamily="18" charset="0"/>
+                        </a:rPr>
+                        <a:t>space)​</a:t>
+                      </a:r>
+                      <a:endParaRPr lang="en-US" sz="1100" b="0" i="0" dirty="0">
+                        <a:solidFill>
+                          <a:srgbClr val="000000"/>
+                        </a:solidFill>
+                        <a:effectLst/>
+                      </a:endParaRPr>
+                    </a:p>
+                  </a:txBody>
+                  <a:tcPr marL="57752" marR="57752" marT="28876" marB="28876">
+                    <a:lnL w="9916" cap="flat" cmpd="sng" algn="ctr">
+                      <a:solidFill>
+                        <a:srgbClr val="FFFFFF"/>
+                      </a:solidFill>
+                      <a:prstDash val="solid"/>
+                      <a:round/>
+                      <a:headEnd type="none" w="med" len="med"/>
+                      <a:tailEnd type="none" w="med" len="med"/>
+                    </a:lnL>
+                    <a:lnR w="9916" cap="flat" cmpd="sng" algn="ctr">
+                      <a:solidFill>
+                        <a:srgbClr val="FFFFFF"/>
+                      </a:solidFill>
+                      <a:prstDash val="solid"/>
+                      <a:round/>
+                      <a:headEnd type="none" w="med" len="med"/>
+                      <a:tailEnd type="none" w="med" len="med"/>
+                    </a:lnR>
+                    <a:lnT w="9916" cap="flat" cmpd="sng" algn="ctr">
+                      <a:solidFill>
+                        <a:srgbClr val="FFFFFF"/>
+                      </a:solidFill>
+                      <a:prstDash val="solid"/>
+                      <a:round/>
+                      <a:headEnd type="none" w="med" len="med"/>
+                      <a:tailEnd type="none" w="med" len="med"/>
+                    </a:lnT>
+                    <a:lnB w="9916" cap="flat" cmpd="sng" algn="ctr">
+                      <a:solidFill>
+                        <a:srgbClr val="FFFFFF"/>
+                      </a:solidFill>
+                      <a:prstDash val="solid"/>
+                      <a:round/>
+                      <a:headEnd type="none" w="med" len="med"/>
+                      <a:tailEnd type="none" w="med" len="med"/>
+                    </a:lnB>
+                    <a:solidFill>
+                      <a:srgbClr val="E7EAED"/>
+                    </a:solidFill>
+                  </a:tcPr>
+                </a:tc>
+                <a:extLst>
+                  <a:ext uri="{0D108BD9-81ED-4DB2-BD59-A6C34878D82A}">
+                    <a16:rowId xmlns:a16="http://schemas.microsoft.com/office/drawing/2014/main" val="811555264"/>
+                  </a:ext>
+                </a:extLst>
+              </a:tr>
+              <a:tr h="519764">
+                <a:tc rowSpan="2">
+                  <a:txBody>
+                    <a:bodyPr/>
+                    <a:lstStyle/>
+                    <a:p>
+                      <a:pPr algn="l" fontAlgn="base"/>
+                      <a:r>
+                        <a:rPr lang="en-US" sz="1000" b="1" i="0">
+                          <a:solidFill>
+                            <a:srgbClr val="000000"/>
+                          </a:solidFill>
+                          <a:effectLst/>
+                          <a:latin typeface="Times New Roman" panose="02020603050405020304" pitchFamily="18" charset="0"/>
+                        </a:rPr>
+                        <a:t>Mini</a:t>
+                      </a:r>
+                      <a:r>
+                        <a:rPr lang="en-US" altLang="zh-CN" sz="1000" b="1" i="0">
+                          <a:solidFill>
+                            <a:srgbClr val="000000"/>
+                          </a:solidFill>
+                          <a:effectLst/>
+                          <a:ea typeface="Times New Roman" panose="02020603050405020304" pitchFamily="18" charset="0"/>
+                        </a:rPr>
+                        <a:t> </a:t>
+                      </a:r>
+                      <a:r>
+                        <a:rPr lang="en-US" sz="1000" b="1" i="0">
+                          <a:solidFill>
+                            <a:srgbClr val="000000"/>
+                          </a:solidFill>
+                          <a:effectLst/>
+                          <a:latin typeface="Times New Roman" panose="02020603050405020304" pitchFamily="18" charset="0"/>
+                        </a:rPr>
+                        <a:t>Spanning</a:t>
+                      </a:r>
+                      <a:r>
+                        <a:rPr lang="en-US" altLang="zh-CN" sz="1000" b="1" i="0">
+                          <a:solidFill>
+                            <a:srgbClr val="000000"/>
+                          </a:solidFill>
+                          <a:effectLst/>
+                          <a:ea typeface="Times New Roman" panose="02020603050405020304" pitchFamily="18" charset="0"/>
+                        </a:rPr>
+                        <a:t> </a:t>
+                      </a:r>
+                      <a:r>
+                        <a:rPr lang="en-US" sz="1000" b="1" i="0">
+                          <a:solidFill>
+                            <a:srgbClr val="000000"/>
+                          </a:solidFill>
+                          <a:effectLst/>
+                          <a:latin typeface="Times New Roman" panose="02020603050405020304" pitchFamily="18" charset="0"/>
+                        </a:rPr>
+                        <a:t>Tree</a:t>
+                      </a:r>
+                      <a:r>
+                        <a:rPr lang="en-US" sz="1000" b="0" i="0">
+                          <a:solidFill>
+                            <a:srgbClr val="000000"/>
+                          </a:solidFill>
+                          <a:effectLst/>
+                          <a:latin typeface="Times New Roman" panose="02020603050405020304" pitchFamily="18" charset="0"/>
+                        </a:rPr>
+                        <a:t>​</a:t>
+                      </a:r>
+                      <a:endParaRPr lang="en-US" sz="1100" b="0" i="0">
+                        <a:solidFill>
+                          <a:srgbClr val="000000"/>
+                        </a:solidFill>
+                        <a:effectLst/>
+                      </a:endParaRPr>
+                    </a:p>
+                    <a:p>
+                      <a:pPr algn="l" fontAlgn="base"/>
+                      <a:r>
+                        <a:rPr lang="ja-JP" altLang="en-US" sz="1000" b="0" i="0">
+                          <a:solidFill>
+                            <a:srgbClr val="000000"/>
+                          </a:solidFill>
+                          <a:effectLst/>
+                          <a:latin typeface="Times New Roman" panose="02020603050405020304" pitchFamily="18" charset="0"/>
+                        </a:rPr>
+                        <a:t>求最小生成树​</a:t>
+                      </a:r>
+                      <a:endParaRPr lang="ja-JP" altLang="en-US" sz="1100" b="0" i="0">
+                        <a:solidFill>
+                          <a:srgbClr val="000000"/>
+                        </a:solidFill>
+                        <a:effectLst/>
+                      </a:endParaRPr>
+                    </a:p>
+                  </a:txBody>
+                  <a:tcPr marL="57752" marR="57752" marT="28876" marB="28876">
+                    <a:lnL w="9916" cap="flat" cmpd="sng" algn="ctr">
+                      <a:solidFill>
+                        <a:srgbClr val="FFFFFF"/>
+                      </a:solidFill>
+                      <a:prstDash val="solid"/>
+                      <a:round/>
+                      <a:headEnd type="none" w="med" len="med"/>
+                      <a:tailEnd type="none" w="med" len="med"/>
+                    </a:lnL>
+                    <a:lnR w="9916" cap="flat" cmpd="sng" algn="ctr">
+                      <a:solidFill>
+                        <a:srgbClr val="FFFFFF"/>
+                      </a:solidFill>
+                      <a:prstDash val="solid"/>
+                      <a:round/>
+                      <a:headEnd type="none" w="med" len="med"/>
+                      <a:tailEnd type="none" w="med" len="med"/>
+                    </a:lnR>
+                    <a:lnT w="9916" cap="flat" cmpd="sng" algn="ctr">
+                      <a:solidFill>
+                        <a:srgbClr val="FFFFFF"/>
+                      </a:solidFill>
+                      <a:prstDash val="solid"/>
+                      <a:round/>
+                      <a:headEnd type="none" w="med" len="med"/>
+                      <a:tailEnd type="none" w="med" len="med"/>
+                    </a:lnT>
+                    <a:lnB w="9916" cap="flat" cmpd="sng" algn="ctr">
+                      <a:solidFill>
+                        <a:srgbClr val="FFFFFF"/>
+                      </a:solidFill>
+                      <a:prstDash val="solid"/>
+                      <a:round/>
+                      <a:headEnd type="none" w="med" len="med"/>
+                      <a:tailEnd type="none" w="med" len="med"/>
+                    </a:lnB>
+                    <a:solidFill>
+                      <a:srgbClr val="CCD2D8"/>
+                    </a:solidFill>
+                  </a:tcPr>
+                </a:tc>
+                <a:tc>
+                  <a:txBody>
+                    <a:bodyPr/>
+                    <a:lstStyle/>
+                    <a:p>
+                      <a:pPr algn="l" fontAlgn="base"/>
+                      <a:r>
+                        <a:rPr lang="en-US" sz="1000" b="0" i="0">
+                          <a:solidFill>
+                            <a:srgbClr val="000000"/>
+                          </a:solidFill>
+                          <a:effectLst/>
+                          <a:latin typeface="Times New Roman" panose="02020603050405020304" pitchFamily="18" charset="0"/>
+                        </a:rPr>
+                        <a:t>Prim:​</a:t>
+                      </a:r>
+                      <a:endParaRPr lang="en-US" sz="1100" b="0" i="0">
+                        <a:solidFill>
+                          <a:srgbClr val="000000"/>
+                        </a:solidFill>
+                        <a:effectLst/>
+                      </a:endParaRPr>
+                    </a:p>
+                    <a:p>
+                      <a:pPr algn="l" fontAlgn="base"/>
+                      <a:r>
+                        <a:rPr lang="en-US" sz="1000" b="0" i="0">
+                          <a:solidFill>
+                            <a:srgbClr val="000000"/>
+                          </a:solidFill>
+                          <a:effectLst/>
+                          <a:latin typeface="Times New Roman" panose="02020603050405020304" pitchFamily="18" charset="0"/>
+                        </a:rPr>
+                        <a:t>​</a:t>
+                      </a:r>
+                      <a:endParaRPr lang="en-US" sz="1100" b="0" i="0">
+                        <a:solidFill>
+                          <a:srgbClr val="000000"/>
+                        </a:solidFill>
+                        <a:effectLst/>
+                      </a:endParaRPr>
+                    </a:p>
+                  </a:txBody>
+                  <a:tcPr marL="57752" marR="57752" marT="28876" marB="28876">
+                    <a:lnL w="9916" cap="flat" cmpd="sng" algn="ctr">
+                      <a:solidFill>
+                        <a:srgbClr val="FFFFFF"/>
+                      </a:solidFill>
+                      <a:prstDash val="solid"/>
+                      <a:round/>
+                      <a:headEnd type="none" w="med" len="med"/>
+                      <a:tailEnd type="none" w="med" len="med"/>
+                    </a:lnL>
+                    <a:lnR w="9916" cap="flat" cmpd="sng" algn="ctr">
+                      <a:solidFill>
+                        <a:srgbClr val="FFFFFF"/>
+                      </a:solidFill>
+                      <a:prstDash val="solid"/>
+                      <a:round/>
+                      <a:headEnd type="none" w="med" len="med"/>
+                      <a:tailEnd type="none" w="med" len="med"/>
+                    </a:lnR>
+                    <a:lnT w="9916" cap="flat" cmpd="sng" algn="ctr">
+                      <a:solidFill>
+                        <a:srgbClr val="FFFFFF"/>
+                      </a:solidFill>
+                      <a:prstDash val="solid"/>
+                      <a:round/>
+                      <a:headEnd type="none" w="med" len="med"/>
+                      <a:tailEnd type="none" w="med" len="med"/>
+                    </a:lnT>
+                    <a:lnB w="9916" cap="flat" cmpd="sng" algn="ctr">
+                      <a:solidFill>
+                        <a:srgbClr val="FFFFFF"/>
+                      </a:solidFill>
+                      <a:prstDash val="solid"/>
+                      <a:round/>
+                      <a:headEnd type="none" w="med" len="med"/>
+                      <a:tailEnd type="none" w="med" len="med"/>
+                    </a:lnB>
+                    <a:solidFill>
+                      <a:srgbClr val="CCD2D8"/>
+                    </a:solidFill>
+                  </a:tcPr>
+                </a:tc>
+                <a:tc>
+                  <a:txBody>
+                    <a:bodyPr/>
+                    <a:lstStyle/>
+                    <a:p>
+                      <a:pPr algn="l" fontAlgn="base"/>
+                      <a:r>
+                        <a:rPr lang="en-US" sz="1000" b="0" i="0">
+                          <a:solidFill>
+                            <a:srgbClr val="000000"/>
+                          </a:solidFill>
+                          <a:effectLst/>
+                          <a:latin typeface="Times New Roman" panose="02020603050405020304" pitchFamily="18" charset="0"/>
+                        </a:rPr>
+                        <a:t>Yes​</a:t>
+                      </a:r>
+                      <a:endParaRPr lang="en-US" sz="1100" b="0" i="0">
+                        <a:solidFill>
+                          <a:srgbClr val="000000"/>
+                        </a:solidFill>
+                        <a:effectLst/>
+                      </a:endParaRPr>
+                    </a:p>
+                  </a:txBody>
+                  <a:tcPr marL="57752" marR="57752" marT="28876" marB="28876">
+                    <a:lnL w="9916" cap="flat" cmpd="sng" algn="ctr">
+                      <a:solidFill>
+                        <a:srgbClr val="FFFFFF"/>
+                      </a:solidFill>
+                      <a:prstDash val="solid"/>
+                      <a:round/>
+                      <a:headEnd type="none" w="med" len="med"/>
+                      <a:tailEnd type="none" w="med" len="med"/>
+                    </a:lnL>
+                    <a:lnR w="9916" cap="flat" cmpd="sng" algn="ctr">
+                      <a:solidFill>
+                        <a:srgbClr val="FFFFFF"/>
+                      </a:solidFill>
+                      <a:prstDash val="solid"/>
+                      <a:round/>
+                      <a:headEnd type="none" w="med" len="med"/>
+                      <a:tailEnd type="none" w="med" len="med"/>
+                    </a:lnR>
+                    <a:lnT w="9916" cap="flat" cmpd="sng" algn="ctr">
+                      <a:solidFill>
+                        <a:srgbClr val="FFFFFF"/>
+                      </a:solidFill>
+                      <a:prstDash val="solid"/>
+                      <a:round/>
+                      <a:headEnd type="none" w="med" len="med"/>
+                      <a:tailEnd type="none" w="med" len="med"/>
+                    </a:lnT>
+                    <a:lnB w="9916" cap="flat" cmpd="sng" algn="ctr">
+                      <a:solidFill>
+                        <a:srgbClr val="FFFFFF"/>
+                      </a:solidFill>
+                      <a:prstDash val="solid"/>
+                      <a:round/>
+                      <a:headEnd type="none" w="med" len="med"/>
+                      <a:tailEnd type="none" w="med" len="med"/>
+                    </a:lnB>
+                    <a:solidFill>
+                      <a:srgbClr val="CCD2D8"/>
+                    </a:solidFill>
+                  </a:tcPr>
+                </a:tc>
+                <a:tc>
+                  <a:txBody>
+                    <a:bodyPr/>
+                    <a:lstStyle/>
+                    <a:p>
+                      <a:pPr algn="l" fontAlgn="base"/>
+                      <a:r>
+                        <a:rPr lang="en-US" sz="1000" b="1" i="0" u="none" strike="noStrike">
+                          <a:solidFill>
+                            <a:srgbClr val="000000"/>
+                          </a:solidFill>
+                          <a:effectLst/>
+                          <a:latin typeface="Times New Roman" panose="02020603050405020304" pitchFamily="18" charset="0"/>
+                        </a:rPr>
+                        <a:t>V·logV + E·logE</a:t>
+                      </a:r>
+                      <a:r>
+                        <a:rPr lang="en-US" sz="1000" b="0" i="0">
+                          <a:solidFill>
+                            <a:srgbClr val="000000"/>
+                          </a:solidFill>
+                          <a:effectLst/>
+                          <a:latin typeface="Times New Roman" panose="02020603050405020304" pitchFamily="18" charset="0"/>
+                        </a:rPr>
+                        <a:t>​</a:t>
+                      </a:r>
+                      <a:endParaRPr lang="en-US" sz="1100" b="0" i="0">
+                        <a:solidFill>
+                          <a:srgbClr val="000000"/>
+                        </a:solidFill>
+                        <a:effectLst/>
+                      </a:endParaRPr>
+                    </a:p>
+                  </a:txBody>
+                  <a:tcPr marL="57752" marR="57752" marT="28876" marB="28876">
+                    <a:lnL w="9916" cap="flat" cmpd="sng" algn="ctr">
+                      <a:solidFill>
+                        <a:srgbClr val="FFFFFF"/>
+                      </a:solidFill>
+                      <a:prstDash val="solid"/>
+                      <a:round/>
+                      <a:headEnd type="none" w="med" len="med"/>
+                      <a:tailEnd type="none" w="med" len="med"/>
+                    </a:lnL>
+                    <a:lnR w="9916" cap="flat" cmpd="sng" algn="ctr">
+                      <a:solidFill>
+                        <a:srgbClr val="FFFFFF"/>
+                      </a:solidFill>
+                      <a:prstDash val="solid"/>
+                      <a:round/>
+                      <a:headEnd type="none" w="med" len="med"/>
+                      <a:tailEnd type="none" w="med" len="med"/>
+                    </a:lnR>
+                    <a:lnT w="9916" cap="flat" cmpd="sng" algn="ctr">
+                      <a:solidFill>
+                        <a:srgbClr val="FFFFFF"/>
+                      </a:solidFill>
+                      <a:prstDash val="solid"/>
+                      <a:round/>
+                      <a:headEnd type="none" w="med" len="med"/>
+                      <a:tailEnd type="none" w="med" len="med"/>
+                    </a:lnT>
+                    <a:lnB w="9916" cap="flat" cmpd="sng" algn="ctr">
+                      <a:solidFill>
+                        <a:srgbClr val="FFFFFF"/>
+                      </a:solidFill>
+                      <a:prstDash val="solid"/>
+                      <a:round/>
+                      <a:headEnd type="none" w="med" len="med"/>
+                      <a:tailEnd type="none" w="med" len="med"/>
+                    </a:lnB>
+                    <a:solidFill>
+                      <a:srgbClr val="CCD2D8"/>
+                    </a:solidFill>
+                  </a:tcPr>
+                </a:tc>
+                <a:tc>
+                  <a:txBody>
+                    <a:bodyPr/>
+                    <a:lstStyle/>
+                    <a:p>
+                      <a:pPr algn="l" fontAlgn="base"/>
+                      <a:r>
+                        <a:rPr lang="ja-JP" altLang="en-US" sz="1000" b="1" i="0" u="none" strike="noStrike">
+                          <a:solidFill>
+                            <a:srgbClr val="000000"/>
+                          </a:solidFill>
+                          <a:effectLst/>
+                          <a:latin typeface="Times New Roman" panose="02020603050405020304" pitchFamily="18" charset="0"/>
+                        </a:rPr>
+                        <a:t>按点选安全最小边</a:t>
+                      </a:r>
+                      <a:r>
+                        <a:rPr lang="ja-JP" altLang="en-US" sz="1000" b="0" i="0">
+                          <a:solidFill>
+                            <a:srgbClr val="000000"/>
+                          </a:solidFill>
+                          <a:effectLst/>
+                          <a:latin typeface="Times New Roman" panose="02020603050405020304" pitchFamily="18" charset="0"/>
+                        </a:rPr>
+                        <a:t>​</a:t>
+                      </a:r>
+                      <a:endParaRPr lang="ja-JP" altLang="en-US" sz="1100" b="0" i="0">
+                        <a:solidFill>
+                          <a:srgbClr val="000000"/>
+                        </a:solidFill>
+                        <a:effectLst/>
+                      </a:endParaRPr>
+                    </a:p>
+                    <a:p>
+                      <a:pPr algn="l" fontAlgn="base"/>
+                      <a:r>
+                        <a:rPr lang="en-US" sz="1000" b="0" i="0" dirty="0">
+                          <a:solidFill>
+                            <a:srgbClr val="000000"/>
+                          </a:solidFill>
+                          <a:effectLst/>
+                          <a:latin typeface="Times New Roman" panose="02020603050405020304" pitchFamily="18" charset="0"/>
+                        </a:rPr>
+                        <a:t>Select</a:t>
+                      </a:r>
+                      <a:r>
+                        <a:rPr lang="en-US" altLang="zh-CN" sz="1000" b="0" i="0" dirty="0">
+                          <a:solidFill>
+                            <a:srgbClr val="000000"/>
+                          </a:solidFill>
+                          <a:effectLst/>
+                          <a:ea typeface="Times New Roman" panose="02020603050405020304" pitchFamily="18" charset="0"/>
+                        </a:rPr>
+                        <a:t> </a:t>
+                      </a:r>
+                      <a:r>
+                        <a:rPr lang="en-US" sz="1000" b="0" i="0" dirty="0">
+                          <a:solidFill>
+                            <a:srgbClr val="000000"/>
+                          </a:solidFill>
+                          <a:effectLst/>
+                          <a:latin typeface="Times New Roman" panose="02020603050405020304" pitchFamily="18" charset="0"/>
+                        </a:rPr>
+                        <a:t>the</a:t>
+                      </a:r>
+                      <a:r>
+                        <a:rPr lang="en-US" altLang="zh-CN" sz="1000" b="0" i="0" dirty="0">
+                          <a:solidFill>
+                            <a:srgbClr val="000000"/>
+                          </a:solidFill>
+                          <a:effectLst/>
+                          <a:ea typeface="Times New Roman" panose="02020603050405020304" pitchFamily="18" charset="0"/>
+                        </a:rPr>
+                        <a:t> </a:t>
+                      </a:r>
+                      <a:r>
+                        <a:rPr lang="en-US" sz="1000" b="0" i="0" dirty="0">
+                          <a:solidFill>
+                            <a:srgbClr val="C00000"/>
+                          </a:solidFill>
+                          <a:effectLst/>
+                          <a:latin typeface="Times New Roman" panose="02020603050405020304" pitchFamily="18" charset="0"/>
+                        </a:rPr>
+                        <a:t>node</a:t>
+                      </a:r>
+                      <a:r>
+                        <a:rPr lang="en-US" altLang="zh-CN" sz="1000" b="0" i="0" dirty="0">
+                          <a:solidFill>
+                            <a:srgbClr val="000000"/>
+                          </a:solidFill>
+                          <a:effectLst/>
+                          <a:ea typeface="Times New Roman" panose="02020603050405020304" pitchFamily="18" charset="0"/>
+                        </a:rPr>
+                        <a:t> </a:t>
+                      </a:r>
+                      <a:r>
+                        <a:rPr lang="en-US" sz="1000" b="0" i="0" dirty="0">
+                          <a:solidFill>
+                            <a:srgbClr val="000000"/>
+                          </a:solidFill>
+                          <a:effectLst/>
+                          <a:latin typeface="Times New Roman" panose="02020603050405020304" pitchFamily="18" charset="0"/>
+                        </a:rPr>
+                        <a:t>randomly​</a:t>
+                      </a:r>
+                      <a:endParaRPr lang="en-US" sz="1100" b="0" i="0" dirty="0">
+                        <a:solidFill>
+                          <a:srgbClr val="000000"/>
+                        </a:solidFill>
+                        <a:effectLst/>
+                      </a:endParaRPr>
+                    </a:p>
+                    <a:p>
+                      <a:pPr algn="l" fontAlgn="base"/>
+                      <a:r>
+                        <a:rPr lang="en-US" sz="1000" b="0" i="0" dirty="0">
+                          <a:solidFill>
+                            <a:srgbClr val="000000"/>
+                          </a:solidFill>
+                          <a:effectLst/>
+                          <a:latin typeface="Times New Roman" panose="02020603050405020304" pitchFamily="18" charset="0"/>
+                        </a:rPr>
+                        <a:t>Choose</a:t>
+                      </a:r>
+                      <a:r>
+                        <a:rPr lang="en-US" altLang="zh-CN" sz="1000" b="0" i="0" dirty="0">
+                          <a:solidFill>
+                            <a:srgbClr val="000000"/>
+                          </a:solidFill>
+                          <a:effectLst/>
+                          <a:ea typeface="Times New Roman" panose="02020603050405020304" pitchFamily="18" charset="0"/>
+                        </a:rPr>
+                        <a:t> </a:t>
+                      </a:r>
+                      <a:r>
+                        <a:rPr lang="en-US" sz="1000" b="0" i="0" dirty="0">
+                          <a:solidFill>
+                            <a:srgbClr val="000000"/>
+                          </a:solidFill>
+                          <a:effectLst/>
+                          <a:latin typeface="Times New Roman" panose="02020603050405020304" pitchFamily="18" charset="0"/>
+                        </a:rPr>
+                        <a:t>the</a:t>
+                      </a:r>
+                      <a:r>
+                        <a:rPr lang="en-US" altLang="zh-CN" sz="1000" b="0" i="0" dirty="0">
+                          <a:solidFill>
+                            <a:srgbClr val="000000"/>
+                          </a:solidFill>
+                          <a:effectLst/>
+                          <a:ea typeface="Times New Roman" panose="02020603050405020304" pitchFamily="18" charset="0"/>
+                        </a:rPr>
+                        <a:t> </a:t>
+                      </a:r>
+                      <a:r>
+                        <a:rPr lang="en-US" sz="1000" b="0" i="0" dirty="0">
+                          <a:solidFill>
+                            <a:srgbClr val="000000"/>
+                          </a:solidFill>
+                          <a:effectLst/>
+                          <a:latin typeface="Times New Roman" panose="02020603050405020304" pitchFamily="18" charset="0"/>
+                        </a:rPr>
+                        <a:t>shortest</a:t>
+                      </a:r>
+                      <a:r>
+                        <a:rPr lang="en-US" altLang="zh-CN" sz="1000" b="0" i="0" dirty="0">
+                          <a:solidFill>
+                            <a:srgbClr val="000000"/>
+                          </a:solidFill>
+                          <a:effectLst/>
+                          <a:ea typeface="Times New Roman" panose="02020603050405020304" pitchFamily="18" charset="0"/>
+                        </a:rPr>
+                        <a:t> </a:t>
+                      </a:r>
+                      <a:r>
+                        <a:rPr lang="en-US" sz="1000" b="0" i="0" dirty="0">
+                          <a:solidFill>
+                            <a:srgbClr val="000000"/>
+                          </a:solidFill>
+                          <a:effectLst/>
+                          <a:latin typeface="Times New Roman" panose="02020603050405020304" pitchFamily="18" charset="0"/>
+                        </a:rPr>
+                        <a:t>edge</a:t>
+                      </a:r>
+                      <a:r>
+                        <a:rPr lang="en-US" altLang="zh-CN" sz="1000" b="0" i="0" dirty="0">
+                          <a:solidFill>
+                            <a:srgbClr val="000000"/>
+                          </a:solidFill>
+                          <a:effectLst/>
+                          <a:ea typeface="Times New Roman" panose="02020603050405020304" pitchFamily="18" charset="0"/>
+                        </a:rPr>
+                        <a:t> </a:t>
+                      </a:r>
+                      <a:r>
+                        <a:rPr lang="en-US" sz="1000" b="0" i="0" dirty="0">
+                          <a:solidFill>
+                            <a:srgbClr val="000000"/>
+                          </a:solidFill>
+                          <a:effectLst/>
+                          <a:latin typeface="Times New Roman" panose="02020603050405020304" pitchFamily="18" charset="0"/>
+                        </a:rPr>
+                        <a:t>every</a:t>
+                      </a:r>
+                      <a:r>
+                        <a:rPr lang="en-US" altLang="zh-CN" sz="1000" b="0" i="0" dirty="0">
+                          <a:solidFill>
+                            <a:srgbClr val="000000"/>
+                          </a:solidFill>
+                          <a:effectLst/>
+                          <a:ea typeface="Times New Roman" panose="02020603050405020304" pitchFamily="18" charset="0"/>
+                        </a:rPr>
+                        <a:t> </a:t>
+                      </a:r>
+                      <a:r>
+                        <a:rPr lang="en-US" sz="1000" b="0" i="0" dirty="0">
+                          <a:solidFill>
+                            <a:srgbClr val="000000"/>
+                          </a:solidFill>
+                          <a:effectLst/>
+                          <a:latin typeface="Times New Roman" panose="02020603050405020304" pitchFamily="18" charset="0"/>
+                        </a:rPr>
+                        <a:t>time.</a:t>
+                      </a:r>
+                      <a:r>
+                        <a:rPr lang="en-US" altLang="zh-CN" sz="1000" b="0" i="0" dirty="0">
+                          <a:solidFill>
+                            <a:srgbClr val="000000"/>
+                          </a:solidFill>
+                          <a:effectLst/>
+                          <a:ea typeface="Times New Roman" panose="02020603050405020304" pitchFamily="18" charset="0"/>
+                        </a:rPr>
+                        <a:t> </a:t>
+                      </a:r>
+                      <a:r>
+                        <a:rPr lang="ja-JP" altLang="en-US" sz="1000" b="0" i="0">
+                          <a:solidFill>
+                            <a:srgbClr val="000000"/>
+                          </a:solidFill>
+                          <a:effectLst/>
+                          <a:ea typeface="Times New Roman" panose="02020603050405020304" pitchFamily="18" charset="0"/>
+                        </a:rPr>
+                        <a:t>选完点再把边</a:t>
+                      </a:r>
+                      <a:r>
+                        <a:rPr lang="en-US" sz="1000" b="0" i="0" dirty="0">
+                          <a:solidFill>
+                            <a:srgbClr val="000000"/>
+                          </a:solidFill>
+                          <a:effectLst/>
+                          <a:latin typeface="Times New Roman" panose="02020603050405020304" pitchFamily="18" charset="0"/>
+                        </a:rPr>
+                        <a:t>sort​</a:t>
+                      </a:r>
+                      <a:endParaRPr lang="en-US" sz="1100" b="0" i="0" dirty="0">
+                        <a:solidFill>
+                          <a:srgbClr val="000000"/>
+                        </a:solidFill>
+                        <a:effectLst/>
+                      </a:endParaRPr>
+                    </a:p>
+                  </a:txBody>
+                  <a:tcPr marL="57752" marR="57752" marT="28876" marB="28876">
+                    <a:lnL w="9916" cap="flat" cmpd="sng" algn="ctr">
+                      <a:solidFill>
+                        <a:srgbClr val="FFFFFF"/>
+                      </a:solidFill>
+                      <a:prstDash val="solid"/>
+                      <a:round/>
+                      <a:headEnd type="none" w="med" len="med"/>
+                      <a:tailEnd type="none" w="med" len="med"/>
+                    </a:lnL>
+                    <a:lnR w="9916" cap="flat" cmpd="sng" algn="ctr">
+                      <a:solidFill>
+                        <a:srgbClr val="FFFFFF"/>
+                      </a:solidFill>
+                      <a:prstDash val="solid"/>
+                      <a:round/>
+                      <a:headEnd type="none" w="med" len="med"/>
+                      <a:tailEnd type="none" w="med" len="med"/>
+                    </a:lnR>
+                    <a:lnT w="9916" cap="flat" cmpd="sng" algn="ctr">
+                      <a:solidFill>
+                        <a:srgbClr val="FFFFFF"/>
+                      </a:solidFill>
+                      <a:prstDash val="solid"/>
+                      <a:round/>
+                      <a:headEnd type="none" w="med" len="med"/>
+                      <a:tailEnd type="none" w="med" len="med"/>
+                    </a:lnT>
+                    <a:lnB w="9916" cap="flat" cmpd="sng" algn="ctr">
+                      <a:solidFill>
+                        <a:srgbClr val="FFFFFF"/>
+                      </a:solidFill>
+                      <a:prstDash val="solid"/>
+                      <a:round/>
+                      <a:headEnd type="none" w="med" len="med"/>
+                      <a:tailEnd type="none" w="med" len="med"/>
+                    </a:lnB>
+                    <a:solidFill>
+                      <a:srgbClr val="CCD2D8"/>
+                    </a:solidFill>
+                  </a:tcPr>
+                </a:tc>
+                <a:extLst>
+                  <a:ext uri="{0D108BD9-81ED-4DB2-BD59-A6C34878D82A}">
+                    <a16:rowId xmlns:a16="http://schemas.microsoft.com/office/drawing/2014/main" val="3271017409"/>
+                  </a:ext>
+                </a:extLst>
+              </a:tr>
+              <a:tr h="366963">
+                <a:tc vMerge="1">
+                  <a:txBody>
+                    <a:bodyPr/>
+                    <a:lstStyle/>
+                    <a:p>
+                      <a:endParaRPr lang="en-US"/>
                     </a:p>
                   </a:txBody>
                   <a:tcPr/>
@@ -3463,45 +5780,611 @@
                     <a:bodyPr/>
                     <a:lstStyle/>
                     <a:p>
-                      <a:r>
-                        <a:rPr lang="en-US" altLang="zh-CN" dirty="0">
-                          <a:hlinkClick r:id="rId2" action="ppaction://hlinksldjump"/>
-                        </a:rPr>
-                        <a:t>Dijkstra</a:t>
-                      </a:r>
-                      <a:endParaRPr lang="en-US" altLang="zh-CN" dirty="0"/>
-                    </a:p>
-                    <a:p>
-                      <a:pPr marL="0" marR="0" lvl="0" indent="0" algn="l" defTabSz="914400" rtl="0" eaLnBrk="1" fontAlgn="auto" latinLnBrk="0" hangingPunct="1">
-                        <a:lnSpc>
-                          <a:spcPct val="100000"/>
-                        </a:lnSpc>
-                        <a:spcBef>
-                          <a:spcPts val="0"/>
-                        </a:spcBef>
-                        <a:spcAft>
-                          <a:spcPts val="0"/>
-                        </a:spcAft>
-                        <a:buClrTx/>
-                        <a:buSzTx/>
-                        <a:buFontTx/>
-                        <a:buNone/>
-                        <a:tabLst/>
-                        <a:defRPr/>
-                      </a:pPr>
-                      <a:r>
-                        <a:rPr lang="en-US" sz="1400" dirty="0" err="1">
+                      <a:pPr algn="l" fontAlgn="base"/>
+                      <a:r>
+                        <a:rPr lang="en-US" sz="1000" b="0" i="0">
+                          <a:solidFill>
+                            <a:srgbClr val="000000"/>
+                          </a:solidFill>
+                          <a:effectLst/>
+                          <a:latin typeface="Times New Roman" panose="02020603050405020304" pitchFamily="18" charset="0"/>
+                        </a:rPr>
+                        <a:t>Kruskal​</a:t>
+                      </a:r>
+                      <a:endParaRPr lang="en-US" sz="1100" b="0" i="0">
+                        <a:solidFill>
+                          <a:srgbClr val="000000"/>
+                        </a:solidFill>
+                        <a:effectLst/>
+                      </a:endParaRPr>
+                    </a:p>
+                    <a:p>
+                      <a:pPr algn="l" fontAlgn="base"/>
+                      <a:r>
+                        <a:rPr lang="en-US" sz="1000" b="0" i="0">
+                          <a:solidFill>
+                            <a:srgbClr val="000000"/>
+                          </a:solidFill>
+                          <a:effectLst/>
+                          <a:latin typeface="Times New Roman" panose="02020603050405020304" pitchFamily="18" charset="0"/>
+                        </a:rPr>
+                        <a:t>Union</a:t>
+                      </a:r>
+                      <a:r>
+                        <a:rPr lang="en-US" altLang="zh-CN" sz="1000" b="0" i="0">
+                          <a:solidFill>
+                            <a:srgbClr val="000000"/>
+                          </a:solidFill>
+                          <a:effectLst/>
+                          <a:ea typeface="Times New Roman" panose="02020603050405020304" pitchFamily="18" charset="0"/>
+                        </a:rPr>
+                        <a:t> </a:t>
+                      </a:r>
+                      <a:r>
+                        <a:rPr lang="en-US" sz="1000" b="0" i="0">
+                          <a:solidFill>
+                            <a:srgbClr val="000000"/>
+                          </a:solidFill>
+                          <a:effectLst/>
+                          <a:latin typeface="Times New Roman" panose="02020603050405020304" pitchFamily="18" charset="0"/>
+                        </a:rPr>
+                        <a:t>Find​</a:t>
+                      </a:r>
+                      <a:endParaRPr lang="en-US" sz="1100" b="0" i="0">
+                        <a:solidFill>
+                          <a:srgbClr val="000000"/>
+                        </a:solidFill>
+                        <a:effectLst/>
+                      </a:endParaRPr>
+                    </a:p>
+                  </a:txBody>
+                  <a:tcPr marL="57752" marR="57752" marT="28876" marB="28876">
+                    <a:lnL w="9916" cap="flat" cmpd="sng" algn="ctr">
+                      <a:solidFill>
+                        <a:srgbClr val="FFFFFF"/>
+                      </a:solidFill>
+                      <a:prstDash val="solid"/>
+                      <a:round/>
+                      <a:headEnd type="none" w="med" len="med"/>
+                      <a:tailEnd type="none" w="med" len="med"/>
+                    </a:lnL>
+                    <a:lnR w="9916" cap="flat" cmpd="sng" algn="ctr">
+                      <a:solidFill>
+                        <a:srgbClr val="FFFFFF"/>
+                      </a:solidFill>
+                      <a:prstDash val="solid"/>
+                      <a:round/>
+                      <a:headEnd type="none" w="med" len="med"/>
+                      <a:tailEnd type="none" w="med" len="med"/>
+                    </a:lnR>
+                    <a:lnT w="9916" cap="flat" cmpd="sng" algn="ctr">
+                      <a:solidFill>
+                        <a:srgbClr val="FFFFFF"/>
+                      </a:solidFill>
+                      <a:prstDash val="solid"/>
+                      <a:round/>
+                      <a:headEnd type="none" w="med" len="med"/>
+                      <a:tailEnd type="none" w="med" len="med"/>
+                    </a:lnT>
+                    <a:lnB w="9916" cap="flat" cmpd="sng" algn="ctr">
+                      <a:solidFill>
+                        <a:srgbClr val="FFFFFF"/>
+                      </a:solidFill>
+                      <a:prstDash val="solid"/>
+                      <a:round/>
+                      <a:headEnd type="none" w="med" len="med"/>
+                      <a:tailEnd type="none" w="med" len="med"/>
+                    </a:lnB>
+                    <a:solidFill>
+                      <a:srgbClr val="E7EAED"/>
+                    </a:solidFill>
+                  </a:tcPr>
+                </a:tc>
+                <a:tc>
+                  <a:txBody>
+                    <a:bodyPr/>
+                    <a:lstStyle/>
+                    <a:p>
+                      <a:pPr algn="l" fontAlgn="base"/>
+                      <a:r>
+                        <a:rPr lang="en-US" sz="1000" b="0" i="0">
+                          <a:solidFill>
+                            <a:srgbClr val="000000"/>
+                          </a:solidFill>
+                          <a:effectLst/>
+                          <a:latin typeface="Times New Roman" panose="02020603050405020304" pitchFamily="18" charset="0"/>
+                        </a:rPr>
+                        <a:t>Yes​</a:t>
+                      </a:r>
+                      <a:endParaRPr lang="en-US" sz="1100" b="0" i="0">
+                        <a:solidFill>
+                          <a:srgbClr val="000000"/>
+                        </a:solidFill>
+                        <a:effectLst/>
+                      </a:endParaRPr>
+                    </a:p>
+                  </a:txBody>
+                  <a:tcPr marL="57752" marR="57752" marT="28876" marB="28876">
+                    <a:lnL w="9916" cap="flat" cmpd="sng" algn="ctr">
+                      <a:solidFill>
+                        <a:srgbClr val="FFFFFF"/>
+                      </a:solidFill>
+                      <a:prstDash val="solid"/>
+                      <a:round/>
+                      <a:headEnd type="none" w="med" len="med"/>
+                      <a:tailEnd type="none" w="med" len="med"/>
+                    </a:lnL>
+                    <a:lnR w="9916" cap="flat" cmpd="sng" algn="ctr">
+                      <a:solidFill>
+                        <a:srgbClr val="FFFFFF"/>
+                      </a:solidFill>
+                      <a:prstDash val="solid"/>
+                      <a:round/>
+                      <a:headEnd type="none" w="med" len="med"/>
+                      <a:tailEnd type="none" w="med" len="med"/>
+                    </a:lnR>
+                    <a:lnT w="9916" cap="flat" cmpd="sng" algn="ctr">
+                      <a:solidFill>
+                        <a:srgbClr val="FFFFFF"/>
+                      </a:solidFill>
+                      <a:prstDash val="solid"/>
+                      <a:round/>
+                      <a:headEnd type="none" w="med" len="med"/>
+                      <a:tailEnd type="none" w="med" len="med"/>
+                    </a:lnT>
+                    <a:lnB w="9916" cap="flat" cmpd="sng" algn="ctr">
+                      <a:solidFill>
+                        <a:srgbClr val="FFFFFF"/>
+                      </a:solidFill>
+                      <a:prstDash val="solid"/>
+                      <a:round/>
+                      <a:headEnd type="none" w="med" len="med"/>
+                      <a:tailEnd type="none" w="med" len="med"/>
+                    </a:lnB>
+                    <a:solidFill>
+                      <a:srgbClr val="E7EAED"/>
+                    </a:solidFill>
+                  </a:tcPr>
+                </a:tc>
+                <a:tc>
+                  <a:txBody>
+                    <a:bodyPr/>
+                    <a:lstStyle/>
+                    <a:p>
+                      <a:pPr algn="l" fontAlgn="base"/>
+                      <a:r>
+                        <a:rPr lang="en-US" sz="1000" b="1" i="0" u="none" strike="noStrike">
+                          <a:solidFill>
+                            <a:srgbClr val="000000"/>
+                          </a:solidFill>
+                          <a:effectLst/>
+                          <a:latin typeface="Times New Roman" panose="02020603050405020304" pitchFamily="18" charset="0"/>
+                        </a:rPr>
+                        <a:t>E·logE+E</a:t>
+                      </a:r>
+                      <a:r>
+                        <a:rPr lang="en-US" sz="1000" b="0" i="0">
+                          <a:solidFill>
+                            <a:srgbClr val="000000"/>
+                          </a:solidFill>
+                          <a:effectLst/>
+                          <a:latin typeface="Times New Roman" panose="02020603050405020304" pitchFamily="18" charset="0"/>
+                        </a:rPr>
+                        <a:t>​</a:t>
+                      </a:r>
+                      <a:endParaRPr lang="en-US" sz="1100" b="0" i="0">
+                        <a:solidFill>
+                          <a:srgbClr val="000000"/>
+                        </a:solidFill>
+                        <a:effectLst/>
+                      </a:endParaRPr>
+                    </a:p>
+                  </a:txBody>
+                  <a:tcPr marL="57752" marR="57752" marT="28876" marB="28876">
+                    <a:lnL w="9916" cap="flat" cmpd="sng" algn="ctr">
+                      <a:solidFill>
+                        <a:srgbClr val="FFFFFF"/>
+                      </a:solidFill>
+                      <a:prstDash val="solid"/>
+                      <a:round/>
+                      <a:headEnd type="none" w="med" len="med"/>
+                      <a:tailEnd type="none" w="med" len="med"/>
+                    </a:lnL>
+                    <a:lnR w="9916" cap="flat" cmpd="sng" algn="ctr">
+                      <a:solidFill>
+                        <a:srgbClr val="FFFFFF"/>
+                      </a:solidFill>
+                      <a:prstDash val="solid"/>
+                      <a:round/>
+                      <a:headEnd type="none" w="med" len="med"/>
+                      <a:tailEnd type="none" w="med" len="med"/>
+                    </a:lnR>
+                    <a:lnT w="9916" cap="flat" cmpd="sng" algn="ctr">
+                      <a:solidFill>
+                        <a:srgbClr val="FFFFFF"/>
+                      </a:solidFill>
+                      <a:prstDash val="solid"/>
+                      <a:round/>
+                      <a:headEnd type="none" w="med" len="med"/>
+                      <a:tailEnd type="none" w="med" len="med"/>
+                    </a:lnT>
+                    <a:lnB w="9916" cap="flat" cmpd="sng" algn="ctr">
+                      <a:solidFill>
+                        <a:srgbClr val="FFFFFF"/>
+                      </a:solidFill>
+                      <a:prstDash val="solid"/>
+                      <a:round/>
+                      <a:headEnd type="none" w="med" len="med"/>
+                      <a:tailEnd type="none" w="med" len="med"/>
+                    </a:lnB>
+                    <a:solidFill>
+                      <a:srgbClr val="E7EAED"/>
+                    </a:solidFill>
+                  </a:tcPr>
+                </a:tc>
+                <a:tc>
+                  <a:txBody>
+                    <a:bodyPr/>
+                    <a:lstStyle/>
+                    <a:p>
+                      <a:pPr algn="l" fontAlgn="base"/>
+                      <a:r>
+                        <a:rPr lang="zh-CN" altLang="en-US" sz="1000" b="0" i="0" dirty="0">
+                          <a:solidFill>
+                            <a:srgbClr val="000000"/>
+                          </a:solidFill>
+                          <a:effectLst/>
+                          <a:ea typeface="Times New Roman" panose="02020603050405020304" pitchFamily="18" charset="0"/>
+                        </a:rPr>
+                        <a:t>最开始就需要</a:t>
+                      </a:r>
+                      <a:r>
+                        <a:rPr lang="en-US" sz="1000" b="0" i="0" dirty="0">
+                          <a:solidFill>
+                            <a:srgbClr val="000000"/>
+                          </a:solidFill>
+                          <a:effectLst/>
+                          <a:latin typeface="Times New Roman" panose="02020603050405020304" pitchFamily="18" charset="0"/>
+                        </a:rPr>
+                        <a:t>sort</a:t>
+                      </a:r>
+                      <a:r>
+                        <a:rPr lang="zh-CN" altLang="en-US" sz="1000" b="0" i="0" dirty="0">
+                          <a:solidFill>
+                            <a:srgbClr val="000000"/>
+                          </a:solidFill>
+                          <a:effectLst/>
+                          <a:ea typeface="Times New Roman" panose="02020603050405020304" pitchFamily="18" charset="0"/>
+                        </a:rPr>
+                        <a:t>所有边​</a:t>
+                      </a:r>
+                      <a:endParaRPr lang="zh-CN" altLang="en-US" sz="1100" b="0" i="0" dirty="0">
+                        <a:solidFill>
+                          <a:srgbClr val="000000"/>
+                        </a:solidFill>
+                        <a:effectLst/>
+                      </a:endParaRPr>
+                    </a:p>
+                    <a:p>
+                      <a:pPr algn="l" fontAlgn="base"/>
+                      <a:r>
+                        <a:rPr lang="en-US" sz="1000" b="0" i="0" dirty="0">
+                          <a:solidFill>
+                            <a:srgbClr val="000000"/>
+                          </a:solidFill>
+                          <a:effectLst/>
+                          <a:latin typeface="Times New Roman" panose="02020603050405020304" pitchFamily="18" charset="0"/>
+                        </a:rPr>
+                        <a:t>Select</a:t>
+                      </a:r>
+                      <a:r>
+                        <a:rPr lang="en-US" altLang="zh-CN" sz="1000" b="0" i="0" dirty="0">
+                          <a:solidFill>
+                            <a:srgbClr val="000000"/>
+                          </a:solidFill>
+                          <a:effectLst/>
+                          <a:ea typeface="Times New Roman" panose="02020603050405020304" pitchFamily="18" charset="0"/>
+                        </a:rPr>
+                        <a:t> </a:t>
+                      </a:r>
+                      <a:r>
+                        <a:rPr lang="en-US" sz="1000" b="0" i="0" dirty="0">
+                          <a:solidFill>
+                            <a:srgbClr val="000000"/>
+                          </a:solidFill>
+                          <a:effectLst/>
+                          <a:latin typeface="Times New Roman" panose="02020603050405020304" pitchFamily="18" charset="0"/>
+                        </a:rPr>
+                        <a:t>the</a:t>
+                      </a:r>
+                      <a:r>
+                        <a:rPr lang="en-US" altLang="zh-CN" sz="1000" b="0" i="0" dirty="0">
+                          <a:solidFill>
+                            <a:srgbClr val="000000"/>
+                          </a:solidFill>
+                          <a:effectLst/>
+                          <a:ea typeface="Times New Roman" panose="02020603050405020304" pitchFamily="18" charset="0"/>
+                        </a:rPr>
+                        <a:t> </a:t>
+                      </a:r>
+                      <a:r>
+                        <a:rPr lang="en-US" sz="1000" b="0" i="0" dirty="0">
+                          <a:solidFill>
+                            <a:srgbClr val="000000"/>
+                          </a:solidFill>
+                          <a:effectLst/>
+                          <a:latin typeface="Times New Roman" panose="02020603050405020304" pitchFamily="18" charset="0"/>
+                        </a:rPr>
+                        <a:t>shortest</a:t>
+                      </a:r>
+                      <a:r>
+                        <a:rPr lang="en-US" altLang="zh-CN" sz="1000" b="0" i="0" dirty="0">
+                          <a:solidFill>
+                            <a:srgbClr val="000000"/>
+                          </a:solidFill>
+                          <a:effectLst/>
+                          <a:ea typeface="Times New Roman" panose="02020603050405020304" pitchFamily="18" charset="0"/>
+                        </a:rPr>
+                        <a:t> </a:t>
+                      </a:r>
+                      <a:r>
+                        <a:rPr lang="en-US" sz="1000" b="0" i="0" dirty="0">
                           <a:solidFill>
                             <a:srgbClr val="C00000"/>
                           </a:solidFill>
-                        </a:rPr>
-                        <a:t>即从一点到所有点的最短距离</a:t>
-                      </a:r>
-                      <a:endParaRPr lang="en-US" sz="1400" dirty="0">
+                          <a:effectLst/>
+                          <a:latin typeface="Times New Roman" panose="02020603050405020304" pitchFamily="18" charset="0"/>
+                        </a:rPr>
+                        <a:t>edge</a:t>
+                      </a:r>
+                      <a:r>
+                        <a:rPr lang="en-US" altLang="zh-CN" sz="1000" b="0" i="0" dirty="0">
+                          <a:solidFill>
+                            <a:srgbClr val="000000"/>
+                          </a:solidFill>
+                          <a:effectLst/>
+                          <a:ea typeface="Times New Roman" panose="02020603050405020304" pitchFamily="18" charset="0"/>
+                        </a:rPr>
+                        <a:t> </a:t>
+                      </a:r>
+                      <a:r>
+                        <a:rPr lang="en-US" sz="1000" b="0" i="0" dirty="0">
+                          <a:solidFill>
+                            <a:srgbClr val="000000"/>
+                          </a:solidFill>
+                          <a:effectLst/>
+                          <a:latin typeface="Times New Roman" panose="02020603050405020304" pitchFamily="18" charset="0"/>
+                        </a:rPr>
+                        <a:t>firstly</a:t>
+                      </a:r>
+                      <a:r>
+                        <a:rPr lang="zh-CN" altLang="en-US" sz="1000" b="0" i="0" dirty="0">
+                          <a:solidFill>
+                            <a:srgbClr val="000000"/>
+                          </a:solidFill>
+                          <a:effectLst/>
+                          <a:ea typeface="Times New Roman" panose="02020603050405020304" pitchFamily="18" charset="0"/>
+                        </a:rPr>
+                        <a:t>，</a:t>
+                      </a:r>
+                      <a:r>
+                        <a:rPr lang="zh-CN" altLang="en-US" sz="1000" b="0" i="0" u="none" strike="noStrike" dirty="0">
+                          <a:solidFill>
+                            <a:srgbClr val="000000"/>
+                          </a:solidFill>
+                          <a:effectLst/>
+                          <a:ea typeface="Times New Roman" panose="02020603050405020304" pitchFamily="18" charset="0"/>
+                        </a:rPr>
+                        <a:t>每次都选最小权重安全边</a:t>
+                      </a:r>
+                      <a:r>
+                        <a:rPr lang="zh-CN" altLang="en-US" sz="1000" b="0" i="0" dirty="0">
+                          <a:solidFill>
+                            <a:srgbClr val="000000"/>
+                          </a:solidFill>
+                          <a:effectLst/>
+                          <a:latin typeface="Times New Roman" panose="02020603050405020304" pitchFamily="18" charset="0"/>
+                        </a:rPr>
+                        <a:t>​</a:t>
+                      </a:r>
+                      <a:endParaRPr lang="zh-CN" altLang="en-US" sz="1100" b="0" i="0" dirty="0">
                         <a:solidFill>
-                          <a:srgbClr val="C00000"/>
+                          <a:srgbClr val="000000"/>
                         </a:solidFill>
+                        <a:effectLst/>
                       </a:endParaRPr>
+                    </a:p>
+                  </a:txBody>
+                  <a:tcPr marL="57752" marR="57752" marT="28876" marB="28876">
+                    <a:lnL w="9916" cap="flat" cmpd="sng" algn="ctr">
+                      <a:solidFill>
+                        <a:srgbClr val="FFFFFF"/>
+                      </a:solidFill>
+                      <a:prstDash val="solid"/>
+                      <a:round/>
+                      <a:headEnd type="none" w="med" len="med"/>
+                      <a:tailEnd type="none" w="med" len="med"/>
+                    </a:lnL>
+                    <a:lnR w="9916" cap="flat" cmpd="sng" algn="ctr">
+                      <a:solidFill>
+                        <a:srgbClr val="FFFFFF"/>
+                      </a:solidFill>
+                      <a:prstDash val="solid"/>
+                      <a:round/>
+                      <a:headEnd type="none" w="med" len="med"/>
+                      <a:tailEnd type="none" w="med" len="med"/>
+                    </a:lnR>
+                    <a:lnT w="9916" cap="flat" cmpd="sng" algn="ctr">
+                      <a:solidFill>
+                        <a:srgbClr val="FFFFFF"/>
+                      </a:solidFill>
+                      <a:prstDash val="solid"/>
+                      <a:round/>
+                      <a:headEnd type="none" w="med" len="med"/>
+                      <a:tailEnd type="none" w="med" len="med"/>
+                    </a:lnT>
+                    <a:lnB w="9916" cap="flat" cmpd="sng" algn="ctr">
+                      <a:solidFill>
+                        <a:srgbClr val="FFFFFF"/>
+                      </a:solidFill>
+                      <a:prstDash val="solid"/>
+                      <a:round/>
+                      <a:headEnd type="none" w="med" len="med"/>
+                      <a:tailEnd type="none" w="med" len="med"/>
+                    </a:lnB>
+                    <a:solidFill>
+                      <a:srgbClr val="E7EAED"/>
+                    </a:solidFill>
+                  </a:tcPr>
+                </a:tc>
+                <a:extLst>
+                  <a:ext uri="{0D108BD9-81ED-4DB2-BD59-A6C34878D82A}">
+                    <a16:rowId xmlns:a16="http://schemas.microsoft.com/office/drawing/2014/main" val="1646015848"/>
+                  </a:ext>
+                </a:extLst>
+              </a:tr>
+              <a:tr h="366963">
+                <a:tc gridSpan="2">
+                  <a:txBody>
+                    <a:bodyPr/>
+                    <a:lstStyle/>
+                    <a:p>
+                      <a:pPr algn="l" fontAlgn="base"/>
+                      <a:r>
+                        <a:rPr lang="en-US" sz="1000" b="1" i="0">
+                          <a:solidFill>
+                            <a:srgbClr val="000000"/>
+                          </a:solidFill>
+                          <a:effectLst/>
+                          <a:latin typeface="Times New Roman" panose="02020603050405020304" pitchFamily="18" charset="0"/>
+                        </a:rPr>
+                        <a:t>Activity</a:t>
+                      </a:r>
+                      <a:r>
+                        <a:rPr lang="en-US" altLang="zh-CN" sz="1000" b="1" i="0">
+                          <a:solidFill>
+                            <a:srgbClr val="000000"/>
+                          </a:solidFill>
+                          <a:effectLst/>
+                          <a:ea typeface="Times New Roman" panose="02020603050405020304" pitchFamily="18" charset="0"/>
+                        </a:rPr>
+                        <a:t> </a:t>
+                      </a:r>
+                      <a:r>
+                        <a:rPr lang="en-US" sz="1000" b="1" i="0">
+                          <a:solidFill>
+                            <a:srgbClr val="000000"/>
+                          </a:solidFill>
+                          <a:effectLst/>
+                          <a:latin typeface="Times New Roman" panose="02020603050405020304" pitchFamily="18" charset="0"/>
+                        </a:rPr>
+                        <a:t>Selection</a:t>
+                      </a:r>
+                      <a:r>
+                        <a:rPr lang="en-US" sz="1000" b="0" i="0">
+                          <a:solidFill>
+                            <a:srgbClr val="000000"/>
+                          </a:solidFill>
+                          <a:effectLst/>
+                          <a:latin typeface="Times New Roman" panose="02020603050405020304" pitchFamily="18" charset="0"/>
+                        </a:rPr>
+                        <a:t>​</a:t>
+                      </a:r>
+                      <a:endParaRPr lang="en-US" sz="1100" b="0" i="0">
+                        <a:solidFill>
+                          <a:srgbClr val="000000"/>
+                        </a:solidFill>
+                        <a:effectLst/>
+                      </a:endParaRPr>
+                    </a:p>
+                    <a:p>
+                      <a:pPr algn="l" fontAlgn="base"/>
+                      <a:r>
+                        <a:rPr lang="ja-JP" altLang="en-US" sz="1000" b="0" i="0">
+                          <a:solidFill>
+                            <a:srgbClr val="000000"/>
+                          </a:solidFill>
+                          <a:effectLst/>
+                          <a:latin typeface="Times New Roman" panose="02020603050405020304" pitchFamily="18" charset="0"/>
+                        </a:rPr>
+                        <a:t>求最大子序列</a:t>
+                      </a:r>
+                      <a:r>
+                        <a:rPr lang="en-US" altLang="ja-JP" sz="1000" b="0" i="0">
+                          <a:solidFill>
+                            <a:srgbClr val="000000"/>
+                          </a:solidFill>
+                          <a:effectLst/>
+                          <a:latin typeface="Times New Roman" panose="02020603050405020304" pitchFamily="18" charset="0"/>
+                        </a:rPr>
+                        <a:t>/</a:t>
+                      </a:r>
+                      <a:r>
+                        <a:rPr lang="ja-JP" altLang="en-US" sz="1000" b="0" i="0">
+                          <a:solidFill>
+                            <a:srgbClr val="000000"/>
+                          </a:solidFill>
+                          <a:effectLst/>
+                          <a:latin typeface="Times New Roman" panose="02020603050405020304" pitchFamily="18" charset="0"/>
+                        </a:rPr>
+                        <a:t>最多活动​</a:t>
+                      </a:r>
+                      <a:endParaRPr lang="ja-JP" altLang="en-US" sz="1100" b="0" i="0">
+                        <a:solidFill>
+                          <a:srgbClr val="000000"/>
+                        </a:solidFill>
+                        <a:effectLst/>
+                      </a:endParaRPr>
+                    </a:p>
+                  </a:txBody>
+                  <a:tcPr marL="57752" marR="57752" marT="28876" marB="28876">
+                    <a:lnL w="9916" cap="flat" cmpd="sng" algn="ctr">
+                      <a:solidFill>
+                        <a:srgbClr val="FFFFFF"/>
+                      </a:solidFill>
+                      <a:prstDash val="solid"/>
+                      <a:round/>
+                      <a:headEnd type="none" w="med" len="med"/>
+                      <a:tailEnd type="none" w="med" len="med"/>
+                    </a:lnL>
+                    <a:lnR w="9916" cap="flat" cmpd="sng" algn="ctr">
+                      <a:solidFill>
+                        <a:srgbClr val="FFFFFF"/>
+                      </a:solidFill>
+                      <a:prstDash val="solid"/>
+                      <a:round/>
+                      <a:headEnd type="none" w="med" len="med"/>
+                      <a:tailEnd type="none" w="med" len="med"/>
+                    </a:lnR>
+                    <a:lnT w="9916" cap="flat" cmpd="sng" algn="ctr">
+                      <a:solidFill>
+                        <a:srgbClr val="FFFFFF"/>
+                      </a:solidFill>
+                      <a:prstDash val="solid"/>
+                      <a:round/>
+                      <a:headEnd type="none" w="med" len="med"/>
+                      <a:tailEnd type="none" w="med" len="med"/>
+                    </a:lnT>
+                    <a:lnB w="9916" cap="flat" cmpd="sng" algn="ctr">
+                      <a:solidFill>
+                        <a:srgbClr val="FFFFFF"/>
+                      </a:solidFill>
+                      <a:prstDash val="solid"/>
+                      <a:round/>
+                      <a:headEnd type="none" w="med" len="med"/>
+                      <a:tailEnd type="none" w="med" len="med"/>
+                    </a:lnB>
+                    <a:solidFill>
+                      <a:srgbClr val="CCD2D8"/>
+                    </a:solidFill>
+                  </a:tcPr>
+                </a:tc>
+                <a:tc hMerge="1">
+                  <a:txBody>
+                    <a:bodyPr/>
+                    <a:lstStyle/>
+                    <a:p>
+                      <a:endParaRPr lang="en-US"/>
                     </a:p>
                   </a:txBody>
                   <a:tcPr/>
@@ -3511,11 +6394,420 @@
                     <a:bodyPr/>
                     <a:lstStyle/>
                     <a:p>
-                      <a:r>
-                        <a:rPr lang="en-US" altLang="zh-CN" dirty="0"/>
-                        <a:t>Yes</a:t>
-                      </a:r>
-                      <a:endParaRPr lang="en-US" dirty="0"/>
+                      <a:pPr algn="l" fontAlgn="auto"/>
+                      <a:r>
+                        <a:rPr lang="en-US" sz="1000" b="0" i="0">
+                          <a:solidFill>
+                            <a:srgbClr val="000000"/>
+                          </a:solidFill>
+                          <a:effectLst/>
+                          <a:latin typeface="Times New Roman" panose="02020603050405020304" pitchFamily="18" charset="0"/>
+                        </a:rPr>
+                        <a:t>​</a:t>
+                      </a:r>
+                    </a:p>
+                  </a:txBody>
+                  <a:tcPr marL="57752" marR="57752" marT="28876" marB="28876">
+                    <a:lnL w="9916" cap="flat" cmpd="sng" algn="ctr">
+                      <a:solidFill>
+                        <a:srgbClr val="FFFFFF"/>
+                      </a:solidFill>
+                      <a:prstDash val="solid"/>
+                      <a:round/>
+                      <a:headEnd type="none" w="med" len="med"/>
+                      <a:tailEnd type="none" w="med" len="med"/>
+                    </a:lnL>
+                    <a:lnR w="9916" cap="flat" cmpd="sng" algn="ctr">
+                      <a:solidFill>
+                        <a:srgbClr val="FFFFFF"/>
+                      </a:solidFill>
+                      <a:prstDash val="solid"/>
+                      <a:round/>
+                      <a:headEnd type="none" w="med" len="med"/>
+                      <a:tailEnd type="none" w="med" len="med"/>
+                    </a:lnR>
+                    <a:lnT w="9916" cap="flat" cmpd="sng" algn="ctr">
+                      <a:solidFill>
+                        <a:srgbClr val="FFFFFF"/>
+                      </a:solidFill>
+                      <a:prstDash val="solid"/>
+                      <a:round/>
+                      <a:headEnd type="none" w="med" len="med"/>
+                      <a:tailEnd type="none" w="med" len="med"/>
+                    </a:lnT>
+                    <a:lnB w="9916" cap="flat" cmpd="sng" algn="ctr">
+                      <a:solidFill>
+                        <a:srgbClr val="FFFFFF"/>
+                      </a:solidFill>
+                      <a:prstDash val="solid"/>
+                      <a:round/>
+                      <a:headEnd type="none" w="med" len="med"/>
+                      <a:tailEnd type="none" w="med" len="med"/>
+                    </a:lnB>
+                    <a:solidFill>
+                      <a:srgbClr val="CCD2D8"/>
+                    </a:solidFill>
+                  </a:tcPr>
+                </a:tc>
+                <a:tc>
+                  <a:txBody>
+                    <a:bodyPr/>
+                    <a:lstStyle/>
+                    <a:p>
+                      <a:pPr algn="l" fontAlgn="base"/>
+                      <a:r>
+                        <a:rPr lang="en-US" sz="1000" b="1" i="0" u="none" strike="noStrike">
+                          <a:solidFill>
+                            <a:srgbClr val="000000"/>
+                          </a:solidFill>
+                          <a:effectLst/>
+                          <a:latin typeface="Times New Roman" panose="02020603050405020304" pitchFamily="18" charset="0"/>
+                        </a:rPr>
+                        <a:t>n·logn</a:t>
+                      </a:r>
+                      <a:r>
+                        <a:rPr lang="en-US" sz="1000" b="0" i="0">
+                          <a:solidFill>
+                            <a:srgbClr val="000000"/>
+                          </a:solidFill>
+                          <a:effectLst/>
+                          <a:latin typeface="Times New Roman" panose="02020603050405020304" pitchFamily="18" charset="0"/>
+                        </a:rPr>
+                        <a:t>​</a:t>
+                      </a:r>
+                      <a:endParaRPr lang="en-US" sz="1100" b="0" i="0">
+                        <a:solidFill>
+                          <a:srgbClr val="000000"/>
+                        </a:solidFill>
+                        <a:effectLst/>
+                      </a:endParaRPr>
+                    </a:p>
+                  </a:txBody>
+                  <a:tcPr marL="57752" marR="57752" marT="28876" marB="28876">
+                    <a:lnL w="9916" cap="flat" cmpd="sng" algn="ctr">
+                      <a:solidFill>
+                        <a:srgbClr val="FFFFFF"/>
+                      </a:solidFill>
+                      <a:prstDash val="solid"/>
+                      <a:round/>
+                      <a:headEnd type="none" w="med" len="med"/>
+                      <a:tailEnd type="none" w="med" len="med"/>
+                    </a:lnL>
+                    <a:lnR w="9916" cap="flat" cmpd="sng" algn="ctr">
+                      <a:solidFill>
+                        <a:srgbClr val="FFFFFF"/>
+                      </a:solidFill>
+                      <a:prstDash val="solid"/>
+                      <a:round/>
+                      <a:headEnd type="none" w="med" len="med"/>
+                      <a:tailEnd type="none" w="med" len="med"/>
+                    </a:lnR>
+                    <a:lnT w="9916" cap="flat" cmpd="sng" algn="ctr">
+                      <a:solidFill>
+                        <a:srgbClr val="FFFFFF"/>
+                      </a:solidFill>
+                      <a:prstDash val="solid"/>
+                      <a:round/>
+                      <a:headEnd type="none" w="med" len="med"/>
+                      <a:tailEnd type="none" w="med" len="med"/>
+                    </a:lnT>
+                    <a:lnB w="9916" cap="flat" cmpd="sng" algn="ctr">
+                      <a:solidFill>
+                        <a:srgbClr val="FFFFFF"/>
+                      </a:solidFill>
+                      <a:prstDash val="solid"/>
+                      <a:round/>
+                      <a:headEnd type="none" w="med" len="med"/>
+                      <a:tailEnd type="none" w="med" len="med"/>
+                    </a:lnB>
+                    <a:solidFill>
+                      <a:srgbClr val="CCD2D8"/>
+                    </a:solidFill>
+                  </a:tcPr>
+                </a:tc>
+                <a:tc>
+                  <a:txBody>
+                    <a:bodyPr/>
+                    <a:lstStyle/>
+                    <a:p>
+                      <a:pPr algn="l" fontAlgn="base"/>
+                      <a:r>
+                        <a:rPr lang="en-US" sz="1000" b="0" i="0">
+                          <a:solidFill>
+                            <a:srgbClr val="000000"/>
+                          </a:solidFill>
+                          <a:effectLst/>
+                          <a:latin typeface="Times New Roman" panose="02020603050405020304" pitchFamily="18" charset="0"/>
+                        </a:rPr>
+                        <a:t>Sort</a:t>
+                      </a:r>
+                      <a:r>
+                        <a:rPr lang="ja-JP" altLang="en-US" sz="1000" b="0" i="0">
+                          <a:solidFill>
+                            <a:srgbClr val="000000"/>
+                          </a:solidFill>
+                          <a:effectLst/>
+                          <a:ea typeface="Times New Roman" panose="02020603050405020304" pitchFamily="18" charset="0"/>
+                        </a:rPr>
+                        <a:t>按照结束和开始时间都可以</a:t>
+                      </a:r>
+                      <a:r>
+                        <a:rPr lang="ja-JP" altLang="en-US" sz="1000" b="0" i="0">
+                          <a:solidFill>
+                            <a:srgbClr val="000000"/>
+                          </a:solidFill>
+                          <a:effectLst/>
+                          <a:latin typeface="Times New Roman" panose="02020603050405020304" pitchFamily="18" charset="0"/>
+                        </a:rPr>
+                        <a:t>​</a:t>
+                      </a:r>
+                      <a:endParaRPr lang="ja-JP" altLang="en-US" sz="1100" b="0" i="0">
+                        <a:solidFill>
+                          <a:srgbClr val="000000"/>
+                        </a:solidFill>
+                        <a:effectLst/>
+                      </a:endParaRPr>
+                    </a:p>
+                    <a:p>
+                      <a:pPr algn="l" fontAlgn="base"/>
+                      <a:r>
+                        <a:rPr lang="ja-JP" altLang="en-US" sz="1000" b="0" i="0">
+                          <a:solidFill>
+                            <a:srgbClr val="0070C0"/>
+                          </a:solidFill>
+                          <a:effectLst/>
+                          <a:ea typeface="Times New Roman" panose="02020603050405020304" pitchFamily="18" charset="0"/>
+                        </a:rPr>
+                        <a:t>重点识别最大的子序列</a:t>
+                      </a:r>
+                      <a:r>
+                        <a:rPr lang="en-US" altLang="ja-JP" sz="1000" b="0" i="0">
+                          <a:solidFill>
+                            <a:srgbClr val="0070C0"/>
+                          </a:solidFill>
+                          <a:effectLst/>
+                          <a:latin typeface="Times New Roman" panose="02020603050405020304" pitchFamily="18" charset="0"/>
+                        </a:rPr>
+                        <a:t>(</a:t>
+                      </a:r>
+                      <a:r>
+                        <a:rPr lang="ja-JP" altLang="en-US" sz="1000" b="0" i="0">
+                          <a:solidFill>
+                            <a:srgbClr val="0070C0"/>
+                          </a:solidFill>
+                          <a:effectLst/>
+                          <a:ea typeface="Times New Roman" panose="02020603050405020304" pitchFamily="18" charset="0"/>
+                        </a:rPr>
+                        <a:t>课程数量最多</a:t>
+                      </a:r>
+                      <a:r>
+                        <a:rPr lang="en-US" altLang="ja-JP" sz="1000" b="0" i="0">
+                          <a:solidFill>
+                            <a:srgbClr val="0070C0"/>
+                          </a:solidFill>
+                          <a:effectLst/>
+                          <a:latin typeface="Times New Roman" panose="02020603050405020304" pitchFamily="18" charset="0"/>
+                        </a:rPr>
+                        <a:t>)</a:t>
+                      </a:r>
+                      <a:r>
+                        <a:rPr lang="ja-JP" altLang="en-US" sz="1000" b="0" i="0">
+                          <a:solidFill>
+                            <a:srgbClr val="0070C0"/>
+                          </a:solidFill>
+                          <a:effectLst/>
+                          <a:ea typeface="Times New Roman" panose="02020603050405020304" pitchFamily="18" charset="0"/>
+                        </a:rPr>
+                        <a:t>，与收益价值无关。</a:t>
+                      </a:r>
+                      <a:r>
+                        <a:rPr lang="ja-JP" altLang="en-US" sz="1000" b="0" i="0">
+                          <a:solidFill>
+                            <a:srgbClr val="000000"/>
+                          </a:solidFill>
+                          <a:effectLst/>
+                          <a:latin typeface="Times New Roman" panose="02020603050405020304" pitchFamily="18" charset="0"/>
+                        </a:rPr>
+                        <a:t>​</a:t>
+                      </a:r>
+                      <a:endParaRPr lang="ja-JP" altLang="en-US" sz="1100" b="0" i="0">
+                        <a:solidFill>
+                          <a:srgbClr val="000000"/>
+                        </a:solidFill>
+                        <a:effectLst/>
+                      </a:endParaRPr>
+                    </a:p>
+                  </a:txBody>
+                  <a:tcPr marL="57752" marR="57752" marT="28876" marB="28876">
+                    <a:lnL w="9916" cap="flat" cmpd="sng" algn="ctr">
+                      <a:solidFill>
+                        <a:srgbClr val="FFFFFF"/>
+                      </a:solidFill>
+                      <a:prstDash val="solid"/>
+                      <a:round/>
+                      <a:headEnd type="none" w="med" len="med"/>
+                      <a:tailEnd type="none" w="med" len="med"/>
+                    </a:lnL>
+                    <a:lnR w="9916" cap="flat" cmpd="sng" algn="ctr">
+                      <a:solidFill>
+                        <a:srgbClr val="FFFFFF"/>
+                      </a:solidFill>
+                      <a:prstDash val="solid"/>
+                      <a:round/>
+                      <a:headEnd type="none" w="med" len="med"/>
+                      <a:tailEnd type="none" w="med" len="med"/>
+                    </a:lnR>
+                    <a:lnT w="9916" cap="flat" cmpd="sng" algn="ctr">
+                      <a:solidFill>
+                        <a:srgbClr val="FFFFFF"/>
+                      </a:solidFill>
+                      <a:prstDash val="solid"/>
+                      <a:round/>
+                      <a:headEnd type="none" w="med" len="med"/>
+                      <a:tailEnd type="none" w="med" len="med"/>
+                    </a:lnT>
+                    <a:lnB w="9916" cap="flat" cmpd="sng" algn="ctr">
+                      <a:solidFill>
+                        <a:srgbClr val="FFFFFF"/>
+                      </a:solidFill>
+                      <a:prstDash val="solid"/>
+                      <a:round/>
+                      <a:headEnd type="none" w="med" len="med"/>
+                      <a:tailEnd type="none" w="med" len="med"/>
+                    </a:lnB>
+                    <a:solidFill>
+                      <a:srgbClr val="CCD2D8"/>
+                    </a:solidFill>
+                  </a:tcPr>
+                </a:tc>
+                <a:extLst>
+                  <a:ext uri="{0D108BD9-81ED-4DB2-BD59-A6C34878D82A}">
+                    <a16:rowId xmlns:a16="http://schemas.microsoft.com/office/drawing/2014/main" val="3931642044"/>
+                  </a:ext>
+                </a:extLst>
+              </a:tr>
+              <a:tr h="397042">
+                <a:tc gridSpan="2">
+                  <a:txBody>
+                    <a:bodyPr/>
+                    <a:lstStyle/>
+                    <a:p>
+                      <a:pPr algn="l" fontAlgn="base"/>
+                      <a:r>
+                        <a:rPr lang="en-US" sz="1000" b="1" i="0">
+                          <a:solidFill>
+                            <a:srgbClr val="000000"/>
+                          </a:solidFill>
+                          <a:effectLst/>
+                          <a:latin typeface="Times New Roman" panose="02020603050405020304" pitchFamily="18" charset="0"/>
+                        </a:rPr>
+                        <a:t>Interval</a:t>
+                      </a:r>
+                      <a:r>
+                        <a:rPr lang="en-US" altLang="zh-CN" sz="1000" b="1" i="0">
+                          <a:solidFill>
+                            <a:srgbClr val="000000"/>
+                          </a:solidFill>
+                          <a:effectLst/>
+                          <a:ea typeface="Times New Roman" panose="02020603050405020304" pitchFamily="18" charset="0"/>
+                        </a:rPr>
+                        <a:t> </a:t>
+                      </a:r>
+                      <a:r>
+                        <a:rPr lang="en-US" sz="1000" b="1" i="0">
+                          <a:solidFill>
+                            <a:srgbClr val="000000"/>
+                          </a:solidFill>
+                          <a:effectLst/>
+                          <a:latin typeface="Times New Roman" panose="02020603050405020304" pitchFamily="18" charset="0"/>
+                        </a:rPr>
+                        <a:t>Scheduling</a:t>
+                      </a:r>
+                      <a:r>
+                        <a:rPr lang="en-US" sz="1000" b="0" i="0">
+                          <a:solidFill>
+                            <a:srgbClr val="000000"/>
+                          </a:solidFill>
+                          <a:effectLst/>
+                          <a:latin typeface="Times New Roman" panose="02020603050405020304" pitchFamily="18" charset="0"/>
+                        </a:rPr>
+                        <a:t>​</a:t>
+                      </a:r>
+                      <a:endParaRPr lang="en-US" sz="1100" b="0" i="0">
+                        <a:solidFill>
+                          <a:srgbClr val="000000"/>
+                        </a:solidFill>
+                        <a:effectLst/>
+                      </a:endParaRPr>
+                    </a:p>
+                    <a:p>
+                      <a:pPr algn="l" fontAlgn="base"/>
+                      <a:r>
+                        <a:rPr lang="en-US" sz="1000" b="0" i="0">
+                          <a:solidFill>
+                            <a:srgbClr val="000000"/>
+                          </a:solidFill>
+                          <a:effectLst/>
+                          <a:latin typeface="Times New Roman" panose="02020603050405020304" pitchFamily="18" charset="0"/>
+                        </a:rPr>
+                        <a:t>​</a:t>
+                      </a:r>
+                      <a:endParaRPr lang="en-US" sz="1100" b="0" i="0">
+                        <a:solidFill>
+                          <a:srgbClr val="000000"/>
+                        </a:solidFill>
+                        <a:effectLst/>
+                      </a:endParaRPr>
+                    </a:p>
+                  </a:txBody>
+                  <a:tcPr marL="57752" marR="57752" marT="28876" marB="28876">
+                    <a:lnL w="9916" cap="flat" cmpd="sng" algn="ctr">
+                      <a:solidFill>
+                        <a:srgbClr val="FFFFFF"/>
+                      </a:solidFill>
+                      <a:prstDash val="solid"/>
+                      <a:round/>
+                      <a:headEnd type="none" w="med" len="med"/>
+                      <a:tailEnd type="none" w="med" len="med"/>
+                    </a:lnL>
+                    <a:lnR w="9916" cap="flat" cmpd="sng" algn="ctr">
+                      <a:solidFill>
+                        <a:srgbClr val="FFFFFF"/>
+                      </a:solidFill>
+                      <a:prstDash val="solid"/>
+                      <a:round/>
+                      <a:headEnd type="none" w="med" len="med"/>
+                      <a:tailEnd type="none" w="med" len="med"/>
+                    </a:lnR>
+                    <a:lnT w="9916" cap="flat" cmpd="sng" algn="ctr">
+                      <a:solidFill>
+                        <a:srgbClr val="FFFFFF"/>
+                      </a:solidFill>
+                      <a:prstDash val="solid"/>
+                      <a:round/>
+                      <a:headEnd type="none" w="med" len="med"/>
+                      <a:tailEnd type="none" w="med" len="med"/>
+                    </a:lnT>
+                    <a:lnB w="9916" cap="flat" cmpd="sng" algn="ctr">
+                      <a:solidFill>
+                        <a:srgbClr val="FFFFFF"/>
+                      </a:solidFill>
+                      <a:prstDash val="solid"/>
+                      <a:round/>
+                      <a:headEnd type="none" w="med" len="med"/>
+                      <a:tailEnd type="none" w="med" len="med"/>
+                    </a:lnB>
+                    <a:solidFill>
+                      <a:srgbClr val="E7EAED"/>
+                    </a:solidFill>
+                  </a:tcPr>
+                </a:tc>
+                <a:tc hMerge="1">
+                  <a:txBody>
+                    <a:bodyPr/>
+                    <a:lstStyle/>
+                    <a:p>
+                      <a:endParaRPr lang="en-US"/>
                     </a:p>
                   </a:txBody>
                   <a:tcPr/>
@@ -3525,1001 +6817,255 @@
                     <a:bodyPr/>
                     <a:lstStyle/>
                     <a:p>
-                      <a:r>
-                        <a:rPr lang="en-US" altLang="zh-CN" b="1" dirty="0"/>
-                        <a:t>start</a:t>
-                      </a:r>
-                      <a:r>
-                        <a:rPr lang="zh-CN" altLang="en-US" b="1" dirty="0"/>
-                        <a:t> </a:t>
-                      </a:r>
-                      <a:r>
-                        <a:rPr lang="en-US" altLang="zh-CN" dirty="0"/>
-                        <a:t>to</a:t>
-                      </a:r>
-                      <a:r>
-                        <a:rPr lang="zh-CN" altLang="en-US" dirty="0"/>
-                        <a:t> </a:t>
-                      </a:r>
-                      <a:r>
-                        <a:rPr lang="en-US" altLang="zh-CN" dirty="0"/>
-                        <a:t>all</a:t>
-                      </a:r>
-                      <a:r>
-                        <a:rPr lang="zh-CN" altLang="en-US" dirty="0"/>
-                        <a:t> </a:t>
-                      </a:r>
-                      <a:r>
-                        <a:rPr lang="en-US" altLang="zh-CN" dirty="0"/>
-                        <a:t>calculate</a:t>
-                      </a:r>
-                      <a:r>
-                        <a:rPr lang="zh-CN" altLang="en-US" dirty="0"/>
-                        <a:t> </a:t>
-                      </a:r>
-                      <a:r>
-                        <a:rPr lang="en-US" altLang="zh-CN" dirty="0"/>
-                        <a:t>the</a:t>
-                      </a:r>
-                      <a:r>
-                        <a:rPr lang="zh-CN" altLang="en-US" dirty="0"/>
-                        <a:t> </a:t>
-                      </a:r>
-                      <a:r>
-                        <a:rPr lang="en-US" altLang="zh-CN" dirty="0"/>
-                        <a:t>shortest</a:t>
-                      </a:r>
-                      <a:r>
-                        <a:rPr lang="zh-CN" altLang="en-US" dirty="0"/>
-                        <a:t> </a:t>
-                      </a:r>
-                      <a:r>
-                        <a:rPr lang="en-US" altLang="zh-CN" dirty="0"/>
-                        <a:t>path</a:t>
-                      </a:r>
-                    </a:p>
-                    <a:p>
-                      <a:r>
-                        <a:rPr lang="en-US" altLang="zh-CN" b="1" dirty="0"/>
-                        <a:t>Running</a:t>
-                      </a:r>
-                      <a:r>
-                        <a:rPr lang="zh-CN" altLang="en-US" b="1" dirty="0"/>
-                        <a:t> </a:t>
-                      </a:r>
-                      <a:r>
-                        <a:rPr lang="en-US" altLang="zh-CN" b="1" dirty="0"/>
-                        <a:t>time</a:t>
-                      </a:r>
-                      <a:r>
-                        <a:rPr lang="zh-CN" altLang="en-US" b="1" dirty="0"/>
-                        <a:t>：</a:t>
-                      </a:r>
-                      <a:r>
-                        <a:rPr lang="en-US" altLang="zh-CN" b="1" dirty="0"/>
-                        <a:t>V+E</a:t>
+                      <a:pPr algn="l" fontAlgn="auto"/>
+                      <a:r>
+                        <a:rPr lang="en-US" sz="1000" b="0" i="0">
+                          <a:solidFill>
+                            <a:srgbClr val="000000"/>
+                          </a:solidFill>
+                          <a:effectLst/>
+                          <a:latin typeface="Times New Roman" panose="02020603050405020304" pitchFamily="18" charset="0"/>
+                        </a:rPr>
+                        <a:t>​</a:t>
                       </a:r>
                     </a:p>
                   </a:txBody>
-                  <a:tcPr/>
-                </a:tc>
-                <a:extLst>
-                  <a:ext uri="{0D108BD9-81ED-4DB2-BD59-A6C34878D82A}">
-                    <a16:rowId xmlns:a16="http://schemas.microsoft.com/office/drawing/2014/main" val="3840399259"/>
-                  </a:ext>
-                </a:extLst>
-              </a:tr>
-              <a:tr h="890380">
-                <a:tc>
-                  <a:txBody>
-                    <a:bodyPr/>
-                    <a:lstStyle/>
-                    <a:p>
-                      <a:endParaRPr lang="en-US" dirty="0"/>
-                    </a:p>
-                  </a:txBody>
-                  <a:tcPr/>
+                  <a:tcPr marL="57752" marR="57752" marT="28876" marB="28876">
+                    <a:lnL w="9916" cap="flat" cmpd="sng" algn="ctr">
+                      <a:solidFill>
+                        <a:srgbClr val="FFFFFF"/>
+                      </a:solidFill>
+                      <a:prstDash val="solid"/>
+                      <a:round/>
+                      <a:headEnd type="none" w="med" len="med"/>
+                      <a:tailEnd type="none" w="med" len="med"/>
+                    </a:lnL>
+                    <a:lnR w="9916" cap="flat" cmpd="sng" algn="ctr">
+                      <a:solidFill>
+                        <a:srgbClr val="FFFFFF"/>
+                      </a:solidFill>
+                      <a:prstDash val="solid"/>
+                      <a:round/>
+                      <a:headEnd type="none" w="med" len="med"/>
+                      <a:tailEnd type="none" w="med" len="med"/>
+                    </a:lnR>
+                    <a:lnT w="9916" cap="flat" cmpd="sng" algn="ctr">
+                      <a:solidFill>
+                        <a:srgbClr val="FFFFFF"/>
+                      </a:solidFill>
+                      <a:prstDash val="solid"/>
+                      <a:round/>
+                      <a:headEnd type="none" w="med" len="med"/>
+                      <a:tailEnd type="none" w="med" len="med"/>
+                    </a:lnT>
+                    <a:lnB w="9916" cap="flat" cmpd="sng" algn="ctr">
+                      <a:solidFill>
+                        <a:srgbClr val="FFFFFF"/>
+                      </a:solidFill>
+                      <a:prstDash val="solid"/>
+                      <a:round/>
+                      <a:headEnd type="none" w="med" len="med"/>
+                      <a:tailEnd type="none" w="med" len="med"/>
+                    </a:lnB>
+                    <a:solidFill>
+                      <a:srgbClr val="E7EAED"/>
+                    </a:solidFill>
+                  </a:tcPr>
                 </a:tc>
                 <a:tc>
                   <a:txBody>
                     <a:bodyPr/>
                     <a:lstStyle/>
                     <a:p>
-                      <a:r>
-                        <a:rPr lang="en-US" altLang="zh-CN" dirty="0"/>
-                        <a:t>Huffman</a:t>
-                      </a:r>
-                      <a:r>
-                        <a:rPr lang="zh-CN" altLang="en-US" dirty="0"/>
-                        <a:t> </a:t>
-                      </a:r>
-                      <a:r>
-                        <a:rPr lang="en-US" altLang="zh-CN" dirty="0"/>
-                        <a:t>prefix</a:t>
-                      </a:r>
-                      <a:r>
-                        <a:rPr lang="zh-CN" altLang="en-US" dirty="0"/>
-                        <a:t> </a:t>
-                      </a:r>
-                      <a:r>
-                        <a:rPr lang="en-US" altLang="zh-CN" dirty="0"/>
-                        <a:t>tree</a:t>
-                      </a:r>
+                      <a:pPr algn="l" fontAlgn="base"/>
+                      <a:r>
+                        <a:rPr lang="en-US" sz="1000" b="1" i="0" u="none" strike="noStrike">
+                          <a:solidFill>
+                            <a:srgbClr val="000000"/>
+                          </a:solidFill>
+                          <a:effectLst/>
+                          <a:latin typeface="Times New Roman" panose="02020603050405020304" pitchFamily="18" charset="0"/>
+                        </a:rPr>
+                        <a:t>n·logn</a:t>
+                      </a:r>
+                      <a:r>
+                        <a:rPr lang="en-US" sz="1000" b="0" i="0">
+                          <a:solidFill>
+                            <a:srgbClr val="000000"/>
+                          </a:solidFill>
+                          <a:effectLst/>
+                          <a:latin typeface="Times New Roman" panose="02020603050405020304" pitchFamily="18" charset="0"/>
+                        </a:rPr>
+                        <a:t>​</a:t>
+                      </a:r>
+                      <a:endParaRPr lang="en-US" sz="1100" b="0" i="0">
+                        <a:solidFill>
+                          <a:srgbClr val="000000"/>
+                        </a:solidFill>
+                        <a:effectLst/>
+                      </a:endParaRPr>
                     </a:p>
                   </a:txBody>
-                  <a:tcPr/>
+                  <a:tcPr marL="57752" marR="57752" marT="28876" marB="28876">
+                    <a:lnL w="9916" cap="flat" cmpd="sng" algn="ctr">
+                      <a:solidFill>
+                        <a:srgbClr val="FFFFFF"/>
+                      </a:solidFill>
+                      <a:prstDash val="solid"/>
+                      <a:round/>
+                      <a:headEnd type="none" w="med" len="med"/>
+                      <a:tailEnd type="none" w="med" len="med"/>
+                    </a:lnL>
+                    <a:lnR w="9916" cap="flat" cmpd="sng" algn="ctr">
+                      <a:solidFill>
+                        <a:srgbClr val="FFFFFF"/>
+                      </a:solidFill>
+                      <a:prstDash val="solid"/>
+                      <a:round/>
+                      <a:headEnd type="none" w="med" len="med"/>
+                      <a:tailEnd type="none" w="med" len="med"/>
+                    </a:lnR>
+                    <a:lnT w="9916" cap="flat" cmpd="sng" algn="ctr">
+                      <a:solidFill>
+                        <a:srgbClr val="FFFFFF"/>
+                      </a:solidFill>
+                      <a:prstDash val="solid"/>
+                      <a:round/>
+                      <a:headEnd type="none" w="med" len="med"/>
+                      <a:tailEnd type="none" w="med" len="med"/>
+                    </a:lnT>
+                    <a:lnB w="9916" cap="flat" cmpd="sng" algn="ctr">
+                      <a:solidFill>
+                        <a:srgbClr val="FFFFFF"/>
+                      </a:solidFill>
+                      <a:prstDash val="solid"/>
+                      <a:round/>
+                      <a:headEnd type="none" w="med" len="med"/>
+                      <a:tailEnd type="none" w="med" len="med"/>
+                    </a:lnB>
+                    <a:solidFill>
+                      <a:srgbClr val="E7EAED"/>
+                    </a:solidFill>
+                  </a:tcPr>
                 </a:tc>
                 <a:tc>
                   <a:txBody>
                     <a:bodyPr/>
                     <a:lstStyle/>
                     <a:p>
-                      <a:r>
-                        <a:rPr lang="en-US" altLang="zh-CN" dirty="0"/>
-                        <a:t>Yes</a:t>
-                      </a:r>
-                      <a:endParaRPr lang="en-US" dirty="0"/>
+                      <a:pPr algn="l" fontAlgn="base"/>
+                      <a:r>
+                        <a:rPr lang="en-US" sz="1000" b="0" i="0" dirty="0">
+                          <a:solidFill>
+                            <a:srgbClr val="000000"/>
+                          </a:solidFill>
+                          <a:effectLst/>
+                          <a:latin typeface="Times New Roman" panose="02020603050405020304" pitchFamily="18" charset="0"/>
+                        </a:rPr>
+                        <a:t>Sort</a:t>
+                      </a:r>
+                      <a:r>
+                        <a:rPr lang="ja-JP" altLang="en-US" sz="1000" b="0" i="0">
+                          <a:solidFill>
+                            <a:srgbClr val="000000"/>
+                          </a:solidFill>
+                          <a:effectLst/>
+                          <a:ea typeface="Times New Roman" panose="02020603050405020304" pitchFamily="18" charset="0"/>
+                        </a:rPr>
+                        <a:t>按照结束和开始时间都可以</a:t>
+                      </a:r>
+                      <a:r>
+                        <a:rPr lang="ja-JP" altLang="en-US" sz="1000" b="0" i="0">
+                          <a:solidFill>
+                            <a:srgbClr val="000000"/>
+                          </a:solidFill>
+                          <a:effectLst/>
+                          <a:latin typeface="Times New Roman" panose="02020603050405020304" pitchFamily="18" charset="0"/>
+                        </a:rPr>
+                        <a:t>​</a:t>
+                      </a:r>
+                      <a:endParaRPr lang="ja-JP" altLang="en-US" sz="1100" b="0" i="0">
+                        <a:solidFill>
+                          <a:srgbClr val="000000"/>
+                        </a:solidFill>
+                        <a:effectLst/>
+                      </a:endParaRPr>
+                    </a:p>
+                    <a:p>
+                      <a:pPr algn="l" fontAlgn="base"/>
+                      <a:r>
+                        <a:rPr lang="ja-JP" altLang="en-US" sz="1000" b="0" i="0">
+                          <a:solidFill>
+                            <a:srgbClr val="0070C0"/>
+                          </a:solidFill>
+                          <a:effectLst/>
+                          <a:ea typeface="Times New Roman" panose="02020603050405020304" pitchFamily="18" charset="0"/>
+                        </a:rPr>
+                        <a:t>重点是最少的教室数量安排所有的课程</a:t>
+                      </a:r>
+                      <a:r>
+                        <a:rPr lang="ja-JP" altLang="en-US" sz="1000" b="0" i="0">
+                          <a:solidFill>
+                            <a:srgbClr val="000000"/>
+                          </a:solidFill>
+                          <a:effectLst/>
+                          <a:latin typeface="Times New Roman" panose="02020603050405020304" pitchFamily="18" charset="0"/>
+                        </a:rPr>
+                        <a:t>​</a:t>
+                      </a:r>
+                      <a:endParaRPr lang="ja-JP" altLang="en-US" sz="1100" b="0" i="0">
+                        <a:solidFill>
+                          <a:srgbClr val="000000"/>
+                        </a:solidFill>
+                        <a:effectLst/>
+                      </a:endParaRPr>
                     </a:p>
                   </a:txBody>
-                  <a:tcPr/>
-                </a:tc>
-                <a:tc>
-                  <a:txBody>
-                    <a:bodyPr/>
-                    <a:lstStyle/>
-                    <a:p>
-                      <a:r>
-                        <a:rPr lang="en-US" altLang="zh-CN" dirty="0"/>
-                        <a:t>Full</a:t>
-                      </a:r>
-                      <a:r>
-                        <a:rPr lang="zh-CN" altLang="en-US" dirty="0"/>
-                        <a:t> </a:t>
-                      </a:r>
-                      <a:r>
-                        <a:rPr lang="en-US" altLang="zh-CN" dirty="0"/>
-                        <a:t>tree</a:t>
-                      </a:r>
-                      <a:r>
-                        <a:rPr lang="zh-CN" altLang="en-US" dirty="0"/>
-                        <a:t> </a:t>
-                      </a:r>
-                      <a:r>
-                        <a:rPr lang="en-US" altLang="zh-CN" dirty="0"/>
-                        <a:t>+</a:t>
-                      </a:r>
-                      <a:r>
-                        <a:rPr lang="zh-CN" altLang="en-US" dirty="0"/>
-                        <a:t> </a:t>
-                      </a:r>
-                      <a:r>
-                        <a:rPr lang="en-US" altLang="zh-CN" dirty="0"/>
-                        <a:t>left</a:t>
-                      </a:r>
-                      <a:r>
-                        <a:rPr lang="zh-CN" altLang="en-US" dirty="0"/>
-                        <a:t> </a:t>
-                      </a:r>
-                      <a:r>
-                        <a:rPr lang="en-US" altLang="zh-CN" dirty="0"/>
-                        <a:t>branch</a:t>
-                      </a:r>
-                      <a:r>
-                        <a:rPr lang="zh-CN" altLang="en-US" dirty="0"/>
-                        <a:t> </a:t>
-                      </a:r>
-                      <a:r>
-                        <a:rPr lang="en-US" altLang="zh-CN" dirty="0"/>
-                        <a:t>is</a:t>
-                      </a:r>
-                      <a:r>
-                        <a:rPr lang="zh-CN" altLang="en-US" dirty="0"/>
-                        <a:t> </a:t>
-                      </a:r>
-                      <a:r>
-                        <a:rPr lang="en-US" altLang="zh-CN" dirty="0"/>
-                        <a:t>0</a:t>
-                      </a:r>
-                      <a:r>
-                        <a:rPr lang="zh-CN" altLang="en-US" dirty="0"/>
-                        <a:t> </a:t>
-                      </a:r>
-                      <a:r>
-                        <a:rPr lang="en-US" altLang="zh-CN" dirty="0"/>
-                        <a:t>+</a:t>
-                      </a:r>
-                      <a:r>
-                        <a:rPr lang="zh-CN" altLang="en-US" dirty="0"/>
-                        <a:t> </a:t>
-                      </a:r>
-                      <a:r>
-                        <a:rPr lang="en-US" altLang="zh-CN" dirty="0"/>
-                        <a:t>right</a:t>
-                      </a:r>
-                      <a:r>
-                        <a:rPr lang="zh-CN" altLang="en-US" dirty="0"/>
-                        <a:t> </a:t>
-                      </a:r>
-                      <a:r>
-                        <a:rPr lang="en-US" altLang="zh-CN" dirty="0"/>
-                        <a:t>branch</a:t>
-                      </a:r>
-                      <a:r>
-                        <a:rPr lang="zh-CN" altLang="en-US" dirty="0"/>
-                        <a:t> </a:t>
-                      </a:r>
-                      <a:r>
-                        <a:rPr lang="en-US" altLang="zh-CN" dirty="0"/>
-                        <a:t>is</a:t>
-                      </a:r>
-                      <a:r>
-                        <a:rPr lang="zh-CN" altLang="en-US" dirty="0"/>
-                        <a:t> </a:t>
-                      </a:r>
-                      <a:r>
-                        <a:rPr lang="en-US" altLang="zh-CN" dirty="0"/>
-                        <a:t>1</a:t>
-                      </a:r>
-                    </a:p>
-                    <a:p>
-                      <a:r>
-                        <a:rPr lang="en-US" altLang="zh-CN" dirty="0"/>
-                        <a:t>Alphabet</a:t>
-                      </a:r>
-                      <a:r>
-                        <a:rPr lang="zh-CN" altLang="en-US" dirty="0"/>
-                        <a:t> </a:t>
-                      </a:r>
-                      <a:r>
-                        <a:rPr lang="en-US" altLang="zh-CN" dirty="0"/>
-                        <a:t>has</a:t>
-                      </a:r>
-                      <a:r>
-                        <a:rPr lang="zh-CN" altLang="en-US" dirty="0"/>
-                        <a:t> </a:t>
-                      </a:r>
-                      <a:r>
-                        <a:rPr lang="en-US" altLang="zh-CN" dirty="0"/>
-                        <a:t>27</a:t>
-                      </a:r>
-                      <a:r>
-                        <a:rPr lang="zh-CN" altLang="en-US" dirty="0"/>
-                        <a:t> </a:t>
-                      </a:r>
-                      <a:r>
-                        <a:rPr lang="en-US" altLang="zh-CN" dirty="0"/>
-                        <a:t>characters(26</a:t>
-                      </a:r>
-                      <a:r>
-                        <a:rPr lang="zh-CN" altLang="en-US" dirty="0"/>
-                        <a:t> </a:t>
-                      </a:r>
-                      <a:r>
-                        <a:rPr lang="en-US" altLang="zh-CN" dirty="0"/>
-                        <a:t>letters</a:t>
-                      </a:r>
-                      <a:r>
-                        <a:rPr lang="zh-CN" altLang="en-US" dirty="0"/>
-                        <a:t> </a:t>
-                      </a:r>
-                      <a:r>
-                        <a:rPr lang="en-US" altLang="zh-CN" dirty="0"/>
-                        <a:t>and</a:t>
-                      </a:r>
-                      <a:r>
-                        <a:rPr lang="zh-CN" altLang="en-US" dirty="0"/>
-                        <a:t> </a:t>
-                      </a:r>
-                      <a:r>
-                        <a:rPr lang="en-US" altLang="zh-CN" dirty="0"/>
-                        <a:t>space)</a:t>
-                      </a:r>
-                    </a:p>
-                    <a:p>
-                      <a:pPr marL="0" marR="0" lvl="0" indent="0" algn="l" defTabSz="914400" rtl="0" eaLnBrk="1" fontAlgn="auto" latinLnBrk="0" hangingPunct="1">
-                        <a:lnSpc>
-                          <a:spcPct val="100000"/>
-                        </a:lnSpc>
-                        <a:spcBef>
-                          <a:spcPts val="0"/>
-                        </a:spcBef>
-                        <a:spcAft>
-                          <a:spcPts val="0"/>
-                        </a:spcAft>
-                        <a:buClrTx/>
-                        <a:buSzTx/>
-                        <a:buFontTx/>
-                        <a:buNone/>
-                        <a:tabLst/>
-                        <a:defRPr/>
-                      </a:pPr>
-                      <a:r>
-                        <a:rPr lang="en-US" altLang="zh-CN" b="1" dirty="0"/>
-                        <a:t>Running</a:t>
-                      </a:r>
-                      <a:r>
-                        <a:rPr lang="zh-CN" altLang="en-US" b="1" dirty="0"/>
-                        <a:t> </a:t>
-                      </a:r>
-                      <a:r>
-                        <a:rPr lang="en-US" altLang="zh-CN" b="1" dirty="0"/>
-                        <a:t>time</a:t>
-                      </a:r>
-                      <a:r>
-                        <a:rPr lang="zh-CN" altLang="en-US" b="1" dirty="0"/>
-                        <a:t>：</a:t>
-                      </a:r>
-                      <a:r>
-                        <a:rPr lang="en-US" altLang="zh-CN" b="1" dirty="0" err="1"/>
-                        <a:t>nlogn</a:t>
-                      </a:r>
-                      <a:endParaRPr lang="en-US" altLang="zh-CN" b="1" dirty="0"/>
-                    </a:p>
-                  </a:txBody>
-                  <a:tcPr/>
+                  <a:tcPr marL="57752" marR="57752" marT="28876" marB="28876">
+                    <a:lnL w="9916" cap="flat" cmpd="sng" algn="ctr">
+                      <a:solidFill>
+                        <a:srgbClr val="FFFFFF"/>
+                      </a:solidFill>
+                      <a:prstDash val="solid"/>
+                      <a:round/>
+                      <a:headEnd type="none" w="med" len="med"/>
+                      <a:tailEnd type="none" w="med" len="med"/>
+                    </a:lnL>
+                    <a:lnR w="9916" cap="flat" cmpd="sng" algn="ctr">
+                      <a:solidFill>
+                        <a:srgbClr val="FFFFFF"/>
+                      </a:solidFill>
+                      <a:prstDash val="solid"/>
+                      <a:round/>
+                      <a:headEnd type="none" w="med" len="med"/>
+                      <a:tailEnd type="none" w="med" len="med"/>
+                    </a:lnR>
+                    <a:lnT w="9916" cap="flat" cmpd="sng" algn="ctr">
+                      <a:solidFill>
+                        <a:srgbClr val="FFFFFF"/>
+                      </a:solidFill>
+                      <a:prstDash val="solid"/>
+                      <a:round/>
+                      <a:headEnd type="none" w="med" len="med"/>
+                      <a:tailEnd type="none" w="med" len="med"/>
+                    </a:lnT>
+                    <a:lnB w="9916" cap="flat" cmpd="sng" algn="ctr">
+                      <a:solidFill>
+                        <a:srgbClr val="FFFFFF"/>
+                      </a:solidFill>
+                      <a:prstDash val="solid"/>
+                      <a:round/>
+                      <a:headEnd type="none" w="med" len="med"/>
+                      <a:tailEnd type="none" w="med" len="med"/>
+                    </a:lnB>
+                    <a:solidFill>
+                      <a:srgbClr val="E7EAED"/>
+                    </a:solidFill>
+                  </a:tcPr>
                 </a:tc>
                 <a:extLst>
                   <a:ext uri="{0D108BD9-81ED-4DB2-BD59-A6C34878D82A}">
-                    <a16:rowId xmlns:a16="http://schemas.microsoft.com/office/drawing/2014/main" val="513485519"/>
-                  </a:ext>
-                </a:extLst>
-              </a:tr>
-              <a:tr h="890380">
-                <a:tc rowSpan="2">
-                  <a:txBody>
-                    <a:bodyPr/>
-                    <a:lstStyle/>
-                    <a:p>
-                      <a:pPr marL="0" marR="0" lvl="0" indent="0" algn="l" defTabSz="914400" rtl="0" eaLnBrk="1" fontAlgn="auto" latinLnBrk="0" hangingPunct="1">
-                        <a:lnSpc>
-                          <a:spcPct val="100000"/>
-                        </a:lnSpc>
-                        <a:spcBef>
-                          <a:spcPts val="0"/>
-                        </a:spcBef>
-                        <a:spcAft>
-                          <a:spcPts val="0"/>
-                        </a:spcAft>
-                        <a:buClrTx/>
-                        <a:buSzTx/>
-                        <a:buFontTx/>
-                        <a:buNone/>
-                        <a:tabLst/>
-                        <a:defRPr/>
-                      </a:pPr>
-                      <a:r>
-                        <a:rPr lang="en-US" dirty="0"/>
-                        <a:t>Min</a:t>
-                      </a:r>
-                      <a:r>
-                        <a:rPr lang="en-US" altLang="zh-CN" dirty="0"/>
-                        <a:t>i</a:t>
-                      </a:r>
-                      <a:r>
-                        <a:rPr lang="zh-CN" altLang="en-US" dirty="0"/>
-                        <a:t> </a:t>
-                      </a:r>
-                      <a:r>
-                        <a:rPr lang="en-US" altLang="zh-CN" dirty="0"/>
-                        <a:t>Spanning</a:t>
-                      </a:r>
-                      <a:r>
-                        <a:rPr lang="zh-CN" altLang="en-US" dirty="0"/>
-                        <a:t> </a:t>
-                      </a:r>
-                      <a:r>
-                        <a:rPr lang="en-US" altLang="zh-CN" dirty="0"/>
-                        <a:t>Tree</a:t>
-                      </a:r>
-                      <a:endParaRPr lang="en-US" dirty="0"/>
-                    </a:p>
-                  </a:txBody>
-                  <a:tcPr/>
-                </a:tc>
-                <a:tc>
-                  <a:txBody>
-                    <a:bodyPr/>
-                    <a:lstStyle/>
-                    <a:p>
-                      <a:r>
-                        <a:rPr lang="en-US" altLang="zh-CN" dirty="0"/>
-                        <a:t>Prim</a:t>
-                      </a:r>
-                      <a:endParaRPr lang="en-US" dirty="0"/>
-                    </a:p>
-                  </a:txBody>
-                  <a:tcPr/>
-                </a:tc>
-                <a:tc>
-                  <a:txBody>
-                    <a:bodyPr/>
-                    <a:lstStyle/>
-                    <a:p>
-                      <a:r>
-                        <a:rPr lang="en-US" altLang="zh-CN"/>
-                        <a:t>Yes</a:t>
-                      </a:r>
-                      <a:endParaRPr lang="en-US" dirty="0"/>
-                    </a:p>
-                  </a:txBody>
-                  <a:tcPr/>
-                </a:tc>
-                <a:tc>
-                  <a:txBody>
-                    <a:bodyPr/>
-                    <a:lstStyle/>
-                    <a:p>
-                      <a:r>
-                        <a:rPr lang="en-US" altLang="zh-CN" b="1" dirty="0"/>
-                        <a:t>Select</a:t>
-                      </a:r>
-                      <a:r>
-                        <a:rPr lang="zh-CN" altLang="en-US" b="1" dirty="0"/>
-                        <a:t> </a:t>
-                      </a:r>
-                      <a:r>
-                        <a:rPr lang="en-US" altLang="zh-CN" b="1" dirty="0"/>
-                        <a:t>the</a:t>
-                      </a:r>
-                      <a:r>
-                        <a:rPr lang="zh-CN" altLang="en-US" b="1" dirty="0"/>
-                        <a:t> </a:t>
-                      </a:r>
-                      <a:r>
-                        <a:rPr lang="en-US" altLang="zh-CN" b="1" dirty="0">
-                          <a:solidFill>
-                            <a:srgbClr val="C00000"/>
-                          </a:solidFill>
-                        </a:rPr>
-                        <a:t>node</a:t>
-                      </a:r>
-                      <a:r>
-                        <a:rPr lang="zh-CN" altLang="en-US" b="1" dirty="0"/>
-                        <a:t> </a:t>
-                      </a:r>
-                      <a:r>
-                        <a:rPr lang="en-US" altLang="zh-CN" b="1" dirty="0"/>
-                        <a:t>randomly</a:t>
-                      </a:r>
-                    </a:p>
-                    <a:p>
-                      <a:r>
-                        <a:rPr lang="en-US" altLang="zh-CN" dirty="0"/>
-                        <a:t>Choose</a:t>
-                      </a:r>
-                      <a:r>
-                        <a:rPr lang="zh-CN" altLang="en-US" dirty="0"/>
-                        <a:t> </a:t>
-                      </a:r>
-                      <a:r>
-                        <a:rPr lang="en-US" altLang="zh-CN" dirty="0"/>
-                        <a:t>the</a:t>
-                      </a:r>
-                      <a:r>
-                        <a:rPr lang="zh-CN" altLang="en-US" dirty="0"/>
-                        <a:t> </a:t>
-                      </a:r>
-                      <a:r>
-                        <a:rPr lang="en-US" altLang="zh-CN" dirty="0"/>
-                        <a:t>shortest</a:t>
-                      </a:r>
-                      <a:r>
-                        <a:rPr lang="zh-CN" altLang="en-US" dirty="0"/>
-                        <a:t> </a:t>
-                      </a:r>
-                      <a:r>
-                        <a:rPr lang="en-US" altLang="zh-CN" dirty="0"/>
-                        <a:t>edge</a:t>
-                      </a:r>
-                      <a:r>
-                        <a:rPr lang="zh-CN" altLang="en-US" dirty="0"/>
-                        <a:t> </a:t>
-                      </a:r>
-                      <a:r>
-                        <a:rPr lang="en-US" altLang="zh-CN" dirty="0"/>
-                        <a:t>every</a:t>
-                      </a:r>
-                      <a:r>
-                        <a:rPr lang="zh-CN" altLang="en-US" dirty="0"/>
-                        <a:t> </a:t>
-                      </a:r>
-                      <a:r>
-                        <a:rPr lang="en-US" altLang="zh-CN" dirty="0"/>
-                        <a:t>time</a:t>
-                      </a:r>
-                    </a:p>
-                    <a:p>
-                      <a:r>
-                        <a:rPr lang="en-US" altLang="zh-CN" dirty="0"/>
-                        <a:t>Running</a:t>
-                      </a:r>
-                      <a:r>
-                        <a:rPr lang="zh-CN" altLang="en-US" dirty="0"/>
-                        <a:t> </a:t>
-                      </a:r>
-                      <a:r>
-                        <a:rPr lang="en-US" altLang="zh-CN" dirty="0" err="1"/>
-                        <a:t>time:</a:t>
-                      </a:r>
-                      <a:r>
-                        <a:rPr lang="en-US" altLang="zh-CN" b="1" dirty="0" err="1"/>
-                        <a:t>VlogV</a:t>
-                      </a:r>
-                      <a:r>
-                        <a:rPr lang="en-US" altLang="zh-CN" b="1" dirty="0"/>
-                        <a:t> + </a:t>
-                      </a:r>
-                      <a:r>
-                        <a:rPr lang="en-US" altLang="zh-CN" b="1" dirty="0" err="1"/>
-                        <a:t>ElogE</a:t>
-                      </a:r>
-                      <a:endParaRPr lang="en-US" b="1" dirty="0"/>
-                    </a:p>
-                  </a:txBody>
-                  <a:tcPr/>
-                </a:tc>
-                <a:extLst>
-                  <a:ext uri="{0D108BD9-81ED-4DB2-BD59-A6C34878D82A}">
-                    <a16:rowId xmlns:a16="http://schemas.microsoft.com/office/drawing/2014/main" val="2040675422"/>
-                  </a:ext>
-                </a:extLst>
-              </a:tr>
-              <a:tr h="890380">
-                <a:tc vMerge="1">
-                  <a:txBody>
-                    <a:bodyPr/>
-                    <a:lstStyle/>
-                    <a:p>
-                      <a:endParaRPr lang="en-US" dirty="0"/>
-                    </a:p>
-                  </a:txBody>
-                  <a:tcPr/>
-                </a:tc>
-                <a:tc>
-                  <a:txBody>
-                    <a:bodyPr/>
-                    <a:lstStyle/>
-                    <a:p>
-                      <a:r>
-                        <a:rPr lang="en-US" altLang="zh-CN" dirty="0"/>
-                        <a:t>Kruskal</a:t>
-                      </a:r>
-                    </a:p>
-                    <a:p>
-                      <a:r>
-                        <a:rPr lang="en-US" altLang="zh-CN" dirty="0"/>
-                        <a:t>Union</a:t>
-                      </a:r>
-                      <a:r>
-                        <a:rPr lang="zh-CN" altLang="en-US" dirty="0"/>
-                        <a:t> </a:t>
-                      </a:r>
-                      <a:r>
-                        <a:rPr lang="en-US" altLang="zh-CN" dirty="0"/>
-                        <a:t>Find</a:t>
-                      </a:r>
-                      <a:endParaRPr lang="en-US" dirty="0"/>
-                    </a:p>
-                  </a:txBody>
-                  <a:tcPr/>
-                </a:tc>
-                <a:tc>
-                  <a:txBody>
-                    <a:bodyPr/>
-                    <a:lstStyle/>
-                    <a:p>
-                      <a:r>
-                        <a:rPr lang="en-US" altLang="zh-CN" dirty="0"/>
-                        <a:t>Yes</a:t>
-                      </a:r>
-                      <a:endParaRPr lang="en-US" dirty="0"/>
-                    </a:p>
-                  </a:txBody>
-                  <a:tcPr/>
-                </a:tc>
-                <a:tc>
-                  <a:txBody>
-                    <a:bodyPr/>
-                    <a:lstStyle/>
-                    <a:p>
-                      <a:r>
-                        <a:rPr lang="en-US" altLang="zh-CN" dirty="0"/>
-                        <a:t>S</a:t>
-                      </a:r>
-                      <a:r>
-                        <a:rPr lang="en-US" altLang="zh-CN" b="1" dirty="0"/>
-                        <a:t>elect</a:t>
-                      </a:r>
-                      <a:r>
-                        <a:rPr lang="zh-CN" altLang="en-US" b="1" dirty="0"/>
-                        <a:t> </a:t>
-                      </a:r>
-                      <a:r>
-                        <a:rPr lang="en-US" altLang="zh-CN" b="1" dirty="0"/>
-                        <a:t>the</a:t>
-                      </a:r>
-                      <a:r>
-                        <a:rPr lang="zh-CN" altLang="en-US" b="1" dirty="0"/>
-                        <a:t> </a:t>
-                      </a:r>
-                      <a:r>
-                        <a:rPr lang="en-US" altLang="zh-CN" b="1" dirty="0"/>
-                        <a:t>shortest</a:t>
-                      </a:r>
-                      <a:r>
-                        <a:rPr lang="zh-CN" altLang="en-US" b="1" dirty="0"/>
-                        <a:t> </a:t>
-                      </a:r>
-                      <a:r>
-                        <a:rPr lang="en-US" altLang="zh-CN" b="1" dirty="0">
-                          <a:solidFill>
-                            <a:srgbClr val="C00000"/>
-                          </a:solidFill>
-                        </a:rPr>
-                        <a:t>edge</a:t>
-                      </a:r>
-                      <a:r>
-                        <a:rPr lang="zh-CN" altLang="en-US" b="1" dirty="0"/>
-                        <a:t> </a:t>
-                      </a:r>
-                      <a:r>
-                        <a:rPr lang="en-US" altLang="zh-CN" b="1" dirty="0"/>
-                        <a:t>firstly</a:t>
-                      </a:r>
-                      <a:r>
-                        <a:rPr lang="zh-CN" altLang="en-US" b="1" dirty="0"/>
-                        <a:t>，整体逻辑首先对边进行</a:t>
-                      </a:r>
-                      <a:r>
-                        <a:rPr lang="en-US" altLang="zh-CN" b="1" dirty="0"/>
-                        <a:t>Sort</a:t>
-                      </a:r>
-                      <a:r>
-                        <a:rPr lang="zh-CN" altLang="en-US" b="1" dirty="0"/>
-                        <a:t>，每次运行选择权重最小的边。</a:t>
-                      </a:r>
-                      <a:endParaRPr lang="en-US" altLang="zh-CN" b="1" dirty="0"/>
-                    </a:p>
-                    <a:p>
-                      <a:pPr marL="0" marR="0" lvl="0" indent="0" algn="l" defTabSz="914400" rtl="0" eaLnBrk="1" fontAlgn="auto" latinLnBrk="0" hangingPunct="1">
-                        <a:lnSpc>
-                          <a:spcPct val="100000"/>
-                        </a:lnSpc>
-                        <a:spcBef>
-                          <a:spcPts val="0"/>
-                        </a:spcBef>
-                        <a:spcAft>
-                          <a:spcPts val="0"/>
-                        </a:spcAft>
-                        <a:buClrTx/>
-                        <a:buSzTx/>
-                        <a:buFontTx/>
-                        <a:buNone/>
-                        <a:tabLst/>
-                        <a:defRPr/>
-                      </a:pPr>
-                      <a:r>
-                        <a:rPr lang="en-US" altLang="zh-CN" b="1" dirty="0"/>
-                        <a:t>Running</a:t>
-                      </a:r>
-                      <a:r>
-                        <a:rPr lang="zh-CN" altLang="en-US" b="1" dirty="0"/>
-                        <a:t> </a:t>
-                      </a:r>
-                      <a:r>
-                        <a:rPr lang="en-US" altLang="zh-CN" b="1" dirty="0"/>
-                        <a:t>time</a:t>
-                      </a:r>
-                      <a:r>
-                        <a:rPr lang="zh-CN" altLang="en-US" b="1" dirty="0"/>
-                        <a:t>：</a:t>
-                      </a:r>
-                      <a:r>
-                        <a:rPr lang="en-US" altLang="zh-CN" b="1" dirty="0" err="1"/>
-                        <a:t>ElogE+E</a:t>
-                      </a:r>
-                      <a:endParaRPr lang="en-US" altLang="zh-CN" b="1" dirty="0"/>
-                    </a:p>
-                  </a:txBody>
-                  <a:tcPr/>
-                </a:tc>
-                <a:extLst>
-                  <a:ext uri="{0D108BD9-81ED-4DB2-BD59-A6C34878D82A}">
-                    <a16:rowId xmlns:a16="http://schemas.microsoft.com/office/drawing/2014/main" val="696006721"/>
-                  </a:ext>
-                </a:extLst>
-              </a:tr>
-              <a:tr h="890380">
-                <a:tc>
-                  <a:txBody>
-                    <a:bodyPr/>
-                    <a:lstStyle/>
-                    <a:p>
-                      <a:endParaRPr lang="en-US" dirty="0"/>
-                    </a:p>
-                  </a:txBody>
-                  <a:tcPr/>
-                </a:tc>
-                <a:tc>
-                  <a:txBody>
-                    <a:bodyPr/>
-                    <a:lstStyle/>
-                    <a:p>
-                      <a:r>
-                        <a:rPr lang="en-US" dirty="0"/>
-                        <a:t>Activity</a:t>
-                      </a:r>
-                      <a:r>
-                        <a:rPr lang="zh-CN" altLang="en-US" dirty="0"/>
-                        <a:t> </a:t>
-                      </a:r>
-                      <a:r>
-                        <a:rPr lang="en-US" altLang="zh-CN" dirty="0"/>
-                        <a:t>Selection</a:t>
-                      </a:r>
-                      <a:endParaRPr lang="en-US" dirty="0"/>
-                    </a:p>
-                  </a:txBody>
-                  <a:tcPr/>
-                </a:tc>
-                <a:tc>
-                  <a:txBody>
-                    <a:bodyPr/>
-                    <a:lstStyle/>
-                    <a:p>
-                      <a:endParaRPr lang="en-US" dirty="0"/>
-                    </a:p>
-                  </a:txBody>
-                  <a:tcPr/>
-                </a:tc>
-                <a:tc>
-                  <a:txBody>
-                    <a:bodyPr/>
-                    <a:lstStyle/>
-                    <a:p>
-                      <a:r>
-                        <a:rPr lang="en-US" dirty="0"/>
-                        <a:t>S</a:t>
-                      </a:r>
-                      <a:r>
-                        <a:rPr lang="en-US" altLang="zh-CN" dirty="0"/>
-                        <a:t>ort</a:t>
-                      </a:r>
-                      <a:r>
-                        <a:rPr lang="zh-CN" altLang="en-US" dirty="0"/>
-                        <a:t>按照结束和开始时间都可以</a:t>
-                      </a:r>
-                      <a:endParaRPr lang="en-US" altLang="zh-CN" dirty="0"/>
-                    </a:p>
-                    <a:p>
-                      <a:r>
-                        <a:rPr lang="en-US" dirty="0" err="1">
-                          <a:solidFill>
-                            <a:srgbClr val="0070C0"/>
-                          </a:solidFill>
-                        </a:rPr>
-                        <a:t>重点识别最大的子序列</a:t>
-                      </a:r>
-                      <a:r>
-                        <a:rPr lang="zh-CN" altLang="en-US" dirty="0">
-                          <a:solidFill>
-                            <a:srgbClr val="0070C0"/>
-                          </a:solidFill>
-                        </a:rPr>
-                        <a:t>，即最多能安排课程（并不代表时间和收益最大）</a:t>
-                      </a:r>
-                      <a:endParaRPr lang="en-US" altLang="zh-CN" dirty="0">
-                        <a:solidFill>
-                          <a:srgbClr val="0070C0"/>
-                        </a:solidFill>
-                      </a:endParaRPr>
-                    </a:p>
-                    <a:p>
-                      <a:pPr marL="0" marR="0" lvl="0" indent="0" algn="l" defTabSz="914400" rtl="0" eaLnBrk="1" fontAlgn="auto" latinLnBrk="0" hangingPunct="1">
-                        <a:lnSpc>
-                          <a:spcPct val="100000"/>
-                        </a:lnSpc>
-                        <a:spcBef>
-                          <a:spcPts val="0"/>
-                        </a:spcBef>
-                        <a:spcAft>
-                          <a:spcPts val="0"/>
-                        </a:spcAft>
-                        <a:buClrTx/>
-                        <a:buSzTx/>
-                        <a:buFontTx/>
-                        <a:buNone/>
-                        <a:tabLst/>
-                        <a:defRPr/>
-                      </a:pPr>
-                      <a:r>
-                        <a:rPr lang="en-US" altLang="zh-CN" b="1" dirty="0"/>
-                        <a:t>Running</a:t>
-                      </a:r>
-                      <a:r>
-                        <a:rPr lang="zh-CN" altLang="en-US" b="1" dirty="0"/>
-                        <a:t> </a:t>
-                      </a:r>
-                      <a:r>
-                        <a:rPr lang="en-US" altLang="zh-CN" b="1" dirty="0"/>
-                        <a:t>time</a:t>
-                      </a:r>
-                      <a:r>
-                        <a:rPr lang="zh-CN" altLang="en-US" b="1" dirty="0"/>
-                        <a:t>：</a:t>
-                      </a:r>
-                      <a:r>
-                        <a:rPr lang="en-US" altLang="zh-CN" b="1" dirty="0" err="1"/>
-                        <a:t>nlogn</a:t>
-                      </a:r>
-                      <a:endParaRPr lang="en-US" altLang="zh-CN" b="1" dirty="0"/>
-                    </a:p>
-                  </a:txBody>
-                  <a:tcPr/>
-                </a:tc>
-                <a:extLst>
-                  <a:ext uri="{0D108BD9-81ED-4DB2-BD59-A6C34878D82A}">
-                    <a16:rowId xmlns:a16="http://schemas.microsoft.com/office/drawing/2014/main" val="2576215034"/>
-                  </a:ext>
-                </a:extLst>
-              </a:tr>
-              <a:tr h="890380">
-                <a:tc>
-                  <a:txBody>
-                    <a:bodyPr/>
-                    <a:lstStyle/>
-                    <a:p>
-                      <a:endParaRPr lang="en-US" dirty="0"/>
-                    </a:p>
-                  </a:txBody>
-                  <a:tcPr/>
-                </a:tc>
-                <a:tc>
-                  <a:txBody>
-                    <a:bodyPr/>
-                    <a:lstStyle/>
-                    <a:p>
-                      <a:r>
-                        <a:rPr lang="en-US" dirty="0"/>
-                        <a:t>Interval</a:t>
-                      </a:r>
-                      <a:r>
-                        <a:rPr lang="zh-CN" altLang="en-US" dirty="0"/>
-                        <a:t> </a:t>
-                      </a:r>
-                      <a:r>
-                        <a:rPr lang="en-US" altLang="zh-CN" dirty="0"/>
-                        <a:t>Scheduling</a:t>
-                      </a:r>
-                      <a:endParaRPr lang="en-US" dirty="0"/>
-                    </a:p>
-                  </a:txBody>
-                  <a:tcPr/>
-                </a:tc>
-                <a:tc>
-                  <a:txBody>
-                    <a:bodyPr/>
-                    <a:lstStyle/>
-                    <a:p>
-                      <a:endParaRPr lang="en-US" dirty="0"/>
-                    </a:p>
-                  </a:txBody>
-                  <a:tcPr/>
-                </a:tc>
-                <a:tc>
-                  <a:txBody>
-                    <a:bodyPr/>
-                    <a:lstStyle/>
-                    <a:p>
-                      <a:pPr marL="0" marR="0" lvl="0" indent="0" algn="l" defTabSz="914400" rtl="0" eaLnBrk="1" fontAlgn="auto" latinLnBrk="0" hangingPunct="1">
-                        <a:lnSpc>
-                          <a:spcPct val="100000"/>
-                        </a:lnSpc>
-                        <a:spcBef>
-                          <a:spcPts val="0"/>
-                        </a:spcBef>
-                        <a:spcAft>
-                          <a:spcPts val="0"/>
-                        </a:spcAft>
-                        <a:buClrTx/>
-                        <a:buSzTx/>
-                        <a:buFontTx/>
-                        <a:buNone/>
-                        <a:tabLst/>
-                        <a:defRPr/>
-                      </a:pPr>
-                      <a:r>
-                        <a:rPr lang="en-US" dirty="0"/>
-                        <a:t>S</a:t>
-                      </a:r>
-                      <a:r>
-                        <a:rPr lang="en-US" altLang="zh-CN" dirty="0"/>
-                        <a:t>ort</a:t>
-                      </a:r>
-                      <a:r>
-                        <a:rPr lang="zh-CN" altLang="en-US" dirty="0"/>
-                        <a:t>按照结束和开始时间都可以</a:t>
-                      </a:r>
-                      <a:endParaRPr lang="en-US" altLang="zh-CN" dirty="0"/>
-                    </a:p>
-                    <a:p>
-                      <a:pPr marL="0" marR="0" lvl="0" indent="0" algn="l" defTabSz="914400" rtl="0" eaLnBrk="1" fontAlgn="auto" latinLnBrk="0" hangingPunct="1">
-                        <a:lnSpc>
-                          <a:spcPct val="100000"/>
-                        </a:lnSpc>
-                        <a:spcBef>
-                          <a:spcPts val="0"/>
-                        </a:spcBef>
-                        <a:spcAft>
-                          <a:spcPts val="0"/>
-                        </a:spcAft>
-                        <a:buClrTx/>
-                        <a:buSzTx/>
-                        <a:buFontTx/>
-                        <a:buNone/>
-                        <a:tabLst/>
-                        <a:defRPr/>
-                      </a:pPr>
-                      <a:r>
-                        <a:rPr lang="zh-CN" altLang="en-US" dirty="0">
-                          <a:solidFill>
-                            <a:srgbClr val="0070C0"/>
-                          </a:solidFill>
-                        </a:rPr>
-                        <a:t>重点是最小的教室数量安排所有的课程</a:t>
-                      </a:r>
-                      <a:endParaRPr lang="en-US" dirty="0">
-                        <a:solidFill>
-                          <a:srgbClr val="0070C0"/>
-                        </a:solidFill>
-                      </a:endParaRPr>
-                    </a:p>
-                    <a:p>
-                      <a:pPr marL="0" marR="0" lvl="0" indent="0" algn="l" defTabSz="914400" rtl="0" eaLnBrk="1" fontAlgn="auto" latinLnBrk="0" hangingPunct="1">
-                        <a:lnSpc>
-                          <a:spcPct val="100000"/>
-                        </a:lnSpc>
-                        <a:spcBef>
-                          <a:spcPts val="0"/>
-                        </a:spcBef>
-                        <a:spcAft>
-                          <a:spcPts val="0"/>
-                        </a:spcAft>
-                        <a:buClrTx/>
-                        <a:buSzTx/>
-                        <a:buFontTx/>
-                        <a:buNone/>
-                        <a:tabLst/>
-                        <a:defRPr/>
-                      </a:pPr>
-                      <a:r>
-                        <a:rPr lang="en-US" altLang="zh-CN" b="1" dirty="0"/>
-                        <a:t>Running</a:t>
-                      </a:r>
-                      <a:r>
-                        <a:rPr lang="zh-CN" altLang="en-US" b="1" dirty="0"/>
-                        <a:t> </a:t>
-                      </a:r>
-                      <a:r>
-                        <a:rPr lang="en-US" altLang="zh-CN" b="1" dirty="0"/>
-                        <a:t>time</a:t>
-                      </a:r>
-                      <a:r>
-                        <a:rPr lang="zh-CN" altLang="en-US" b="1" dirty="0"/>
-                        <a:t>：</a:t>
-                      </a:r>
-                      <a:r>
-                        <a:rPr lang="en-US" altLang="zh-CN" b="1" dirty="0" err="1"/>
-                        <a:t>nlogn</a:t>
-                      </a:r>
-                      <a:endParaRPr lang="en-US" altLang="zh-CN" b="1" dirty="0"/>
-                    </a:p>
-                  </a:txBody>
-                  <a:tcPr/>
-                </a:tc>
-                <a:extLst>
-                  <a:ext uri="{0D108BD9-81ED-4DB2-BD59-A6C34878D82A}">
-                    <a16:rowId xmlns:a16="http://schemas.microsoft.com/office/drawing/2014/main" val="3002195060"/>
+                    <a16:rowId xmlns:a16="http://schemas.microsoft.com/office/drawing/2014/main" val="2300361325"/>
                   </a:ext>
                 </a:extLst>
               </a:tr>
@@ -4527,6 +7073,51 @@
           </a:graphicData>
         </a:graphic>
       </p:graphicFrame>
+      <p:pic>
+        <p:nvPicPr>
+          <p:cNvPr id="5" name="Picture 4">
+            <a:extLst>
+              <a:ext uri="{FF2B5EF4-FFF2-40B4-BE49-F238E27FC236}">
+                <a16:creationId xmlns:a16="http://schemas.microsoft.com/office/drawing/2014/main" id="{32304CB4-A836-9EEF-DF21-9192F9079616}"/>
+              </a:ext>
+            </a:extLst>
+          </p:cNvPr>
+          <p:cNvPicPr>
+            <a:picLocks noChangeAspect="1" noChangeArrowheads="1"/>
+          </p:cNvPicPr>
+          <p:nvPr/>
+        </p:nvPicPr>
+        <p:blipFill rotWithShape="1">
+          <a:blip r:embed="rId2">
+            <a:extLst>
+              <a:ext uri="{28A0092B-C50C-407E-A947-70E740481C1C}">
+                <a14:useLocalDpi xmlns:a14="http://schemas.microsoft.com/office/drawing/2010/main" val="0"/>
+              </a:ext>
+            </a:extLst>
+          </a:blip>
+          <a:srcRect r="40529"/>
+          <a:stretch/>
+        </p:blipFill>
+        <p:spPr bwMode="auto">
+          <a:xfrm>
+            <a:off x="109706" y="3400196"/>
+            <a:ext cx="2526664" cy="2442942"/>
+          </a:xfrm>
+          <a:prstGeom prst="rect">
+            <a:avLst/>
+          </a:prstGeom>
+          <a:noFill/>
+          <a:extLst>
+            <a:ext uri="{909E8E84-426E-40DD-AFC4-6F175D3DCCD1}">
+              <a14:hiddenFill xmlns:a14="http://schemas.microsoft.com/office/drawing/2010/main">
+                <a:solidFill>
+                  <a:srgbClr val="FFFFFF"/>
+                </a:solidFill>
+              </a14:hiddenFill>
+            </a:ext>
+          </a:extLst>
+        </p:spPr>
+      </p:pic>
       <p:sp>
         <p:nvSpPr>
           <p:cNvPr id="6" name="TextBox 5">
@@ -4541,8 +7132,8 @@
         </p:nvSpPr>
         <p:spPr>
           <a:xfrm>
-            <a:off x="163287" y="183470"/>
-            <a:ext cx="7662552" cy="369332"/>
+            <a:off x="0" y="0"/>
+            <a:ext cx="7662552" cy="646331"/>
           </a:xfrm>
           <a:prstGeom prst="rect">
             <a:avLst/>
@@ -4596,113 +7187,943 @@
               <a:t> </a:t>
             </a:r>
             <a:r>
-              <a:rPr lang="en-US" altLang="zh-CN" b="1" dirty="0">
+              <a:rPr lang="en-US" sz="1800" dirty="0">
                 <a:solidFill>
-                  <a:srgbClr val="C00000"/>
+                  <a:srgbClr val="0000FF"/>
                 </a:solidFill>
+                <a:effectLst/>
+                <a:latin typeface="CMTI10"/>
               </a:rPr>
-              <a:t>Please</a:t>
-            </a:r>
-            <a:r>
-              <a:rPr lang="zh-CN" altLang="en-US" b="1" dirty="0">
+              <a:t>Sort we</a:t>
+            </a:r>
+            <a:r>
+              <a:rPr lang="en-US" altLang="zh-CN" sz="1800" dirty="0">
                 <a:solidFill>
-                  <a:srgbClr val="C00000"/>
+                  <a:srgbClr val="0000FF"/>
                 </a:solidFill>
+                <a:effectLst/>
+                <a:latin typeface="CMTI10"/>
+              </a:rPr>
+              <a:t>ight/prob</a:t>
+            </a:r>
+            <a:r>
+              <a:rPr lang="en-US" sz="1800" dirty="0">
+                <a:solidFill>
+                  <a:srgbClr val="0000FF"/>
+                </a:solidFill>
+                <a:effectLst/>
+                <a:latin typeface="CMTI10"/>
+              </a:rPr>
+              <a:t> by </a:t>
+            </a:r>
+            <a:r>
+              <a:rPr lang="en-US" altLang="zh-CN" sz="1800" dirty="0">
+                <a:solidFill>
+                  <a:srgbClr val="0000FF"/>
+                </a:solidFill>
+                <a:effectLst/>
+                <a:latin typeface="CMTI10"/>
+              </a:rPr>
+              <a:t>xx</a:t>
+            </a:r>
+            <a:r>
+              <a:rPr lang="zh-CN" altLang="en-US" sz="1800" dirty="0">
+                <a:solidFill>
+                  <a:srgbClr val="0000FF"/>
+                </a:solidFill>
+                <a:effectLst/>
+                <a:latin typeface="CMTI10"/>
               </a:rPr>
               <a:t> </a:t>
             </a:r>
             <a:r>
-              <a:rPr lang="en-US" altLang="zh-CN" b="1" dirty="0">
+              <a:rPr lang="en-US" sz="1800" dirty="0">
                 <a:solidFill>
-                  <a:srgbClr val="C00000"/>
+                  <a:srgbClr val="0000FF"/>
                 </a:solidFill>
+                <a:effectLst/>
+                <a:latin typeface="CMTI10"/>
               </a:rPr>
-              <a:t>must</a:t>
-            </a:r>
-            <a:r>
-              <a:rPr lang="zh-CN" altLang="en-US" b="1" dirty="0">
+              <a:t>in </a:t>
+            </a:r>
+            <a:r>
+              <a:rPr lang="en-US" altLang="zh-CN" sz="1800" dirty="0">
                 <a:solidFill>
-                  <a:srgbClr val="C00000"/>
+                  <a:srgbClr val="0000FF"/>
                 </a:solidFill>
+                <a:effectLst/>
+                <a:latin typeface="CMTI10"/>
               </a:rPr>
-              <a:t> </a:t>
-            </a:r>
-            <a:r>
-              <a:rPr lang="en-US" altLang="zh-CN" b="1" dirty="0">
+              <a:t>in</a:t>
+            </a:r>
+            <a:r>
+              <a:rPr lang="en-US" sz="1800" dirty="0">
                 <a:solidFill>
-                  <a:srgbClr val="C00000"/>
+                  <a:srgbClr val="0000FF"/>
                 </a:solidFill>
+                <a:effectLst/>
+                <a:latin typeface="CMTI10"/>
               </a:rPr>
-              <a:t>sort</a:t>
-            </a:r>
-            <a:r>
-              <a:rPr lang="zh-CN" altLang="en-US" b="1" dirty="0">
-                <a:solidFill>
-                  <a:srgbClr val="C00000"/>
-                </a:solidFill>
-              </a:rPr>
-              <a:t> </a:t>
-            </a:r>
-            <a:r>
-              <a:rPr lang="en-US" altLang="zh-CN" b="1" dirty="0">
-                <a:solidFill>
-                  <a:srgbClr val="C00000"/>
-                </a:solidFill>
-              </a:rPr>
-              <a:t>the</a:t>
-            </a:r>
-            <a:r>
-              <a:rPr lang="zh-CN" altLang="en-US" b="1" dirty="0">
-                <a:solidFill>
-                  <a:srgbClr val="C00000"/>
-                </a:solidFill>
-              </a:rPr>
-              <a:t> </a:t>
-            </a:r>
-            <a:r>
-              <a:rPr lang="en-US" altLang="zh-CN" b="1" dirty="0">
-                <a:solidFill>
-                  <a:srgbClr val="C00000"/>
-                </a:solidFill>
-              </a:rPr>
-              <a:t>data</a:t>
-            </a:r>
-            <a:r>
-              <a:rPr lang="zh-CN" altLang="en-US" b="1" dirty="0">
-                <a:solidFill>
-                  <a:srgbClr val="C00000"/>
-                </a:solidFill>
-              </a:rPr>
-              <a:t> </a:t>
-            </a:r>
-            <a:r>
-              <a:rPr lang="en-US" altLang="zh-CN" b="1" dirty="0">
-                <a:solidFill>
-                  <a:srgbClr val="C00000"/>
-                </a:solidFill>
-              </a:rPr>
-              <a:t>before</a:t>
-            </a:r>
-            <a:r>
-              <a:rPr lang="zh-CN" altLang="en-US" b="1" dirty="0">
-                <a:solidFill>
-                  <a:srgbClr val="C00000"/>
-                </a:solidFill>
-              </a:rPr>
-              <a:t> </a:t>
-            </a:r>
-            <a:r>
-              <a:rPr lang="en-US" altLang="zh-CN" b="1" dirty="0">
-                <a:solidFill>
-                  <a:srgbClr val="C00000"/>
-                </a:solidFill>
-              </a:rPr>
-              <a:t>algorithm</a:t>
-            </a:r>
+              <a:t>creasing order </a:t>
+            </a:r>
+            <a:endParaRPr lang="en-US" dirty="0">
+              <a:effectLst/>
+            </a:endParaRPr>
+          </a:p>
+          <a:p>
             <a:endParaRPr lang="en-US" b="1" dirty="0">
               <a:solidFill>
                 <a:srgbClr val="C00000"/>
               </a:solidFill>
+            </a:endParaRPr>
+          </a:p>
+        </p:txBody>
+      </p:sp>
+      <p:pic>
+        <p:nvPicPr>
+          <p:cNvPr id="2" name="Picture 2">
+            <a:extLst>
+              <a:ext uri="{FF2B5EF4-FFF2-40B4-BE49-F238E27FC236}">
+                <a16:creationId xmlns:a16="http://schemas.microsoft.com/office/drawing/2014/main" id="{6291886E-1448-447F-1849-B44ADE4FF3E1}"/>
+              </a:ext>
+            </a:extLst>
+          </p:cNvPr>
+          <p:cNvPicPr>
+            <a:picLocks noChangeAspect="1" noChangeArrowheads="1"/>
+          </p:cNvPicPr>
+          <p:nvPr/>
+        </p:nvPicPr>
+        <p:blipFill>
+          <a:blip r:embed="rId3">
+            <a:extLst>
+              <a:ext uri="{28A0092B-C50C-407E-A947-70E740481C1C}">
+                <a14:useLocalDpi xmlns:a14="http://schemas.microsoft.com/office/drawing/2010/main" val="0"/>
+              </a:ext>
+            </a:extLst>
+          </a:blip>
+          <a:srcRect/>
+          <a:stretch>
+            <a:fillRect/>
+          </a:stretch>
+        </p:blipFill>
+        <p:spPr bwMode="auto">
+          <a:xfrm>
+            <a:off x="8168703" y="0"/>
+            <a:ext cx="4023297" cy="2926035"/>
+          </a:xfrm>
+          <a:prstGeom prst="rect">
+            <a:avLst/>
+          </a:prstGeom>
+          <a:noFill/>
+          <a:extLst>
+            <a:ext uri="{909E8E84-426E-40DD-AFC4-6F175D3DCCD1}">
+              <a14:hiddenFill xmlns:a14="http://schemas.microsoft.com/office/drawing/2010/main">
+                <a:solidFill>
+                  <a:srgbClr val="FFFFFF"/>
+                </a:solidFill>
+              </a14:hiddenFill>
+            </a:ext>
+          </a:extLst>
+        </p:spPr>
+      </p:pic>
+      <p:pic>
+        <p:nvPicPr>
+          <p:cNvPr id="3" name="Picture 2">
+            <a:extLst>
+              <a:ext uri="{FF2B5EF4-FFF2-40B4-BE49-F238E27FC236}">
+                <a16:creationId xmlns:a16="http://schemas.microsoft.com/office/drawing/2014/main" id="{B85D79DC-75BF-ABAE-DC1D-EB536BAC0D30}"/>
+              </a:ext>
+            </a:extLst>
+          </p:cNvPr>
+          <p:cNvPicPr>
+            <a:picLocks noChangeAspect="1" noChangeArrowheads="1"/>
+          </p:cNvPicPr>
+          <p:nvPr/>
+        </p:nvPicPr>
+        <p:blipFill>
+          <a:blip r:embed="rId4">
+            <a:extLst>
+              <a:ext uri="{28A0092B-C50C-407E-A947-70E740481C1C}">
+                <a14:useLocalDpi xmlns:a14="http://schemas.microsoft.com/office/drawing/2010/main" val="0"/>
+              </a:ext>
+            </a:extLst>
+          </a:blip>
+          <a:srcRect/>
+          <a:stretch>
+            <a:fillRect/>
+          </a:stretch>
+        </p:blipFill>
+        <p:spPr bwMode="auto">
+          <a:xfrm>
+            <a:off x="8092090" y="2986616"/>
+            <a:ext cx="4099910" cy="2260076"/>
+          </a:xfrm>
+          <a:prstGeom prst="rect">
+            <a:avLst/>
+          </a:prstGeom>
+          <a:noFill/>
+          <a:extLst>
+            <a:ext uri="{909E8E84-426E-40DD-AFC4-6F175D3DCCD1}">
+              <a14:hiddenFill xmlns:a14="http://schemas.microsoft.com/office/drawing/2010/main">
+                <a:solidFill>
+                  <a:srgbClr val="FFFFFF"/>
+                </a:solidFill>
+              </a14:hiddenFill>
+            </a:ext>
+          </a:extLst>
+        </p:spPr>
+      </p:pic>
+      <p:pic>
+        <p:nvPicPr>
+          <p:cNvPr id="7" name="Picture 4">
+            <a:extLst>
+              <a:ext uri="{FF2B5EF4-FFF2-40B4-BE49-F238E27FC236}">
+                <a16:creationId xmlns:a16="http://schemas.microsoft.com/office/drawing/2014/main" id="{8AA28E51-2300-CF5B-A107-253D8626D2A1}"/>
+              </a:ext>
+            </a:extLst>
+          </p:cNvPr>
+          <p:cNvPicPr>
+            <a:picLocks noChangeAspect="1" noChangeArrowheads="1"/>
+          </p:cNvPicPr>
+          <p:nvPr/>
+        </p:nvPicPr>
+        <p:blipFill>
+          <a:blip r:embed="rId5">
+            <a:extLst>
+              <a:ext uri="{28A0092B-C50C-407E-A947-70E740481C1C}">
+                <a14:useLocalDpi xmlns:a14="http://schemas.microsoft.com/office/drawing/2010/main" val="0"/>
+              </a:ext>
+            </a:extLst>
+          </a:blip>
+          <a:srcRect/>
+          <a:stretch>
+            <a:fillRect/>
+          </a:stretch>
+        </p:blipFill>
+        <p:spPr bwMode="auto">
+          <a:xfrm>
+            <a:off x="3875560" y="3415323"/>
+            <a:ext cx="4167068" cy="2724220"/>
+          </a:xfrm>
+          <a:prstGeom prst="rect">
+            <a:avLst/>
+          </a:prstGeom>
+          <a:noFill/>
+          <a:extLst>
+            <a:ext uri="{909E8E84-426E-40DD-AFC4-6F175D3DCCD1}">
+              <a14:hiddenFill xmlns:a14="http://schemas.microsoft.com/office/drawing/2010/main">
+                <a:solidFill>
+                  <a:srgbClr val="FFFFFF"/>
+                </a:solidFill>
+              </a14:hiddenFill>
+            </a:ext>
+          </a:extLst>
+        </p:spPr>
+      </p:pic>
+      <p:pic>
+        <p:nvPicPr>
+          <p:cNvPr id="8" name="Picture 7">
+            <a:extLst>
+              <a:ext uri="{FF2B5EF4-FFF2-40B4-BE49-F238E27FC236}">
+                <a16:creationId xmlns:a16="http://schemas.microsoft.com/office/drawing/2014/main" id="{82C7FF7C-414D-BB48-08E1-C763E1495475}"/>
+              </a:ext>
+            </a:extLst>
+          </p:cNvPr>
+          <p:cNvPicPr>
+            <a:picLocks noChangeAspect="1" noChangeArrowheads="1"/>
+          </p:cNvPicPr>
+          <p:nvPr/>
+        </p:nvPicPr>
+        <p:blipFill rotWithShape="1">
+          <a:blip r:embed="rId2">
+            <a:extLst>
+              <a:ext uri="{28A0092B-C50C-407E-A947-70E740481C1C}">
+                <a14:useLocalDpi xmlns:a14="http://schemas.microsoft.com/office/drawing/2010/main" val="0"/>
+              </a:ext>
+            </a:extLst>
+          </a:blip>
+          <a:srcRect l="76223"/>
+          <a:stretch/>
+        </p:blipFill>
+        <p:spPr bwMode="auto">
+          <a:xfrm>
+            <a:off x="2690765" y="3429000"/>
+            <a:ext cx="1245854" cy="3012851"/>
+          </a:xfrm>
+          <a:prstGeom prst="rect">
+            <a:avLst/>
+          </a:prstGeom>
+          <a:noFill/>
+          <a:extLst>
+            <a:ext uri="{909E8E84-426E-40DD-AFC4-6F175D3DCCD1}">
+              <a14:hiddenFill xmlns:a14="http://schemas.microsoft.com/office/drawing/2010/main">
+                <a:solidFill>
+                  <a:srgbClr val="FFFFFF"/>
+                </a:solidFill>
+              </a14:hiddenFill>
+            </a:ext>
+          </a:extLst>
+        </p:spPr>
+      </p:pic>
+      <p:sp>
+        <p:nvSpPr>
+          <p:cNvPr id="9" name="Oval 8">
+            <a:extLst>
+              <a:ext uri="{FF2B5EF4-FFF2-40B4-BE49-F238E27FC236}">
+                <a16:creationId xmlns:a16="http://schemas.microsoft.com/office/drawing/2014/main" id="{B7F43810-596C-E724-73FB-EE4C9A45369F}"/>
+              </a:ext>
+            </a:extLst>
+          </p:cNvPr>
+          <p:cNvSpPr/>
+          <p:nvPr/>
+        </p:nvSpPr>
+        <p:spPr>
+          <a:xfrm>
+            <a:off x="56123" y="730274"/>
+            <a:ext cx="2665306" cy="325363"/>
+          </a:xfrm>
+          <a:prstGeom prst="ellipse">
+            <a:avLst/>
+          </a:prstGeom>
+          <a:noFill/>
+          <a:ln>
+            <a:solidFill>
+              <a:srgbClr val="FF0000"/>
+            </a:solidFill>
+          </a:ln>
+        </p:spPr>
+        <p:style>
+          <a:lnRef idx="2">
+            <a:schemeClr val="accent1">
+              <a:shade val="15000"/>
+            </a:schemeClr>
+          </a:lnRef>
+          <a:fillRef idx="1">
+            <a:schemeClr val="accent1"/>
+          </a:fillRef>
+          <a:effectRef idx="0">
+            <a:schemeClr val="accent1"/>
+          </a:effectRef>
+          <a:fontRef idx="minor">
+            <a:schemeClr val="lt1"/>
+          </a:fontRef>
+        </p:style>
+        <p:txBody>
+          <a:bodyPr rtlCol="0" anchor="ctr"/>
+          <a:lstStyle/>
+          <a:p>
+            <a:pPr algn="ctr"/>
+            <a:endParaRPr lang="en-US"/>
+          </a:p>
+        </p:txBody>
+      </p:sp>
+      <p:cxnSp>
+        <p:nvCxnSpPr>
+          <p:cNvPr id="11" name="Curved Connector 10">
+            <a:extLst>
+              <a:ext uri="{FF2B5EF4-FFF2-40B4-BE49-F238E27FC236}">
+                <a16:creationId xmlns:a16="http://schemas.microsoft.com/office/drawing/2014/main" id="{3261C167-452C-124F-6312-D229FEA7E00B}"/>
+              </a:ext>
+            </a:extLst>
+          </p:cNvPr>
+          <p:cNvCxnSpPr>
+            <a:cxnSpLocks/>
+            <a:stCxn id="9" idx="6"/>
+            <a:endCxn id="2" idx="1"/>
+          </p:cNvCxnSpPr>
+          <p:nvPr/>
+        </p:nvCxnSpPr>
+        <p:spPr>
+          <a:xfrm>
+            <a:off x="2721429" y="892956"/>
+            <a:ext cx="5447274" cy="570062"/>
+          </a:xfrm>
+          <a:prstGeom prst="curvedConnector3">
+            <a:avLst>
+              <a:gd name="adj1" fmla="val 50000"/>
+            </a:avLst>
+          </a:prstGeom>
+          <a:ln w="6350">
+            <a:solidFill>
+              <a:srgbClr val="FF0000"/>
+            </a:solidFill>
+            <a:tailEnd type="triangle"/>
+          </a:ln>
+        </p:spPr>
+        <p:style>
+          <a:lnRef idx="2">
+            <a:schemeClr val="accent1"/>
+          </a:lnRef>
+          <a:fillRef idx="0">
+            <a:schemeClr val="accent1"/>
+          </a:fillRef>
+          <a:effectRef idx="1">
+            <a:schemeClr val="accent1"/>
+          </a:effectRef>
+          <a:fontRef idx="minor">
+            <a:schemeClr val="tx1"/>
+          </a:fontRef>
+        </p:style>
+      </p:cxnSp>
+      <p:sp>
+        <p:nvSpPr>
+          <p:cNvPr id="12" name="Oval 11">
+            <a:extLst>
+              <a:ext uri="{FF2B5EF4-FFF2-40B4-BE49-F238E27FC236}">
+                <a16:creationId xmlns:a16="http://schemas.microsoft.com/office/drawing/2014/main" id="{FB66F796-A936-009F-7B74-979657F01F6A}"/>
+              </a:ext>
+            </a:extLst>
+          </p:cNvPr>
+          <p:cNvSpPr/>
+          <p:nvPr/>
+        </p:nvSpPr>
+        <p:spPr>
+          <a:xfrm>
+            <a:off x="-117862" y="1063390"/>
+            <a:ext cx="1990846" cy="559056"/>
+          </a:xfrm>
+          <a:prstGeom prst="ellipse">
+            <a:avLst/>
+          </a:prstGeom>
+          <a:noFill/>
+          <a:ln>
+            <a:solidFill>
+              <a:srgbClr val="00B0F0"/>
+            </a:solidFill>
+          </a:ln>
+        </p:spPr>
+        <p:style>
+          <a:lnRef idx="2">
+            <a:schemeClr val="accent1">
+              <a:shade val="15000"/>
+            </a:schemeClr>
+          </a:lnRef>
+          <a:fillRef idx="1">
+            <a:schemeClr val="accent1"/>
+          </a:fillRef>
+          <a:effectRef idx="0">
+            <a:schemeClr val="accent1"/>
+          </a:effectRef>
+          <a:fontRef idx="minor">
+            <a:schemeClr val="lt1"/>
+          </a:fontRef>
+        </p:style>
+        <p:txBody>
+          <a:bodyPr rtlCol="0" anchor="ctr"/>
+          <a:lstStyle/>
+          <a:p>
+            <a:pPr algn="ctr"/>
+            <a:endParaRPr lang="en-US"/>
+          </a:p>
+        </p:txBody>
+      </p:sp>
+      <p:cxnSp>
+        <p:nvCxnSpPr>
+          <p:cNvPr id="14" name="Curved Connector 13">
+            <a:extLst>
+              <a:ext uri="{FF2B5EF4-FFF2-40B4-BE49-F238E27FC236}">
+                <a16:creationId xmlns:a16="http://schemas.microsoft.com/office/drawing/2014/main" id="{92AFA16D-100D-75FF-F884-48562AA7282C}"/>
+              </a:ext>
+            </a:extLst>
+          </p:cNvPr>
+          <p:cNvCxnSpPr>
+            <a:cxnSpLocks/>
+            <a:stCxn id="12" idx="6"/>
+            <a:endCxn id="7" idx="0"/>
+          </p:cNvCxnSpPr>
+          <p:nvPr/>
+        </p:nvCxnSpPr>
+        <p:spPr>
+          <a:xfrm>
+            <a:off x="1872984" y="1342918"/>
+            <a:ext cx="4086110" cy="2072405"/>
+          </a:xfrm>
+          <a:prstGeom prst="curvedConnector2">
+            <a:avLst/>
+          </a:prstGeom>
+          <a:ln w="6350">
+            <a:solidFill>
+              <a:srgbClr val="00B0F0"/>
+            </a:solidFill>
+            <a:tailEnd type="triangle"/>
+          </a:ln>
+        </p:spPr>
+        <p:style>
+          <a:lnRef idx="2">
+            <a:schemeClr val="accent1"/>
+          </a:lnRef>
+          <a:fillRef idx="0">
+            <a:schemeClr val="accent1"/>
+          </a:fillRef>
+          <a:effectRef idx="1">
+            <a:schemeClr val="accent1"/>
+          </a:effectRef>
+          <a:fontRef idx="minor">
+            <a:schemeClr val="tx1"/>
+          </a:fontRef>
+        </p:style>
+      </p:cxnSp>
+      <p:sp>
+        <p:nvSpPr>
+          <p:cNvPr id="15" name="Oval 14">
+            <a:extLst>
+              <a:ext uri="{FF2B5EF4-FFF2-40B4-BE49-F238E27FC236}">
+                <a16:creationId xmlns:a16="http://schemas.microsoft.com/office/drawing/2014/main" id="{8A333164-E643-BF39-82C8-3B73E6D5AA0D}"/>
+              </a:ext>
+            </a:extLst>
+          </p:cNvPr>
+          <p:cNvSpPr/>
+          <p:nvPr/>
+        </p:nvSpPr>
+        <p:spPr>
+          <a:xfrm>
+            <a:off x="1153516" y="1641147"/>
+            <a:ext cx="1990846" cy="392501"/>
+          </a:xfrm>
+          <a:prstGeom prst="ellipse">
+            <a:avLst/>
+          </a:prstGeom>
+          <a:noFill/>
+          <a:ln>
+            <a:solidFill>
+              <a:srgbClr val="FFC000"/>
+            </a:solidFill>
+          </a:ln>
+        </p:spPr>
+        <p:style>
+          <a:lnRef idx="2">
+            <a:schemeClr val="accent1">
+              <a:shade val="15000"/>
+            </a:schemeClr>
+          </a:lnRef>
+          <a:fillRef idx="1">
+            <a:schemeClr val="accent1"/>
+          </a:fillRef>
+          <a:effectRef idx="0">
+            <a:schemeClr val="accent1"/>
+          </a:effectRef>
+          <a:fontRef idx="minor">
+            <a:schemeClr val="lt1"/>
+          </a:fontRef>
+        </p:style>
+        <p:txBody>
+          <a:bodyPr rtlCol="0" anchor="ctr"/>
+          <a:lstStyle/>
+          <a:p>
+            <a:pPr algn="ctr"/>
+            <a:endParaRPr lang="en-US"/>
+          </a:p>
+        </p:txBody>
+      </p:sp>
+      <p:cxnSp>
+        <p:nvCxnSpPr>
+          <p:cNvPr id="16" name="Curved Connector 15">
+            <a:extLst>
+              <a:ext uri="{FF2B5EF4-FFF2-40B4-BE49-F238E27FC236}">
+                <a16:creationId xmlns:a16="http://schemas.microsoft.com/office/drawing/2014/main" id="{EECA1CBE-C141-BFD7-D0A2-64294B31EFB4}"/>
+              </a:ext>
+            </a:extLst>
+          </p:cNvPr>
+          <p:cNvCxnSpPr>
+            <a:cxnSpLocks/>
+            <a:stCxn id="15" idx="6"/>
+            <a:endCxn id="3" idx="0"/>
+          </p:cNvCxnSpPr>
+          <p:nvPr/>
+        </p:nvCxnSpPr>
+        <p:spPr>
+          <a:xfrm>
+            <a:off x="3144362" y="1837398"/>
+            <a:ext cx="6997683" cy="1149218"/>
+          </a:xfrm>
+          <a:prstGeom prst="curvedConnector2">
+            <a:avLst/>
+          </a:prstGeom>
+          <a:ln w="6350">
+            <a:solidFill>
+              <a:srgbClr val="FFC000"/>
+            </a:solidFill>
+            <a:tailEnd type="triangle"/>
+          </a:ln>
+        </p:spPr>
+        <p:style>
+          <a:lnRef idx="1">
+            <a:schemeClr val="accent2"/>
+          </a:lnRef>
+          <a:fillRef idx="0">
+            <a:schemeClr val="accent2"/>
+          </a:fillRef>
+          <a:effectRef idx="0">
+            <a:schemeClr val="accent2"/>
+          </a:effectRef>
+          <a:fontRef idx="minor">
+            <a:schemeClr val="tx1"/>
+          </a:fontRef>
+        </p:style>
+      </p:cxnSp>
+      <p:sp>
+        <p:nvSpPr>
+          <p:cNvPr id="19" name="Oval 18">
+            <a:extLst>
+              <a:ext uri="{FF2B5EF4-FFF2-40B4-BE49-F238E27FC236}">
+                <a16:creationId xmlns:a16="http://schemas.microsoft.com/office/drawing/2014/main" id="{A8F25EF7-3BD4-43BE-F4FA-4CE60CE6B982}"/>
+              </a:ext>
+            </a:extLst>
+          </p:cNvPr>
+          <p:cNvSpPr/>
+          <p:nvPr/>
+        </p:nvSpPr>
+        <p:spPr>
+          <a:xfrm>
+            <a:off x="1060988" y="2081322"/>
+            <a:ext cx="1990846" cy="559056"/>
+          </a:xfrm>
+          <a:prstGeom prst="ellipse">
+            <a:avLst/>
+          </a:prstGeom>
+          <a:noFill/>
+          <a:ln>
+            <a:solidFill>
+              <a:schemeClr val="accent6">
+                <a:lumMod val="75000"/>
+              </a:schemeClr>
+            </a:solidFill>
+          </a:ln>
+        </p:spPr>
+        <p:style>
+          <a:lnRef idx="2">
+            <a:schemeClr val="accent1">
+              <a:shade val="15000"/>
+            </a:schemeClr>
+          </a:lnRef>
+          <a:fillRef idx="1">
+            <a:schemeClr val="accent1"/>
+          </a:fillRef>
+          <a:effectRef idx="0">
+            <a:schemeClr val="accent1"/>
+          </a:effectRef>
+          <a:fontRef idx="minor">
+            <a:schemeClr val="lt1"/>
+          </a:fontRef>
+        </p:style>
+        <p:txBody>
+          <a:bodyPr rtlCol="0" anchor="ctr"/>
+          <a:lstStyle/>
+          <a:p>
+            <a:pPr algn="ctr"/>
+            <a:endParaRPr lang="en-US"/>
+          </a:p>
+        </p:txBody>
+      </p:sp>
+      <p:cxnSp>
+        <p:nvCxnSpPr>
+          <p:cNvPr id="20" name="Curved Connector 19">
+            <a:extLst>
+              <a:ext uri="{FF2B5EF4-FFF2-40B4-BE49-F238E27FC236}">
+                <a16:creationId xmlns:a16="http://schemas.microsoft.com/office/drawing/2014/main" id="{A047CE53-86DC-4B94-A4FD-271E766AFDF4}"/>
+              </a:ext>
+            </a:extLst>
+          </p:cNvPr>
+          <p:cNvCxnSpPr>
+            <a:cxnSpLocks/>
+            <a:stCxn id="19" idx="4"/>
+            <a:endCxn id="5" idx="0"/>
+          </p:cNvCxnSpPr>
+          <p:nvPr/>
+        </p:nvCxnSpPr>
+        <p:spPr>
+          <a:xfrm rot="5400000">
+            <a:off x="1334816" y="2678601"/>
+            <a:ext cx="759818" cy="683373"/>
+          </a:xfrm>
+          <a:prstGeom prst="curvedConnector3">
+            <a:avLst>
+              <a:gd name="adj1" fmla="val 50000"/>
+            </a:avLst>
+          </a:prstGeom>
+          <a:ln w="6350">
+            <a:solidFill>
+              <a:schemeClr val="accent6">
+                <a:lumMod val="75000"/>
+              </a:schemeClr>
+            </a:solidFill>
+            <a:tailEnd type="triangle"/>
+          </a:ln>
+        </p:spPr>
+        <p:style>
+          <a:lnRef idx="1">
+            <a:schemeClr val="accent2"/>
+          </a:lnRef>
+          <a:fillRef idx="0">
+            <a:schemeClr val="accent2"/>
+          </a:fillRef>
+          <a:effectRef idx="0">
+            <a:schemeClr val="accent2"/>
+          </a:effectRef>
+          <a:fontRef idx="minor">
+            <a:schemeClr val="tx1"/>
+          </a:fontRef>
+        </p:style>
+      </p:cxnSp>
+      <p:sp>
+        <p:nvSpPr>
+          <p:cNvPr id="24" name="Rectangle 1">
+            <a:extLst>
+              <a:ext uri="{FF2B5EF4-FFF2-40B4-BE49-F238E27FC236}">
+                <a16:creationId xmlns:a16="http://schemas.microsoft.com/office/drawing/2014/main" id="{C6CEDF3A-2C5B-3036-76C8-9053AEB35A60}"/>
+              </a:ext>
+            </a:extLst>
+          </p:cNvPr>
+          <p:cNvSpPr>
+            <a:spLocks noChangeArrowheads="1"/>
+          </p:cNvSpPr>
+          <p:nvPr/>
+        </p:nvSpPr>
+        <p:spPr bwMode="auto">
+          <a:xfrm>
+            <a:off x="109706" y="474003"/>
+            <a:ext cx="12192000" cy="0"/>
+          </a:xfrm>
+          <a:prstGeom prst="rect">
+            <a:avLst/>
+          </a:prstGeom>
+          <a:noFill/>
+          <a:ln>
+            <a:noFill/>
+          </a:ln>
+          <a:effectLst/>
+          <a:extLst>
+            <a:ext uri="{909E8E84-426E-40DD-AFC4-6F175D3DCCD1}">
+              <a14:hiddenFill xmlns:a14="http://schemas.microsoft.com/office/drawing/2010/main">
+                <a:solidFill>
+                  <a:schemeClr val="accent1"/>
+                </a:solidFill>
+              </a14:hiddenFill>
+            </a:ext>
+            <a:ext uri="{91240B29-F687-4F45-9708-019B960494DF}">
+              <a14:hiddenLine xmlns:a14="http://schemas.microsoft.com/office/drawing/2010/main" w="9525">
+                <a:solidFill>
+                  <a:schemeClr val="tx1"/>
+                </a:solidFill>
+                <a:miter lim="800000"/>
+                <a:headEnd/>
+                <a:tailEnd/>
+              </a14:hiddenLine>
+            </a:ext>
+            <a:ext uri="{AF507438-7753-43E0-B8FC-AC1667EBCBE1}">
+              <a14:hiddenEffects xmlns:a14="http://schemas.microsoft.com/office/drawing/2010/main">
+                <a:effectLst>
+                  <a:outerShdw dist="35921" dir="2700000" algn="ctr" rotWithShape="0">
+                    <a:schemeClr val="bg2"/>
+                  </a:outerShdw>
+                </a:effectLst>
+              </a14:hiddenEffects>
+            </a:ext>
+          </a:extLst>
+        </p:spPr>
+        <p:txBody>
+          <a:bodyPr vert="horz" wrap="square" lIns="91440" tIns="45720" rIns="91440" bIns="45720" numCol="1" anchor="ctr" anchorCtr="0" compatLnSpc="1">
+            <a:prstTxWarp prst="textNoShape">
+              <a:avLst/>
+            </a:prstTxWarp>
+            <a:spAutoFit/>
+          </a:bodyPr>
+          <a:lstStyle>
+            <a:lvl1pPr eaLnBrk="0" fontAlgn="base" hangingPunct="0">
+              <a:spcBef>
+                <a:spcPct val="0"/>
+              </a:spcBef>
+              <a:spcAft>
+                <a:spcPct val="0"/>
+              </a:spcAft>
+              <a:defRPr>
+                <a:solidFill>
+                  <a:schemeClr val="tx1"/>
+                </a:solidFill>
+                <a:latin typeface="Arial" panose="020B0604020202020204" pitchFamily="34" charset="0"/>
+              </a:defRPr>
+            </a:lvl1pPr>
+            <a:lvl2pPr eaLnBrk="0" fontAlgn="base" hangingPunct="0">
+              <a:spcBef>
+                <a:spcPct val="0"/>
+              </a:spcBef>
+              <a:spcAft>
+                <a:spcPct val="0"/>
+              </a:spcAft>
+              <a:defRPr>
+                <a:solidFill>
+                  <a:schemeClr val="tx1"/>
+                </a:solidFill>
+                <a:latin typeface="Arial" panose="020B0604020202020204" pitchFamily="34" charset="0"/>
+              </a:defRPr>
+            </a:lvl2pPr>
+            <a:lvl3pPr eaLnBrk="0" fontAlgn="base" hangingPunct="0">
+              <a:spcBef>
+                <a:spcPct val="0"/>
+              </a:spcBef>
+              <a:spcAft>
+                <a:spcPct val="0"/>
+              </a:spcAft>
+              <a:defRPr>
+                <a:solidFill>
+                  <a:schemeClr val="tx1"/>
+                </a:solidFill>
+                <a:latin typeface="Arial" panose="020B0604020202020204" pitchFamily="34" charset="0"/>
+              </a:defRPr>
+            </a:lvl3pPr>
+            <a:lvl4pPr eaLnBrk="0" fontAlgn="base" hangingPunct="0">
+              <a:spcBef>
+                <a:spcPct val="0"/>
+              </a:spcBef>
+              <a:spcAft>
+                <a:spcPct val="0"/>
+              </a:spcAft>
+              <a:defRPr>
+                <a:solidFill>
+                  <a:schemeClr val="tx1"/>
+                </a:solidFill>
+                <a:latin typeface="Arial" panose="020B0604020202020204" pitchFamily="34" charset="0"/>
+              </a:defRPr>
+            </a:lvl4pPr>
+            <a:lvl5pPr eaLnBrk="0" fontAlgn="base" hangingPunct="0">
+              <a:spcBef>
+                <a:spcPct val="0"/>
+              </a:spcBef>
+              <a:spcAft>
+                <a:spcPct val="0"/>
+              </a:spcAft>
+              <a:defRPr>
+                <a:solidFill>
+                  <a:schemeClr val="tx1"/>
+                </a:solidFill>
+                <a:latin typeface="Arial" panose="020B0604020202020204" pitchFamily="34" charset="0"/>
+              </a:defRPr>
+            </a:lvl5pPr>
+            <a:lvl6pPr eaLnBrk="0" fontAlgn="base" hangingPunct="0">
+              <a:spcBef>
+                <a:spcPct val="0"/>
+              </a:spcBef>
+              <a:spcAft>
+                <a:spcPct val="0"/>
+              </a:spcAft>
+              <a:defRPr>
+                <a:solidFill>
+                  <a:schemeClr val="tx1"/>
+                </a:solidFill>
+                <a:latin typeface="Arial" panose="020B0604020202020204" pitchFamily="34" charset="0"/>
+              </a:defRPr>
+            </a:lvl6pPr>
+            <a:lvl7pPr eaLnBrk="0" fontAlgn="base" hangingPunct="0">
+              <a:spcBef>
+                <a:spcPct val="0"/>
+              </a:spcBef>
+              <a:spcAft>
+                <a:spcPct val="0"/>
+              </a:spcAft>
+              <a:defRPr>
+                <a:solidFill>
+                  <a:schemeClr val="tx1"/>
+                </a:solidFill>
+                <a:latin typeface="Arial" panose="020B0604020202020204" pitchFamily="34" charset="0"/>
+              </a:defRPr>
+            </a:lvl7pPr>
+            <a:lvl8pPr eaLnBrk="0" fontAlgn="base" hangingPunct="0">
+              <a:spcBef>
+                <a:spcPct val="0"/>
+              </a:spcBef>
+              <a:spcAft>
+                <a:spcPct val="0"/>
+              </a:spcAft>
+              <a:defRPr>
+                <a:solidFill>
+                  <a:schemeClr val="tx1"/>
+                </a:solidFill>
+                <a:latin typeface="Arial" panose="020B0604020202020204" pitchFamily="34" charset="0"/>
+              </a:defRPr>
+            </a:lvl8pPr>
+            <a:lvl9pPr eaLnBrk="0" fontAlgn="base" hangingPunct="0">
+              <a:spcBef>
+                <a:spcPct val="0"/>
+              </a:spcBef>
+              <a:spcAft>
+                <a:spcPct val="0"/>
+              </a:spcAft>
+              <a:defRPr>
+                <a:solidFill>
+                  <a:schemeClr val="tx1"/>
+                </a:solidFill>
+                <a:latin typeface="Arial" panose="020B0604020202020204" pitchFamily="34" charset="0"/>
+              </a:defRPr>
+            </a:lvl9pPr>
+          </a:lstStyle>
+          <a:p>
+            <a:pPr marL="0" marR="0" lvl="0" indent="0" algn="l" defTabSz="914400" rtl="0" eaLnBrk="0" fontAlgn="base" latinLnBrk="0" hangingPunct="0">
+              <a:lnSpc>
+                <a:spcPct val="100000"/>
+              </a:lnSpc>
+              <a:spcBef>
+                <a:spcPct val="0"/>
+              </a:spcBef>
+              <a:spcAft>
+                <a:spcPct val="0"/>
+              </a:spcAft>
+              <a:buClrTx/>
+              <a:buSzTx/>
+              <a:buFontTx/>
+              <a:buNone/>
+              <a:tabLst/>
+            </a:pPr>
+            <a:r>
+              <a:rPr kumimoji="0" lang="en-US" altLang="en-US" sz="1800" b="0" i="0" u="none" strike="noStrike" cap="none" normalizeH="0" baseline="0">
+                <a:ln>
+                  <a:noFill/>
+                </a:ln>
+                <a:solidFill>
+                  <a:srgbClr val="000000"/>
+                </a:solidFill>
+                <a:effectLst/>
+                <a:latin typeface="Arial" panose="020B0604020202020204" pitchFamily="34" charset="0"/>
+                <a:ea typeface="Times"/>
+              </a:rPr>
+              <a:t> </a:t>
+            </a:r>
+            <a:endParaRPr kumimoji="0" lang="en-US" altLang="en-US" sz="1800" b="0" i="0" u="none" strike="noStrike" cap="none" normalizeH="0" baseline="0">
+              <a:ln>
+                <a:noFill/>
+              </a:ln>
+              <a:solidFill>
+                <a:schemeClr val="tx1"/>
+              </a:solidFill>
+              <a:effectLst/>
+              <a:latin typeface="Arial" panose="020B0604020202020204" pitchFamily="34" charset="0"/>
+            </a:endParaRPr>
+          </a:p>
+          <a:p>
+            <a:pPr marL="0" marR="0" lvl="0" indent="0" algn="l" defTabSz="914400" rtl="0" eaLnBrk="0" fontAlgn="base" latinLnBrk="0" hangingPunct="0">
+              <a:lnSpc>
+                <a:spcPct val="100000"/>
+              </a:lnSpc>
+              <a:spcBef>
+                <a:spcPct val="0"/>
+              </a:spcBef>
+              <a:spcAft>
+                <a:spcPct val="0"/>
+              </a:spcAft>
+              <a:buClrTx/>
+              <a:buSzTx/>
+              <a:buFontTx/>
+              <a:buNone/>
+              <a:tabLst/>
+            </a:pPr>
+            <a:endParaRPr kumimoji="0" lang="en-US" altLang="en-US" sz="1800" b="0" i="0" u="none" strike="noStrike" cap="none" normalizeH="0" baseline="0">
+              <a:ln>
+                <a:noFill/>
+              </a:ln>
+              <a:solidFill>
+                <a:schemeClr val="tx1"/>
+              </a:solidFill>
+              <a:effectLst/>
+              <a:latin typeface="Arial" panose="020B0604020202020204" pitchFamily="34" charset="0"/>
             </a:endParaRPr>
           </a:p>
         </p:txBody>
@@ -4721,6 +8142,651 @@
 </file>
 
 <file path=ppt/slides/slide2.xml><?xml version="1.0" encoding="utf-8"?>
+<p:sld xmlns:a="http://schemas.openxmlformats.org/drawingml/2006/main" xmlns:r="http://schemas.openxmlformats.org/officeDocument/2006/relationships" xmlns:p="http://schemas.openxmlformats.org/presentationml/2006/main">
+  <p:cSld>
+    <p:spTree>
+      <p:nvGrpSpPr>
+        <p:cNvPr id="1" name=""/>
+        <p:cNvGrpSpPr/>
+        <p:nvPr/>
+      </p:nvGrpSpPr>
+      <p:grpSpPr>
+        <a:xfrm>
+          <a:off x="0" y="0"/>
+          <a:ext cx="0" cy="0"/>
+          <a:chOff x="0" y="0"/>
+          <a:chExt cx="0" cy="0"/>
+        </a:xfrm>
+      </p:grpSpPr>
+      <p:pic>
+        <p:nvPicPr>
+          <p:cNvPr id="4" name="Picture 3">
+            <a:extLst>
+              <a:ext uri="{FF2B5EF4-FFF2-40B4-BE49-F238E27FC236}">
+                <a16:creationId xmlns:a16="http://schemas.microsoft.com/office/drawing/2014/main" id="{F3291993-0428-B03F-EC8D-625663E16659}"/>
+              </a:ext>
+            </a:extLst>
+          </p:cNvPr>
+          <p:cNvPicPr>
+            <a:picLocks noChangeAspect="1"/>
+          </p:cNvPicPr>
+          <p:nvPr/>
+        </p:nvPicPr>
+        <p:blipFill>
+          <a:blip r:embed="rId2"/>
+          <a:stretch>
+            <a:fillRect/>
+          </a:stretch>
+        </p:blipFill>
+        <p:spPr>
+          <a:xfrm>
+            <a:off x="0" y="22748"/>
+            <a:ext cx="3260589" cy="2126471"/>
+          </a:xfrm>
+          <a:prstGeom prst="rect">
+            <a:avLst/>
+          </a:prstGeom>
+        </p:spPr>
+      </p:pic>
+      <p:sp>
+        <p:nvSpPr>
+          <p:cNvPr id="6" name="TextBox 5">
+            <a:extLst>
+              <a:ext uri="{FF2B5EF4-FFF2-40B4-BE49-F238E27FC236}">
+                <a16:creationId xmlns:a16="http://schemas.microsoft.com/office/drawing/2014/main" id="{CE294271-2E2F-3BBD-5D9D-F87BA226B848}"/>
+              </a:ext>
+            </a:extLst>
+          </p:cNvPr>
+          <p:cNvSpPr txBox="1"/>
+          <p:nvPr/>
+        </p:nvSpPr>
+        <p:spPr>
+          <a:xfrm>
+            <a:off x="187511" y="1799273"/>
+            <a:ext cx="2501260" cy="369332"/>
+          </a:xfrm>
+          <a:prstGeom prst="rect">
+            <a:avLst/>
+          </a:prstGeom>
+          <a:noFill/>
+        </p:spPr>
+        <p:txBody>
+          <a:bodyPr wrap="square">
+            <a:spAutoFit/>
+          </a:bodyPr>
+          <a:lstStyle/>
+          <a:p>
+            <a:pPr algn="ctr"/>
+            <a:r>
+              <a:rPr lang="en-US" altLang="zh-CN" sz="1800" b="1" dirty="0">
+                <a:solidFill>
+                  <a:srgbClr val="FF0000"/>
+                </a:solidFill>
+              </a:rPr>
+              <a:t>Total</a:t>
+            </a:r>
+            <a:r>
+              <a:rPr lang="zh-CN" altLang="en-US" sz="1800" b="1" dirty="0">
+                <a:solidFill>
+                  <a:srgbClr val="FF0000"/>
+                </a:solidFill>
+              </a:rPr>
+              <a:t> </a:t>
+            </a:r>
+            <a:r>
+              <a:rPr lang="en-US" altLang="zh-CN" sz="1800" b="1" dirty="0">
+                <a:solidFill>
+                  <a:srgbClr val="FF0000"/>
+                </a:solidFill>
+              </a:rPr>
+              <a:t>time</a:t>
+            </a:r>
+            <a:r>
+              <a:rPr lang="en-US" altLang="zh-CN" sz="1800" b="1" dirty="0">
+                <a:solidFill>
+                  <a:srgbClr val="FF0000"/>
+                </a:solidFill>
+                <a:sym typeface="Wingdings" pitchFamily="2" charset="2"/>
+              </a:rPr>
+              <a:t>:</a:t>
+            </a:r>
+            <a:r>
+              <a:rPr lang="zh-CN" altLang="en-US" sz="1800" b="1" dirty="0">
+                <a:solidFill>
+                  <a:srgbClr val="FF0000"/>
+                </a:solidFill>
+                <a:sym typeface="Wingdings" pitchFamily="2" charset="2"/>
+              </a:rPr>
+              <a:t> </a:t>
+            </a:r>
+            <a:r>
+              <a:rPr lang="en-US" altLang="zh-CN" sz="1800" b="1" dirty="0">
+                <a:solidFill>
+                  <a:srgbClr val="FF0000"/>
+                </a:solidFill>
+                <a:sym typeface="Wingdings" pitchFamily="2" charset="2"/>
+              </a:rPr>
+              <a:t>(</a:t>
+            </a:r>
+            <a:r>
+              <a:rPr lang="en-US" altLang="zh-CN" sz="1800" b="1" dirty="0">
+                <a:solidFill>
+                  <a:srgbClr val="FF0000"/>
+                </a:solidFill>
+              </a:rPr>
+              <a:t>V+E)</a:t>
+            </a:r>
+            <a:r>
+              <a:rPr lang="en-US" altLang="zh-CN" sz="1800" b="1" dirty="0" err="1">
+                <a:solidFill>
+                  <a:srgbClr val="FF0000"/>
+                </a:solidFill>
+              </a:rPr>
+              <a:t>logV</a:t>
+            </a:r>
+            <a:endParaRPr lang="en-US" altLang="zh-CN" sz="1800" b="1" dirty="0">
+              <a:solidFill>
+                <a:srgbClr val="FF0000"/>
+              </a:solidFill>
+            </a:endParaRPr>
+          </a:p>
+        </p:txBody>
+      </p:sp>
+      <p:sp>
+        <p:nvSpPr>
+          <p:cNvPr id="8" name="TextBox 7">
+            <a:extLst>
+              <a:ext uri="{FF2B5EF4-FFF2-40B4-BE49-F238E27FC236}">
+                <a16:creationId xmlns:a16="http://schemas.microsoft.com/office/drawing/2014/main" id="{836A2E7D-5733-EC4E-0963-4D8E9E005930}"/>
+              </a:ext>
+            </a:extLst>
+          </p:cNvPr>
+          <p:cNvSpPr txBox="1"/>
+          <p:nvPr/>
+        </p:nvSpPr>
+        <p:spPr>
+          <a:xfrm>
+            <a:off x="1" y="2149219"/>
+            <a:ext cx="3429000" cy="1107996"/>
+          </a:xfrm>
+          <a:prstGeom prst="rect">
+            <a:avLst/>
+          </a:prstGeom>
+          <a:noFill/>
+        </p:spPr>
+        <p:txBody>
+          <a:bodyPr wrap="square">
+            <a:spAutoFit/>
+          </a:bodyPr>
+          <a:lstStyle/>
+          <a:p>
+            <a:r>
+              <a:rPr lang="en-US" sz="1100" dirty="0">
+                <a:solidFill>
+                  <a:srgbClr val="0000FF"/>
+                </a:solidFill>
+                <a:effectLst/>
+                <a:latin typeface="CMTI10"/>
+              </a:rPr>
+              <a:t>The algorithm begins by initializing distances of all nodes in the graph to </a:t>
+            </a:r>
+            <a:r>
+              <a:rPr lang="en-US" sz="1100" dirty="0">
+                <a:solidFill>
+                  <a:srgbClr val="0000FF"/>
+                </a:solidFill>
+                <a:effectLst/>
+                <a:latin typeface="CMR10"/>
+              </a:rPr>
+              <a:t>+</a:t>
+            </a:r>
+            <a:r>
+              <a:rPr lang="en-US" sz="1100" dirty="0">
+                <a:solidFill>
+                  <a:srgbClr val="0000FF"/>
+                </a:solidFill>
+                <a:effectLst/>
+                <a:latin typeface="CMSY10"/>
+              </a:rPr>
+              <a:t>∞</a:t>
+            </a:r>
+            <a:r>
+              <a:rPr lang="en-US" sz="1100" dirty="0">
+                <a:solidFill>
+                  <a:srgbClr val="0000FF"/>
+                </a:solidFill>
+                <a:effectLst/>
+                <a:latin typeface="CMTI10"/>
+              </a:rPr>
+              <a:t>, and </a:t>
+            </a:r>
+            <a:r>
+              <a:rPr lang="en-US" sz="1100" dirty="0" err="1">
+                <a:solidFill>
+                  <a:srgbClr val="0000FF"/>
+                </a:solidFill>
+                <a:effectLst/>
+                <a:latin typeface="CMMI10"/>
+              </a:rPr>
+              <a:t>dist</a:t>
+            </a:r>
+            <a:r>
+              <a:rPr lang="en-US" sz="1100" dirty="0">
+                <a:solidFill>
+                  <a:srgbClr val="0000FF"/>
+                </a:solidFill>
+                <a:effectLst/>
+                <a:latin typeface="CMR10"/>
+              </a:rPr>
+              <a:t>(</a:t>
+            </a:r>
+            <a:r>
+              <a:rPr lang="en-US" sz="1100" dirty="0">
+                <a:solidFill>
+                  <a:srgbClr val="0000FF"/>
+                </a:solidFill>
+                <a:effectLst/>
+                <a:latin typeface="CMMI10"/>
+              </a:rPr>
+              <a:t>s</a:t>
+            </a:r>
+            <a:r>
+              <a:rPr lang="en-US" sz="1100" dirty="0">
+                <a:solidFill>
+                  <a:srgbClr val="0000FF"/>
+                </a:solidFill>
+                <a:effectLst/>
+                <a:latin typeface="CMR10"/>
+              </a:rPr>
+              <a:t>) = 0</a:t>
+            </a:r>
+            <a:r>
+              <a:rPr lang="en-US" sz="1100" dirty="0">
+                <a:solidFill>
+                  <a:srgbClr val="0000FF"/>
+                </a:solidFill>
+                <a:effectLst/>
+                <a:latin typeface="CMTI10"/>
+              </a:rPr>
+              <a:t>. where </a:t>
+            </a:r>
+            <a:r>
+              <a:rPr lang="en-US" sz="1100" dirty="0">
+                <a:solidFill>
+                  <a:srgbClr val="0000FF"/>
+                </a:solidFill>
+                <a:effectLst/>
+                <a:latin typeface="CMMI10"/>
+              </a:rPr>
+              <a:t>s </a:t>
+            </a:r>
+            <a:r>
+              <a:rPr lang="en-US" sz="1100" dirty="0">
+                <a:solidFill>
+                  <a:srgbClr val="0000FF"/>
+                </a:solidFill>
+                <a:effectLst/>
+                <a:latin typeface="CMTI10"/>
+              </a:rPr>
+              <a:t>in the source. When </a:t>
+            </a:r>
+            <a:r>
+              <a:rPr lang="en-US" sz="1100" dirty="0">
+                <a:solidFill>
+                  <a:srgbClr val="0000FF"/>
+                </a:solidFill>
+                <a:effectLst/>
+                <a:latin typeface="CMMI10"/>
+              </a:rPr>
+              <a:t>s </a:t>
+            </a:r>
+            <a:r>
+              <a:rPr lang="en-US" sz="1100" dirty="0">
+                <a:solidFill>
+                  <a:srgbClr val="0000FF"/>
+                </a:solidFill>
+                <a:effectLst/>
+                <a:latin typeface="CMTI10"/>
+              </a:rPr>
+              <a:t>has been removed from the PQ, distances to all adjacent nodes to </a:t>
+            </a:r>
+            <a:r>
+              <a:rPr lang="en-US" sz="1100" dirty="0">
+                <a:solidFill>
+                  <a:srgbClr val="0000FF"/>
+                </a:solidFill>
+                <a:effectLst/>
+                <a:latin typeface="CMMI10"/>
+              </a:rPr>
+              <a:t>s </a:t>
+            </a:r>
+            <a:r>
+              <a:rPr lang="en-US" sz="1100" dirty="0">
+                <a:solidFill>
+                  <a:srgbClr val="0000FF"/>
+                </a:solidFill>
+                <a:effectLst/>
+                <a:latin typeface="CMTI10"/>
+              </a:rPr>
+              <a:t>are still </a:t>
+            </a:r>
+            <a:r>
+              <a:rPr lang="en-US" sz="1100" dirty="0">
+                <a:solidFill>
+                  <a:srgbClr val="0000FF"/>
+                </a:solidFill>
+                <a:effectLst/>
+                <a:latin typeface="CMR10"/>
+              </a:rPr>
+              <a:t>+</a:t>
+            </a:r>
+            <a:r>
+              <a:rPr lang="en-US" sz="1100" dirty="0">
+                <a:solidFill>
+                  <a:srgbClr val="0000FF"/>
+                </a:solidFill>
+                <a:effectLst/>
+                <a:latin typeface="CMSY10"/>
+              </a:rPr>
+              <a:t>∞</a:t>
+            </a:r>
+            <a:r>
+              <a:rPr lang="en-US" sz="1100" dirty="0">
+                <a:solidFill>
+                  <a:srgbClr val="0000FF"/>
+                </a:solidFill>
+                <a:effectLst/>
+                <a:latin typeface="CMTI10"/>
+              </a:rPr>
+              <a:t>. comparison </a:t>
+            </a:r>
+            <a:r>
+              <a:rPr lang="en-US" sz="1100" dirty="0" err="1">
+                <a:solidFill>
+                  <a:srgbClr val="0000FF"/>
+                </a:solidFill>
+                <a:effectLst/>
+                <a:latin typeface="CMTI10"/>
+              </a:rPr>
+              <a:t>dist</a:t>
+            </a:r>
+            <a:r>
+              <a:rPr lang="en-US" sz="1100" dirty="0">
+                <a:solidFill>
+                  <a:srgbClr val="0000FF"/>
+                </a:solidFill>
+                <a:effectLst/>
+                <a:latin typeface="CMTI10"/>
+              </a:rPr>
+              <a:t>(u) &gt; </a:t>
+            </a:r>
+            <a:r>
+              <a:rPr lang="en-US" sz="1100" dirty="0" err="1">
+                <a:solidFill>
+                  <a:srgbClr val="0000FF"/>
+                </a:solidFill>
+                <a:effectLst/>
+                <a:latin typeface="CMTI10"/>
+              </a:rPr>
+              <a:t>dist</a:t>
+            </a:r>
+            <a:r>
+              <a:rPr lang="en-US" sz="1100" dirty="0">
+                <a:solidFill>
+                  <a:srgbClr val="0000FF"/>
+                </a:solidFill>
+                <a:effectLst/>
+                <a:latin typeface="CMTI10"/>
+              </a:rPr>
+              <a:t>(s) + l(s, u)</a:t>
+            </a:r>
+            <a:r>
+              <a:rPr lang="en-US" altLang="zh-CN" sz="1100" dirty="0">
+                <a:solidFill>
+                  <a:srgbClr val="0000FF"/>
+                </a:solidFill>
+                <a:effectLst/>
+                <a:latin typeface="CMTI10"/>
+              </a:rPr>
+              <a:t>. so the comparison is true and </a:t>
+            </a:r>
+            <a:r>
+              <a:rPr lang="en-US" altLang="zh-CN" sz="1100" dirty="0" err="1">
+                <a:solidFill>
+                  <a:srgbClr val="0000FF"/>
+                </a:solidFill>
+                <a:effectLst/>
+                <a:latin typeface="CMTI10"/>
+              </a:rPr>
+              <a:t>dist</a:t>
+            </a:r>
+            <a:r>
+              <a:rPr lang="en-US" altLang="zh-CN" sz="1100" dirty="0">
+                <a:solidFill>
+                  <a:srgbClr val="0000FF"/>
+                </a:solidFill>
+                <a:effectLst/>
+                <a:latin typeface="CMTI10"/>
+              </a:rPr>
+              <a:t>(u) will be updated to </a:t>
+            </a:r>
+            <a:r>
+              <a:rPr lang="en-US" altLang="zh-CN" sz="1100" dirty="0" err="1">
+                <a:solidFill>
+                  <a:srgbClr val="0000FF"/>
+                </a:solidFill>
+                <a:effectLst/>
+                <a:latin typeface="CMTI10"/>
+              </a:rPr>
+              <a:t>dist</a:t>
+            </a:r>
+            <a:r>
+              <a:rPr lang="en-US" altLang="zh-CN" sz="1100" dirty="0">
+                <a:solidFill>
+                  <a:srgbClr val="0000FF"/>
+                </a:solidFill>
+                <a:effectLst/>
+                <a:latin typeface="CMTI10"/>
+              </a:rPr>
+              <a:t>(s) + l(s, u). </a:t>
+            </a:r>
+          </a:p>
+        </p:txBody>
+      </p:sp>
+      <p:pic>
+        <p:nvPicPr>
+          <p:cNvPr id="10" name="Picture 9">
+            <a:extLst>
+              <a:ext uri="{FF2B5EF4-FFF2-40B4-BE49-F238E27FC236}">
+                <a16:creationId xmlns:a16="http://schemas.microsoft.com/office/drawing/2014/main" id="{3DF54FD7-89E0-21B2-FC81-FB6A85B014F5}"/>
+              </a:ext>
+            </a:extLst>
+          </p:cNvPr>
+          <p:cNvPicPr>
+            <a:picLocks noChangeAspect="1"/>
+          </p:cNvPicPr>
+          <p:nvPr/>
+        </p:nvPicPr>
+        <p:blipFill>
+          <a:blip r:embed="rId3"/>
+          <a:stretch>
+            <a:fillRect/>
+          </a:stretch>
+        </p:blipFill>
+        <p:spPr>
+          <a:xfrm>
+            <a:off x="-55590" y="3445232"/>
+            <a:ext cx="4391244" cy="2341204"/>
+          </a:xfrm>
+          <a:prstGeom prst="rect">
+            <a:avLst/>
+          </a:prstGeom>
+        </p:spPr>
+      </p:pic>
+      <p:pic>
+        <p:nvPicPr>
+          <p:cNvPr id="11" name="Picture 10">
+            <a:extLst>
+              <a:ext uri="{FF2B5EF4-FFF2-40B4-BE49-F238E27FC236}">
+                <a16:creationId xmlns:a16="http://schemas.microsoft.com/office/drawing/2014/main" id="{9153B6DE-3046-ECD2-E900-7A5CA5DBD7EE}"/>
+              </a:ext>
+            </a:extLst>
+          </p:cNvPr>
+          <p:cNvPicPr>
+            <a:picLocks noChangeAspect="1"/>
+          </p:cNvPicPr>
+          <p:nvPr/>
+        </p:nvPicPr>
+        <p:blipFill>
+          <a:blip r:embed="rId4"/>
+          <a:stretch>
+            <a:fillRect/>
+          </a:stretch>
+        </p:blipFill>
+        <p:spPr>
+          <a:xfrm>
+            <a:off x="8217718" y="54896"/>
+            <a:ext cx="3625939" cy="2244404"/>
+          </a:xfrm>
+          <a:prstGeom prst="rect">
+            <a:avLst/>
+          </a:prstGeom>
+        </p:spPr>
+      </p:pic>
+      <p:pic>
+        <p:nvPicPr>
+          <p:cNvPr id="12" name="Picture 11">
+            <a:extLst>
+              <a:ext uri="{FF2B5EF4-FFF2-40B4-BE49-F238E27FC236}">
+                <a16:creationId xmlns:a16="http://schemas.microsoft.com/office/drawing/2014/main" id="{69BB3E56-03EA-E418-4E74-CD845F0F2940}"/>
+              </a:ext>
+            </a:extLst>
+          </p:cNvPr>
+          <p:cNvPicPr>
+            <a:picLocks noChangeAspect="1"/>
+          </p:cNvPicPr>
+          <p:nvPr/>
+        </p:nvPicPr>
+        <p:blipFill>
+          <a:blip r:embed="rId5"/>
+          <a:stretch>
+            <a:fillRect/>
+          </a:stretch>
+        </p:blipFill>
+        <p:spPr>
+          <a:xfrm>
+            <a:off x="8376106" y="2289501"/>
+            <a:ext cx="3815894" cy="2341204"/>
+          </a:xfrm>
+          <a:prstGeom prst="rect">
+            <a:avLst/>
+          </a:prstGeom>
+        </p:spPr>
+      </p:pic>
+      <p:pic>
+        <p:nvPicPr>
+          <p:cNvPr id="13" name="Picture 12">
+            <a:extLst>
+              <a:ext uri="{FF2B5EF4-FFF2-40B4-BE49-F238E27FC236}">
+                <a16:creationId xmlns:a16="http://schemas.microsoft.com/office/drawing/2014/main" id="{E1A5C4C7-8144-8CAE-5B2C-035E2F2DA7C2}"/>
+              </a:ext>
+            </a:extLst>
+          </p:cNvPr>
+          <p:cNvPicPr>
+            <a:picLocks noChangeAspect="1"/>
+          </p:cNvPicPr>
+          <p:nvPr/>
+        </p:nvPicPr>
+        <p:blipFill>
+          <a:blip r:embed="rId6"/>
+          <a:stretch>
+            <a:fillRect/>
+          </a:stretch>
+        </p:blipFill>
+        <p:spPr>
+          <a:xfrm>
+            <a:off x="3931047" y="22747"/>
+            <a:ext cx="4286671" cy="3236993"/>
+          </a:xfrm>
+          <a:prstGeom prst="rect">
+            <a:avLst/>
+          </a:prstGeom>
+        </p:spPr>
+      </p:pic>
+      <p:pic>
+        <p:nvPicPr>
+          <p:cNvPr id="15" name="Picture 14">
+            <a:extLst>
+              <a:ext uri="{FF2B5EF4-FFF2-40B4-BE49-F238E27FC236}">
+                <a16:creationId xmlns:a16="http://schemas.microsoft.com/office/drawing/2014/main" id="{29A72E75-419A-4318-078C-A97246D7F4ED}"/>
+              </a:ext>
+            </a:extLst>
+          </p:cNvPr>
+          <p:cNvPicPr>
+            <a:picLocks noChangeAspect="1"/>
+          </p:cNvPicPr>
+          <p:nvPr/>
+        </p:nvPicPr>
+        <p:blipFill>
+          <a:blip r:embed="rId7"/>
+          <a:stretch>
+            <a:fillRect/>
+          </a:stretch>
+        </p:blipFill>
+        <p:spPr>
+          <a:xfrm>
+            <a:off x="3931048" y="3255062"/>
+            <a:ext cx="5060551" cy="3508560"/>
+          </a:xfrm>
+          <a:prstGeom prst="rect">
+            <a:avLst/>
+          </a:prstGeom>
+        </p:spPr>
+      </p:pic>
+      <p:pic>
+        <p:nvPicPr>
+          <p:cNvPr id="14" name="Picture 13">
+            <a:extLst>
+              <a:ext uri="{FF2B5EF4-FFF2-40B4-BE49-F238E27FC236}">
+                <a16:creationId xmlns:a16="http://schemas.microsoft.com/office/drawing/2014/main" id="{3FE386DB-FA19-D8B7-A56B-EC980FFBB8CF}"/>
+              </a:ext>
+            </a:extLst>
+          </p:cNvPr>
+          <p:cNvPicPr>
+            <a:picLocks noChangeAspect="1"/>
+          </p:cNvPicPr>
+          <p:nvPr/>
+        </p:nvPicPr>
+        <p:blipFill>
+          <a:blip r:embed="rId8"/>
+          <a:stretch>
+            <a:fillRect/>
+          </a:stretch>
+        </p:blipFill>
+        <p:spPr>
+          <a:xfrm>
+            <a:off x="7817249" y="4521613"/>
+            <a:ext cx="4331517" cy="2341205"/>
+          </a:xfrm>
+          <a:prstGeom prst="rect">
+            <a:avLst/>
+          </a:prstGeom>
+        </p:spPr>
+      </p:pic>
+    </p:spTree>
+    <p:extLst>
+      <p:ext uri="{BB962C8B-B14F-4D97-AF65-F5344CB8AC3E}">
+        <p14:creationId xmlns:p14="http://schemas.microsoft.com/office/powerpoint/2010/main" val="4014331688"/>
+      </p:ext>
+    </p:extLst>
+  </p:cSld>
+  <p:clrMapOvr>
+    <a:masterClrMapping/>
+  </p:clrMapOvr>
+</p:sld>
+</file>
+
+<file path=ppt/slides/slide3.xml><?xml version="1.0" encoding="utf-8"?>
 <p:sld xmlns:a="http://schemas.openxmlformats.org/drawingml/2006/main" xmlns:r="http://schemas.openxmlformats.org/officeDocument/2006/relationships" xmlns:p="http://schemas.openxmlformats.org/presentationml/2006/main">
   <p:cSld>
     <p:spTree>
@@ -4792,7 +8858,7 @@
           <p:nvPr>
             <p:extLst>
               <p:ext uri="{D42A27DB-BD31-4B8C-83A1-F6EECF244321}">
-                <p14:modId xmlns:p14="http://schemas.microsoft.com/office/powerpoint/2010/main" val="4240111969"/>
+                <p14:modId xmlns:p14="http://schemas.microsoft.com/office/powerpoint/2010/main" val="1802081571"/>
               </p:ext>
             </p:extLst>
           </p:nvPr>
@@ -5522,8 +9588,18 @@
                     <a:lstStyle/>
                     <a:p>
                       <a:r>
-                        <a:rPr lang="en-US" altLang="zh-CN" dirty="0"/>
-                        <a:t>V+E</a:t>
+                        <a:rPr lang="en-US" altLang="zh-CN" b="1" dirty="0">
+                          <a:sym typeface="Wingdings" pitchFamily="2" charset="2"/>
+                        </a:rPr>
+                        <a:t>(</a:t>
+                      </a:r>
+                      <a:r>
+                        <a:rPr lang="en-US" altLang="zh-CN" b="1" dirty="0"/>
+                        <a:t>V+E)</a:t>
+                      </a:r>
+                      <a:r>
+                        <a:rPr lang="en-US" altLang="zh-CN" b="1" dirty="0" err="1"/>
+                        <a:t>logV</a:t>
                       </a:r>
                       <a:endParaRPr lang="en-US" dirty="0"/>
                     </a:p>
@@ -5600,7 +9676,7 @@
 </p:sld>
 </file>
 
-<file path=ppt/slides/slide3.xml><?xml version="1.0" encoding="utf-8"?>
+<file path=ppt/slides/slide4.xml><?xml version="1.0" encoding="utf-8"?>
 <p:sld xmlns:a="http://schemas.openxmlformats.org/drawingml/2006/main" xmlns:r="http://schemas.openxmlformats.org/officeDocument/2006/relationships" xmlns:p="http://schemas.openxmlformats.org/presentationml/2006/main">
   <p:cSld>
     <p:spTree>
@@ -6728,7 +10804,7 @@
 </p:sld>
 </file>
 
-<file path=ppt/slides/slide4.xml><?xml version="1.0" encoding="utf-8"?>
+<file path=ppt/slides/slide5.xml><?xml version="1.0" encoding="utf-8"?>
 <p:sld xmlns:a="http://schemas.openxmlformats.org/drawingml/2006/main" xmlns:r="http://schemas.openxmlformats.org/officeDocument/2006/relationships" xmlns:p="http://schemas.openxmlformats.org/presentationml/2006/main">
   <p:cSld>
     <p:spTree>
@@ -7373,7 +11449,7 @@
 </p:sld>
 </file>
 
-<file path=ppt/slides/slide5.xml><?xml version="1.0" encoding="utf-8"?>
+<file path=ppt/slides/slide6.xml><?xml version="1.0" encoding="utf-8"?>
 <p:sld xmlns:a="http://schemas.openxmlformats.org/drawingml/2006/main" xmlns:r="http://schemas.openxmlformats.org/officeDocument/2006/relationships" xmlns:p="http://schemas.openxmlformats.org/presentationml/2006/main">
   <p:cSld>
     <p:spTree>
@@ -8601,7 +12677,7 @@
 </p:sld>
 </file>
 
-<file path=ppt/slides/slide6.xml><?xml version="1.0" encoding="utf-8"?>
+<file path=ppt/slides/slide7.xml><?xml version="1.0" encoding="utf-8"?>
 <p:sld xmlns:a="http://schemas.openxmlformats.org/drawingml/2006/main" xmlns:r="http://schemas.openxmlformats.org/officeDocument/2006/relationships" xmlns:p="http://schemas.openxmlformats.org/presentationml/2006/main">
   <p:cSld>
     <p:spTree>
@@ -8690,7 +12766,7 @@
         </p:blipFill>
         <p:spPr>
           <a:xfrm>
-            <a:off x="2734738" y="0"/>
+            <a:off x="2731995" y="6774"/>
             <a:ext cx="4442622" cy="3869855"/>
           </a:xfrm>
           <a:prstGeom prst="rect">
@@ -8999,7 +13075,7 @@
         </p:nvSpPr>
         <p:spPr>
           <a:xfrm>
-            <a:off x="6951099" y="4667272"/>
+            <a:off x="6951099" y="4583035"/>
             <a:ext cx="4958730" cy="369332"/>
           </a:xfrm>
           <a:prstGeom prst="rect">
@@ -9038,7 +13114,7 @@
 </p:sld>
 </file>
 
-<file path=ppt/slides/slide7.xml><?xml version="1.0" encoding="utf-8"?>
+<file path=ppt/slides/slide8.xml><?xml version="1.0" encoding="utf-8"?>
 <p:sld xmlns:a="http://schemas.openxmlformats.org/drawingml/2006/main" xmlns:r="http://schemas.openxmlformats.org/officeDocument/2006/relationships" xmlns:p="http://schemas.openxmlformats.org/presentationml/2006/main">
   <p:cSld>
     <p:spTree>
